--- a/Lectures/Byte 2 Explore.pptx
+++ b/Lectures/Byte 2 Explore.pptx
@@ -5,41 +5,24 @@
     <p:sldMasterId id="2147483648" r:id="rId1"/>
   </p:sldMasterIdLst>
   <p:notesMasterIdLst>
-    <p:notesMasterId r:id="rId31"/>
+    <p:notesMasterId r:id="rId14"/>
   </p:notesMasterIdLst>
   <p:handoutMasterIdLst>
-    <p:handoutMasterId r:id="rId32"/>
+    <p:handoutMasterId r:id="rId15"/>
   </p:handoutMasterIdLst>
   <p:sldIdLst>
     <p:sldId id="256" r:id="rId2"/>
     <p:sldId id="412" r:id="rId3"/>
     <p:sldId id="413" r:id="rId4"/>
-    <p:sldId id="414" r:id="rId5"/>
-    <p:sldId id="416" r:id="rId6"/>
-    <p:sldId id="417" r:id="rId7"/>
-    <p:sldId id="418" r:id="rId8"/>
-    <p:sldId id="419" r:id="rId9"/>
-    <p:sldId id="438" r:id="rId10"/>
-    <p:sldId id="420" r:id="rId11"/>
-    <p:sldId id="432" r:id="rId12"/>
-    <p:sldId id="433" r:id="rId13"/>
-    <p:sldId id="434" r:id="rId14"/>
-    <p:sldId id="435" r:id="rId15"/>
-    <p:sldId id="436" r:id="rId16"/>
-    <p:sldId id="437" r:id="rId17"/>
-    <p:sldId id="421" r:id="rId18"/>
-    <p:sldId id="422" r:id="rId19"/>
-    <p:sldId id="423" r:id="rId20"/>
-    <p:sldId id="430" r:id="rId21"/>
-    <p:sldId id="431" r:id="rId22"/>
-    <p:sldId id="424" r:id="rId23"/>
-    <p:sldId id="425" r:id="rId24"/>
-    <p:sldId id="426" r:id="rId25"/>
-    <p:sldId id="427" r:id="rId26"/>
-    <p:sldId id="428" r:id="rId27"/>
-    <p:sldId id="429" r:id="rId28"/>
-    <p:sldId id="440" r:id="rId29"/>
-    <p:sldId id="442" r:id="rId30"/>
+    <p:sldId id="416" r:id="rId5"/>
+    <p:sldId id="417" r:id="rId6"/>
+    <p:sldId id="418" r:id="rId7"/>
+    <p:sldId id="419" r:id="rId8"/>
+    <p:sldId id="438" r:id="rId9"/>
+    <p:sldId id="420" r:id="rId10"/>
+    <p:sldId id="443" r:id="rId11"/>
+    <p:sldId id="440" r:id="rId12"/>
+    <p:sldId id="442" r:id="rId13"/>
   </p:sldIdLst>
   <p:sldSz cx="9144000" cy="6858000" type="screen4x3"/>
   <p:notesSz cx="6858000" cy="9144000"/>
@@ -138,6 +121,22 @@
       </a:defRPr>
     </a:lvl9pPr>
   </p:defaultTextStyle>
+  <p:extLst>
+    <p:ext uri="{EFAFB233-063F-42B5-8137-9DF3F51BA10A}">
+      <p15:sldGuideLst xmlns:p15="http://schemas.microsoft.com/office/powerpoint/2012/main">
+        <p15:guide id="1" orient="horz" pos="2160">
+          <p15:clr>
+            <a:srgbClr val="A4A3A4"/>
+          </p15:clr>
+        </p15:guide>
+        <p15:guide id="2" pos="583">
+          <p15:clr>
+            <a:srgbClr val="A4A3A4"/>
+          </p15:clr>
+        </p15:guide>
+      </p15:sldGuideLst>
+    </p:ext>
+  </p:extLst>
 </p:presentation>
 </file>
 
@@ -3055,7 +3054,7 @@
           <a:p>
             <a:fld id="{D3AAB66F-B1B7-D045-B4E8-4F60236F228D}" type="datetimeFigureOut">
               <a:rPr lang="en-US" smtClean="0"/>
-              <a:t>1/29/16</a:t>
+              <a:t>1/23/17</a:t>
             </a:fld>
             <a:endParaRPr lang="en-US"/>
           </a:p>
@@ -3221,7 +3220,7 @@
           <a:p>
             <a:fld id="{BCCF8E76-06A6-164E-A6FA-EC32C13EB232}" type="datetimeFigureOut">
               <a:rPr lang="en-US" smtClean="0"/>
-              <a:t>1/29/16</a:t>
+              <a:t>1/23/17</a:t>
             </a:fld>
             <a:endParaRPr lang="en-US"/>
           </a:p>
@@ -4007,7 +4006,7 @@
             <a:fld id="{FA3C144B-2939-9A49-B014-915EC3E81866}" type="datetime1">
               <a:rPr lang="en-US" smtClean="0"/>
               <a:pPr/>
-              <a:t>1/29/16</a:t>
+              <a:t>1/23/17</a:t>
             </a:fld>
             <a:endParaRPr lang="en-US" dirty="0"/>
           </a:p>
@@ -4436,7 +4435,7 @@
           <a:p>
             <a:fld id="{76838339-A875-5E45-AB3F-AAABD270346A}" type="datetime1">
               <a:rPr lang="en-US" smtClean="0"/>
-              <a:t>1/29/16</a:t>
+              <a:t>1/23/17</a:t>
             </a:fld>
             <a:endParaRPr lang="en-US"/>
           </a:p>
@@ -4722,7 +4721,7 @@
             <a:fld id="{FA3C144B-2939-9A49-B014-915EC3E81866}" type="datetime1">
               <a:rPr lang="en-US" smtClean="0"/>
               <a:pPr/>
-              <a:t>1/29/16</a:t>
+              <a:t>1/23/17</a:t>
             </a:fld>
             <a:endParaRPr lang="en-US" dirty="0"/>
           </a:p>
@@ -5204,7 +5203,7 @@
           <a:p>
             <a:fld id="{A73F672F-A5FB-5745-934A-1BF51CA5539C}" type="datetime1">
               <a:rPr lang="en-US" smtClean="0"/>
-              <a:t>1/29/16</a:t>
+              <a:t>1/23/17</a:t>
             </a:fld>
             <a:endParaRPr lang="en-US"/>
           </a:p>
@@ -5546,7 +5545,7 @@
             <a:fld id="{FA3C144B-2939-9A49-B014-915EC3E81866}" type="datetime1">
               <a:rPr lang="en-US" smtClean="0"/>
               <a:pPr/>
-              <a:t>1/29/16</a:t>
+              <a:t>1/23/17</a:t>
             </a:fld>
             <a:endParaRPr lang="en-US" dirty="0"/>
           </a:p>
@@ -6010,7 +6009,7 @@
           <a:p>
             <a:fld id="{6AFE6A63-5EBE-3E48-B0AE-DF655A1ECE76}" type="datetime1">
               <a:rPr lang="en-US" smtClean="0"/>
-              <a:t>1/29/16</a:t>
+              <a:t>1/23/17</a:t>
             </a:fld>
             <a:endParaRPr lang="en-US"/>
           </a:p>
@@ -6329,7 +6328,7 @@
           <a:p>
             <a:fld id="{4A019F0C-9D18-B54A-9AC9-18AA74EDB034}" type="datetime1">
               <a:rPr lang="en-US" smtClean="0"/>
-              <a:t>1/29/16</a:t>
+              <a:t>1/23/17</a:t>
             </a:fld>
             <a:endParaRPr lang="en-US"/>
           </a:p>
@@ -6639,7 +6638,7 @@
             <a:fld id="{FA3C144B-2939-9A49-B014-915EC3E81866}" type="datetime1">
               <a:rPr lang="en-US" smtClean="0"/>
               <a:pPr/>
-              <a:t>1/29/16</a:t>
+              <a:t>1/23/17</a:t>
             </a:fld>
             <a:endParaRPr lang="en-US" dirty="0"/>
           </a:p>
@@ -6902,7 +6901,7 @@
           <a:p>
             <a:fld id="{FA3C144B-2939-9A49-B014-915EC3E81866}" type="datetime1">
               <a:rPr lang="en-US" smtClean="0"/>
-              <a:t>1/29/16</a:t>
+              <a:t>1/23/17</a:t>
             </a:fld>
             <a:endParaRPr lang="en-US" dirty="0"/>
           </a:p>
@@ -7270,7 +7269,7 @@
           <a:p>
             <a:fld id="{7053BEFA-1175-F644-B249-7D41D72BD3FF}" type="datetime1">
               <a:rPr lang="en-US" smtClean="0"/>
-              <a:t>1/29/16</a:t>
+              <a:t>1/23/17</a:t>
             </a:fld>
             <a:endParaRPr lang="en-US"/>
           </a:p>
@@ -7389,7 +7388,7 @@
             <a:fld id="{FA3C144B-2939-9A49-B014-915EC3E81866}" type="datetime1">
               <a:rPr lang="en-US" smtClean="0"/>
               <a:pPr/>
-              <a:t>1/29/16</a:t>
+              <a:t>1/23/17</a:t>
             </a:fld>
             <a:endParaRPr lang="en-US" dirty="0"/>
           </a:p>
@@ -7606,7 +7605,7 @@
             <a:fld id="{FA3C144B-2939-9A49-B014-915EC3E81866}" type="datetime1">
               <a:rPr lang="en-US" smtClean="0"/>
               <a:pPr/>
-              <a:t>1/29/16</a:t>
+              <a:t>1/23/17</a:t>
             </a:fld>
             <a:endParaRPr lang="en-US" dirty="0"/>
           </a:p>
@@ -7851,7 +7850,7 @@
             <a:fld id="{FA3C144B-2939-9A49-B014-915EC3E81866}" type="datetime1">
               <a:rPr lang="en-US" smtClean="0"/>
               <a:pPr/>
-              <a:t>1/29/16</a:t>
+              <a:t>1/23/17</a:t>
             </a:fld>
             <a:endParaRPr lang="en-US" dirty="0"/>
           </a:p>
@@ -8229,7 +8228,7 @@
           <a:p>
             <a:fld id="{111EEF3B-ABF2-AA4E-9E24-0C6256942674}" type="datetime1">
               <a:rPr lang="en-US" smtClean="0"/>
-              <a:t>1/29/16</a:t>
+              <a:t>1/23/17</a:t>
             </a:fld>
             <a:endParaRPr lang="en-US"/>
           </a:p>
@@ -8393,7 +8392,7 @@
             <a:fld id="{FA3C144B-2939-9A49-B014-915EC3E81866}" type="datetime1">
               <a:rPr lang="en-US" smtClean="0"/>
               <a:pPr/>
-              <a:t>1/29/16</a:t>
+              <a:t>1/23/17</a:t>
             </a:fld>
             <a:endParaRPr lang="en-US" dirty="0"/>
           </a:p>
@@ -8810,7 +8809,7 @@
             <a:fld id="{FA3C144B-2939-9A49-B014-915EC3E81866}" type="datetime1">
               <a:rPr lang="en-US" smtClean="0"/>
               <a:pPr/>
-              <a:t>1/29/16</a:t>
+              <a:t>1/23/17</a:t>
             </a:fld>
             <a:endParaRPr lang="en-US" dirty="0"/>
           </a:p>
@@ -9126,7 +9125,7 @@
             <a:fld id="{FA3C144B-2939-9A49-B014-915EC3E81866}" type="datetime1">
               <a:rPr lang="en-US" smtClean="0"/>
               <a:pPr/>
-              <a:t>1/29/16</a:t>
+              <a:t>1/23/17</a:t>
             </a:fld>
             <a:endParaRPr lang="en-US" dirty="0"/>
           </a:p>
@@ -9792,7 +9791,7 @@
             <a:fld id="{FA3C144B-2939-9A49-B014-915EC3E81866}" type="datetime1">
               <a:rPr lang="en-US" smtClean="0"/>
               <a:pPr/>
-              <a:t>1/29/16</a:t>
+              <a:t>1/23/17</a:t>
             </a:fld>
             <a:endParaRPr lang="en-US" dirty="0"/>
           </a:p>
@@ -10077,7 +10076,7 @@
           <a:effectLst/>
           <a:extLst>
             <a:ext uri="{91240B29-F687-4f45-9708-019B960494DF}">
-              <a14:hiddenLine xmlns:a14="http://schemas.microsoft.com/office/drawing/2010/main" w="9525">
+              <a14:hiddenLine xmlns:a14="http://schemas.microsoft.com/office/drawing/2010/main" xmlns="" w="9525">
                 <a:solidFill>
                   <a:srgbClr val="000000"/>
                 </a:solidFill>
@@ -10087,7 +10086,7 @@
               </a14:hiddenLine>
             </a:ext>
             <a:ext uri="{AF507438-7753-43e0-B8FC-AC1667EBCBE1}">
-              <a14:hiddenEffects xmlns:a14="http://schemas.microsoft.com/office/drawing/2010/main">
+              <a14:hiddenEffects xmlns:a14="http://schemas.microsoft.com/office/drawing/2010/main" xmlns="">
                 <a:effectLst>
                   <a:outerShdw blurRad="40000" dist="23000" dir="5400000" rotWithShape="0">
                     <a:srgbClr val="000000">
@@ -10187,7 +10186,7 @@
   <p:timing>
     <p:tnLst>
       <p:par>
-        <p:cTn xmlns:p14="http://schemas.microsoft.com/office/powerpoint/2010/main" id="1" dur="indefinite" restart="never" nodeType="tmRoot"/>
+        <p:cTn id="1" dur="indefinite" restart="never" nodeType="tmRoot"/>
       </p:par>
     </p:tnLst>
   </p:timing>
@@ -10548,12 +10547,12 @@
               <a:t>Jennifer </a:t>
             </a:r>
             <a:r>
-              <a:rPr lang="en-US" dirty="0"/>
-              <a:t>M</a:t>
-            </a:r>
-            <a:r>
-              <a:rPr lang="en-US" dirty="0" smtClean="0"/>
-              <a:t>ankoff</a:t>
+              <a:rPr lang="en-US" dirty="0" err="1" smtClean="0"/>
+              <a:t>Mankoff</a:t>
+            </a:r>
+            <a:r>
+              <a:rPr lang="en-US" dirty="0" smtClean="0"/>
+              <a:t> &amp; Nikola Banovic</a:t>
             </a:r>
             <a:endParaRPr lang="en-US" dirty="0"/>
           </a:p>
@@ -10576,7 +10575,11 @@
           <a:p>
             <a:r>
               <a:rPr lang="en-US" dirty="0" smtClean="0"/>
-              <a:t>The Data Pipeline; HCII; Spring 2014</a:t>
+              <a:t>The Data Pipeline; HCII; Spring </a:t>
+            </a:r>
+            <a:r>
+              <a:rPr lang="en-US" dirty="0" smtClean="0"/>
+              <a:t>2017</a:t>
             </a:r>
             <a:endParaRPr lang="en-US" dirty="0"/>
           </a:p>
@@ -10788,7 +10791,7 @@
           <a:effectLst/>
           <a:extLst>
             <a:ext uri="{91240B29-F687-4f45-9708-019B960494DF}">
-              <a14:hiddenLine xmlns:a14="http://schemas.microsoft.com/office/drawing/2010/main" w="9525">
+              <a14:hiddenLine xmlns:a14="http://schemas.microsoft.com/office/drawing/2010/main" xmlns="" w="9525">
                 <a:solidFill>
                   <a:srgbClr val="000000"/>
                 </a:solidFill>
@@ -10798,7 +10801,7 @@
               </a14:hiddenLine>
             </a:ext>
             <a:ext uri="{AF507438-7753-43e0-B8FC-AC1667EBCBE1}">
-              <a14:hiddenEffects xmlns:a14="http://schemas.microsoft.com/office/drawing/2010/main">
+              <a14:hiddenEffects xmlns:a14="http://schemas.microsoft.com/office/drawing/2010/main" xmlns="">
                 <a:effectLst>
                   <a:outerShdw blurRad="40000" dist="23000" dir="5400000" rotWithShape="0">
                     <a:srgbClr val="000000">
@@ -10835,7 +10838,7 @@
   <p:timing>
     <p:tnLst>
       <p:par>
-        <p:cTn xmlns:p14="http://schemas.microsoft.com/office/powerpoint/2010/main" id="1" dur="indefinite" restart="never" nodeType="tmRoot"/>
+        <p:cTn id="1" dur="indefinite" restart="never" nodeType="tmRoot"/>
       </p:par>
     </p:tnLst>
   </p:timing>
@@ -10875,61 +10878,92 @@
           <a:lstStyle/>
           <a:p>
             <a:r>
+              <a:rPr lang="en-US" dirty="0" smtClean="0"/>
+              <a:t>Two Adventures</a:t>
+            </a:r>
+            <a:endParaRPr lang="en-US" dirty="0"/>
+          </a:p>
+        </p:txBody>
+      </p:sp>
+      <p:sp>
+        <p:nvSpPr>
+          <p:cNvPr id="3" name="Content Placeholder 2"/>
+          <p:cNvSpPr>
+            <a:spLocks noGrp="1"/>
+          </p:cNvSpPr>
+          <p:nvPr>
+            <p:ph idx="1"/>
+          </p:nvPr>
+        </p:nvSpPr>
+        <p:spPr/>
+        <p:txBody>
+          <a:bodyPr/>
+          <a:lstStyle/>
+          <a:p>
+            <a:r>
+              <a:rPr lang="en-US" dirty="0" smtClean="0"/>
+              <a:t>Using Google Data Lab to clean up and explore the data (Expert Level)</a:t>
+            </a:r>
+          </a:p>
+          <a:p>
+            <a:pPr lvl="1"/>
+            <a:r>
+              <a:rPr lang="en-US" dirty="0" smtClean="0"/>
+              <a:t>Find a data set (for example, from a Fusion Table)</a:t>
+            </a:r>
+          </a:p>
+          <a:p>
+            <a:pPr lvl="1"/>
+            <a:r>
+              <a:rPr lang="en-US" dirty="0" smtClean="0"/>
+              <a:t>Use the Fusion Tables API to access the data.</a:t>
+            </a:r>
+          </a:p>
+          <a:p>
+            <a:pPr lvl="1"/>
+            <a:r>
+              <a:rPr lang="en-US" dirty="0" smtClean="0"/>
+              <a:t>Clean up the data using Pandas.</a:t>
+            </a:r>
+          </a:p>
+          <a:p>
+            <a:pPr lvl="1"/>
+            <a:r>
+              <a:rPr lang="en-US" dirty="0" smtClean="0"/>
+              <a:t>Visualize the data using </a:t>
+            </a:r>
+            <a:r>
               <a:rPr lang="en-US" dirty="0" err="1" smtClean="0"/>
-              <a:t>explore.py</a:t>
-            </a:r>
+              <a:t>Seaborn</a:t>
+            </a:r>
+            <a:r>
+              <a:rPr lang="en-US" dirty="0" smtClean="0"/>
+              <a:t>.</a:t>
+            </a:r>
+          </a:p>
+          <a:p>
+            <a:pPr lvl="1"/>
+            <a:r>
+              <a:rPr lang="en-US" dirty="0" smtClean="0"/>
+              <a:t>Export the plots as images and place them in your app.</a:t>
+            </a:r>
+          </a:p>
+          <a:p>
+            <a:pPr lvl="1"/>
+            <a:endParaRPr lang="en-US" dirty="0" smtClean="0"/>
+          </a:p>
+          <a:p>
+            <a:pPr marL="514350" indent="-514350">
+              <a:buFont typeface="+mj-lt"/>
+              <a:buAutoNum type="arabicPeriod"/>
+            </a:pPr>
             <a:endParaRPr lang="en-US" dirty="0"/>
           </a:p>
-        </p:txBody>
-      </p:sp>
-      <p:sp>
-        <p:nvSpPr>
-          <p:cNvPr id="3" name="Content Placeholder 2"/>
-          <p:cNvSpPr>
-            <a:spLocks noGrp="1"/>
-          </p:cNvSpPr>
-          <p:nvPr>
-            <p:ph idx="1"/>
-          </p:nvPr>
-        </p:nvSpPr>
-        <p:spPr/>
-        <p:txBody>
-          <a:bodyPr/>
-          <a:lstStyle/>
           <a:p>
             <a:pPr marL="0" indent="0">
               <a:buNone/>
             </a:pPr>
-            <a:r>
-              <a:rPr lang="en-US" dirty="0" smtClean="0"/>
-              <a:t>Will ‘dump’ all the data into a ‘</a:t>
-            </a:r>
-            <a:r>
-              <a:rPr lang="en-US" dirty="0" err="1" smtClean="0"/>
-              <a:t>data.json</a:t>
-            </a:r>
-            <a:r>
-              <a:rPr lang="en-US" dirty="0" smtClean="0"/>
-              <a:t>’ file</a:t>
-            </a:r>
-          </a:p>
-          <a:p>
-            <a:pPr marL="0" indent="0">
-              <a:buNone/>
-            </a:pPr>
-            <a:r>
-              <a:rPr lang="en-US" dirty="0" smtClean="0"/>
-              <a:t>Uses try/except to check for the file (only queries when deleted)</a:t>
-            </a:r>
-          </a:p>
-          <a:p>
-            <a:pPr marL="0" indent="0">
-              <a:buNone/>
-            </a:pPr>
-            <a:r>
-              <a:rPr lang="en-US" dirty="0" smtClean="0"/>
-              <a:t>Uses nested loops to create a summary of the variety in the data (because so much of it is not numerical)</a:t>
-            </a:r>
+            <a:endParaRPr lang="en-US" dirty="0" smtClean="0"/>
           </a:p>
           <a:p>
             <a:pPr marL="0" indent="0">
@@ -10937,18 +10971,6 @@
             </a:pPr>
             <a:endParaRPr lang="en-US" dirty="0"/>
           </a:p>
-          <a:p>
-            <a:pPr marL="0" indent="0">
-              <a:buNone/>
-            </a:pPr>
-            <a:endParaRPr lang="en-US" dirty="0" smtClean="0"/>
-          </a:p>
-          <a:p>
-            <a:pPr marL="0" indent="0">
-              <a:buNone/>
-            </a:pPr>
-            <a:endParaRPr lang="en-US" dirty="0"/>
-          </a:p>
         </p:txBody>
       </p:sp>
       <p:sp>
@@ -10968,7 +10990,7 @@
           <a:p>
             <a:fld id="{7053BEFA-1175-F644-B249-7D41D72BD3FF}" type="datetime1">
               <a:rPr lang="en-US" smtClean="0"/>
-              <a:t>1/29/16</a:t>
+              <a:t>1/23/17</a:t>
             </a:fld>
             <a:endParaRPr lang="en-US"/>
           </a:p>
@@ -11019,7 +11041,7 @@
     </p:spTree>
     <p:extLst>
       <p:ext uri="{BB962C8B-B14F-4D97-AF65-F5344CB8AC3E}">
-        <p14:creationId xmlns:p14="http://schemas.microsoft.com/office/powerpoint/2010/main" val="2441020037"/>
+        <p14:creationId xmlns:p14="http://schemas.microsoft.com/office/powerpoint/2010/main" val="99915878"/>
       </p:ext>
     </p:extLst>
   </p:cSld>
@@ -11029,7 +11051,7 @@
   <p:timing>
     <p:tnLst>
       <p:par>
-        <p:cTn xmlns:p14="http://schemas.microsoft.com/office/powerpoint/2010/main" id="1" dur="indefinite" restart="never" nodeType="tmRoot"/>
+        <p:cTn id="1" dur="indefinite" restart="never" nodeType="tmRoot"/>
       </p:par>
     </p:tnLst>
   </p:timing>
@@ -11070,7 +11092,7 @@
           <a:p>
             <a:r>
               <a:rPr lang="en-US" dirty="0" smtClean="0"/>
-              <a:t>Summary Structure</a:t>
+              <a:t>Questions you should be able to answer about Byte2</a:t>
             </a:r>
             <a:endParaRPr lang="en-US" dirty="0"/>
           </a:p>
@@ -11086,7 +11108,12 @@
             <p:ph idx="1"/>
           </p:nvPr>
         </p:nvSpPr>
-        <p:spPr/>
+        <p:spPr>
+          <a:xfrm>
+            <a:off x="1128943" y="1707993"/>
+            <a:ext cx="7048804" cy="4379976"/>
+          </a:xfrm>
+        </p:spPr>
         <p:txBody>
           <a:bodyPr/>
           <a:lstStyle/>
@@ -11095,45 +11122,94 @@
               <a:buNone/>
             </a:pPr>
             <a:r>
-              <a:rPr lang="en-US" sz="2400" dirty="0" smtClean="0"/>
-              <a:t>{</a:t>
-            </a:r>
-            <a:r>
-              <a:rPr lang="en-US" sz="2400" dirty="0" err="1" smtClean="0"/>
-              <a:t>u'Age</a:t>
-            </a:r>
-            <a:r>
               <a:rPr lang="en-US" sz="2400" dirty="0"/>
-              <a:t>': {'Older than 7 years': 1250, 'Infant - Younger than 6 months': 1143, 'Older than 1 year': 3794, 'Youth - Younger than 1 year': 915, 'EMPTY': 2533</a:t>
-            </a:r>
-            <a:r>
-              <a:rPr lang="en-US" sz="2400" dirty="0" smtClean="0"/>
-              <a:t>}…}</a:t>
+              <a:t>Is the data complete? If not, what is missing and what concerns does it raise?</a:t>
             </a:r>
           </a:p>
           <a:p>
             <a:pPr marL="0" indent="0">
               <a:buNone/>
             </a:pPr>
-            <a:endParaRPr lang="en-US" sz="2400" dirty="0"/>
+            <a:r>
+              <a:rPr lang="en-US" sz="2400" dirty="0"/>
+              <a:t>Is the data coherent? </a:t>
+            </a:r>
+          </a:p>
+          <a:p>
+            <a:pPr marL="228600" lvl="1" indent="0">
+              <a:buNone/>
+            </a:pPr>
+            <a:r>
+              <a:rPr lang="en-US" sz="1800" dirty="0"/>
+              <a:t>Does it make sense relative to itself? </a:t>
+            </a:r>
+          </a:p>
+          <a:p>
+            <a:pPr marL="228600" lvl="1" indent="0">
+              <a:buNone/>
+            </a:pPr>
+            <a:r>
+              <a:rPr lang="en-US" sz="1800" dirty="0"/>
+              <a:t>Does it match your expectations? </a:t>
+            </a:r>
+          </a:p>
+          <a:p>
+            <a:pPr marL="228600" lvl="1" indent="0">
+              <a:buNone/>
+            </a:pPr>
+            <a:r>
+              <a:rPr lang="en-US" sz="1800" dirty="0"/>
+              <a:t>Is the data is distributed across its possible values in a way that makes sense?</a:t>
+            </a:r>
           </a:p>
           <a:p>
             <a:pPr marL="0" indent="0">
               <a:buNone/>
             </a:pPr>
-            <a:endParaRPr lang="en-US" dirty="0"/>
+            <a:r>
+              <a:rPr lang="en-US" sz="2400" dirty="0"/>
+              <a:t>Is the data correct?</a:t>
+            </a:r>
+          </a:p>
+          <a:p>
+            <a:pPr marL="228600" lvl="1" indent="0">
+              <a:buNone/>
+            </a:pPr>
+            <a:r>
+              <a:rPr lang="en-US" sz="1800" dirty="0"/>
+              <a:t>What aspects of this data can you verify?</a:t>
+            </a:r>
+          </a:p>
+          <a:p>
+            <a:pPr marL="228600" lvl="1" indent="0">
+              <a:buNone/>
+            </a:pPr>
+            <a:r>
+              <a:rPr lang="en-US" sz="1800" dirty="0"/>
+              <a:t>What did you find</a:t>
+            </a:r>
+            <a:r>
+              <a:rPr lang="en-US" sz="1800" dirty="0" smtClean="0"/>
+              <a:t>?</a:t>
+            </a:r>
+            <a:endParaRPr lang="en-US" sz="1800" dirty="0"/>
           </a:p>
           <a:p>
             <a:pPr marL="0" indent="0">
               <a:buNone/>
             </a:pPr>
-            <a:endParaRPr lang="en-US" dirty="0" smtClean="0"/>
-          </a:p>
-          <a:p>
-            <a:pPr marL="0" indent="0">
-              <a:buNone/>
-            </a:pPr>
-            <a:endParaRPr lang="en-US" dirty="0"/>
+            <a:r>
+              <a:rPr lang="en-US" sz="2400" dirty="0" smtClean="0"/>
+              <a:t>Answers could include text, hand drawn images, </a:t>
+            </a:r>
+            <a:r>
+              <a:rPr lang="en-US" sz="2400" dirty="0" err="1" smtClean="0"/>
+              <a:t>pyplot</a:t>
+            </a:r>
+            <a:r>
+              <a:rPr lang="en-US" sz="2400" dirty="0" smtClean="0"/>
+              <a:t> images, even interactive graphics</a:t>
+            </a:r>
           </a:p>
         </p:txBody>
       </p:sp>
@@ -11154,7 +11230,7 @@
           <a:p>
             <a:fld id="{7053BEFA-1175-F644-B249-7D41D72BD3FF}" type="datetime1">
               <a:rPr lang="en-US" smtClean="0"/>
-              <a:t>1/29/16</a:t>
+              <a:t>1/23/17</a:t>
             </a:fld>
             <a:endParaRPr lang="en-US"/>
           </a:p>
@@ -11205,7 +11281,7 @@
     </p:spTree>
     <p:extLst>
       <p:ext uri="{BB962C8B-B14F-4D97-AF65-F5344CB8AC3E}">
-        <p14:creationId xmlns:p14="http://schemas.microsoft.com/office/powerpoint/2010/main" val="2323655827"/>
+        <p14:creationId xmlns:p14="http://schemas.microsoft.com/office/powerpoint/2010/main" val="2756876228"/>
       </p:ext>
     </p:extLst>
   </p:cSld>
@@ -11215,7 +11291,7 @@
   <p:timing>
     <p:tnLst>
       <p:par>
-        <p:cTn xmlns:p14="http://schemas.microsoft.com/office/powerpoint/2010/main" id="1" dur="indefinite" restart="never" nodeType="tmRoot"/>
+        <p:cTn id="1" dur="indefinite" restart="never" nodeType="tmRoot"/>
       </p:par>
     </p:tnLst>
   </p:timing>
@@ -11256,7 +11332,7 @@
           <a:p>
             <a:r>
               <a:rPr lang="en-US" dirty="0" smtClean="0"/>
-              <a:t>Summary Structure</a:t>
+              <a:t>Can you use a different data set?</a:t>
             </a:r>
             <a:endParaRPr lang="en-US" dirty="0"/>
           </a:p>
@@ -11277,53 +11353,16 @@
           <a:bodyPr/>
           <a:lstStyle/>
           <a:p>
-            <a:pPr marL="0" indent="0">
-              <a:buNone/>
-            </a:pPr>
-            <a:r>
-              <a:rPr lang="en-US" sz="2400" dirty="0" smtClean="0"/>
-              <a:t>{</a:t>
-            </a:r>
-            <a:r>
-              <a:rPr lang="en-US" sz="2400" b="1" dirty="0" err="1" smtClean="0"/>
-              <a:t>u'Age</a:t>
-            </a:r>
-            <a:r>
-              <a:rPr lang="en-US" sz="2400" b="1" dirty="0"/>
-              <a:t>':</a:t>
-            </a:r>
-            <a:r>
-              <a:rPr lang="en-US" sz="2400" dirty="0"/>
-              <a:t> {'Older than 7 years': 1250, 'Infant - Younger than 6 months': 1143, 'Older than 1 year': 3794, 'Youth - Younger than 1 year': 915, 'EMPTY': 2533</a:t>
-            </a:r>
-            <a:r>
-              <a:rPr lang="en-US" sz="2400" dirty="0" smtClean="0"/>
-              <a:t>}…}</a:t>
-            </a:r>
-          </a:p>
-          <a:p>
-            <a:pPr marL="0" indent="0">
-              <a:buNone/>
-            </a:pPr>
-            <a:endParaRPr lang="en-US" sz="2400" dirty="0"/>
-          </a:p>
-          <a:p>
-            <a:pPr marL="0" indent="0">
-              <a:buNone/>
-            </a:pPr>
-            <a:endParaRPr lang="en-US" dirty="0"/>
-          </a:p>
-          <a:p>
-            <a:pPr marL="0" indent="0">
-              <a:buNone/>
-            </a:pPr>
-            <a:endParaRPr lang="en-US" dirty="0" smtClean="0"/>
-          </a:p>
-          <a:p>
-            <a:pPr marL="0" indent="0">
-              <a:buNone/>
-            </a:pPr>
-            <a:endParaRPr lang="en-US" dirty="0"/>
+            <a:r>
+              <a:rPr lang="en-US" dirty="0" smtClean="0"/>
+              <a:t>Absolutely</a:t>
+            </a:r>
+          </a:p>
+          <a:p>
+            <a:r>
+              <a:rPr lang="en-US" dirty="0" smtClean="0"/>
+              <a:t>Recommend you choose one that is on fusion tables or that you can upload there, if you go somewhere else.</a:t>
+            </a:r>
           </a:p>
         </p:txBody>
       </p:sp>
@@ -11344,7 +11383,7 @@
           <a:p>
             <a:fld id="{7053BEFA-1175-F644-B249-7D41D72BD3FF}" type="datetime1">
               <a:rPr lang="en-US" smtClean="0"/>
-              <a:t>1/29/16</a:t>
+              <a:t>1/23/17</a:t>
             </a:fld>
             <a:endParaRPr lang="en-US"/>
           </a:p>
@@ -11392,61 +11431,10 @@
           </a:p>
         </p:txBody>
       </p:sp>
-      <p:sp>
-        <p:nvSpPr>
-          <p:cNvPr id="7" name="Line Callout 2 (Accent Bar) 6"/>
-          <p:cNvSpPr/>
-          <p:nvPr/>
-        </p:nvSpPr>
-        <p:spPr>
-          <a:xfrm>
-            <a:off x="3452554" y="2735384"/>
-            <a:ext cx="2096369" cy="1044539"/>
-          </a:xfrm>
-          <a:prstGeom prst="accentCallout2">
-            <a:avLst>
-              <a:gd name="adj1" fmla="val 18750"/>
-              <a:gd name="adj2" fmla="val -8333"/>
-              <a:gd name="adj3" fmla="val 18750"/>
-              <a:gd name="adj4" fmla="val -16667"/>
-              <a:gd name="adj5" fmla="val -39014"/>
-              <a:gd name="adj6" fmla="val -55987"/>
-            </a:avLst>
-          </a:prstGeom>
-        </p:spPr>
-        <p:style>
-          <a:lnRef idx="2">
-            <a:schemeClr val="accent1">
-              <a:shade val="50000"/>
-            </a:schemeClr>
-          </a:lnRef>
-          <a:fillRef idx="1">
-            <a:schemeClr val="accent1"/>
-          </a:fillRef>
-          <a:effectRef idx="0">
-            <a:schemeClr val="accent1"/>
-          </a:effectRef>
-          <a:fontRef idx="minor">
-            <a:schemeClr val="lt1"/>
-          </a:fontRef>
-        </p:style>
-        <p:txBody>
-          <a:bodyPr rtlCol="0" anchor="ctr"/>
-          <a:lstStyle/>
-          <a:p>
-            <a:pPr algn="ctr"/>
-            <a:r>
-              <a:rPr lang="en-US" dirty="0" smtClean="0"/>
-              <a:t>Column Name</a:t>
-            </a:r>
-            <a:endParaRPr lang="en-US" dirty="0"/>
-          </a:p>
-        </p:txBody>
-      </p:sp>
     </p:spTree>
     <p:extLst>
       <p:ext uri="{BB962C8B-B14F-4D97-AF65-F5344CB8AC3E}">
-        <p14:creationId xmlns:p14="http://schemas.microsoft.com/office/powerpoint/2010/main" val="1475460449"/>
+        <p14:creationId xmlns:p14="http://schemas.microsoft.com/office/powerpoint/2010/main" val="722875037"/>
       </p:ext>
     </p:extLst>
   </p:cSld>
@@ -11456,1721 +11444,7 @@
   <p:timing>
     <p:tnLst>
       <p:par>
-        <p:cTn xmlns:p14="http://schemas.microsoft.com/office/powerpoint/2010/main" id="1" dur="indefinite" restart="never" nodeType="tmRoot"/>
-      </p:par>
-    </p:tnLst>
-  </p:timing>
-</p:sld>
-</file>
-
-<file path=ppt/slides/slide13.xml><?xml version="1.0" encoding="utf-8"?>
-<p:sld xmlns:a="http://schemas.openxmlformats.org/drawingml/2006/main" xmlns:r="http://schemas.openxmlformats.org/officeDocument/2006/relationships" xmlns:p="http://schemas.openxmlformats.org/presentationml/2006/main">
-  <p:cSld>
-    <p:spTree>
-      <p:nvGrpSpPr>
-        <p:cNvPr id="1" name=""/>
-        <p:cNvGrpSpPr/>
-        <p:nvPr/>
-      </p:nvGrpSpPr>
-      <p:grpSpPr>
-        <a:xfrm>
-          <a:off x="0" y="0"/>
-          <a:ext cx="0" cy="0"/>
-          <a:chOff x="0" y="0"/>
-          <a:chExt cx="0" cy="0"/>
-        </a:xfrm>
-      </p:grpSpPr>
-      <p:sp>
-        <p:nvSpPr>
-          <p:cNvPr id="2" name="Title 1"/>
-          <p:cNvSpPr>
-            <a:spLocks noGrp="1"/>
-          </p:cNvSpPr>
-          <p:nvPr>
-            <p:ph type="title"/>
-          </p:nvPr>
-        </p:nvSpPr>
-        <p:spPr/>
-        <p:txBody>
-          <a:bodyPr/>
-          <a:lstStyle/>
-          <a:p>
-            <a:r>
-              <a:rPr lang="en-US" dirty="0" smtClean="0"/>
-              <a:t>Summary Structure</a:t>
-            </a:r>
-            <a:endParaRPr lang="en-US" dirty="0"/>
-          </a:p>
-        </p:txBody>
-      </p:sp>
-      <p:sp>
-        <p:nvSpPr>
-          <p:cNvPr id="3" name="Content Placeholder 2"/>
-          <p:cNvSpPr>
-            <a:spLocks noGrp="1"/>
-          </p:cNvSpPr>
-          <p:nvPr>
-            <p:ph idx="1"/>
-          </p:nvPr>
-        </p:nvSpPr>
-        <p:spPr/>
-        <p:txBody>
-          <a:bodyPr/>
-          <a:lstStyle/>
-          <a:p>
-            <a:pPr marL="0" indent="0">
-              <a:buNone/>
-            </a:pPr>
-            <a:r>
-              <a:rPr lang="en-US" sz="2400" dirty="0" smtClean="0"/>
-              <a:t>{</a:t>
-            </a:r>
-            <a:r>
-              <a:rPr lang="en-US" sz="2400" dirty="0" err="1" smtClean="0"/>
-              <a:t>u'Age</a:t>
-            </a:r>
-            <a:r>
-              <a:rPr lang="en-US" sz="2400" dirty="0"/>
-              <a:t>': {</a:t>
-            </a:r>
-            <a:r>
-              <a:rPr lang="en-US" sz="2400" b="1" dirty="0"/>
-              <a:t>'Older than 7 years': </a:t>
-            </a:r>
-            <a:r>
-              <a:rPr lang="en-US" sz="2400" dirty="0"/>
-              <a:t>1250, 'Infant - Younger than 6 months': 1143, 'Older than 1 year': 3794, 'Youth - Younger than 1 year': 915, 'EMPTY': 2533</a:t>
-            </a:r>
-            <a:r>
-              <a:rPr lang="en-US" sz="2400" dirty="0" smtClean="0"/>
-              <a:t>}…}</a:t>
-            </a:r>
-          </a:p>
-          <a:p>
-            <a:pPr marL="0" indent="0">
-              <a:buNone/>
-            </a:pPr>
-            <a:endParaRPr lang="en-US" sz="2400" dirty="0"/>
-          </a:p>
-          <a:p>
-            <a:pPr marL="0" indent="0">
-              <a:buNone/>
-            </a:pPr>
-            <a:endParaRPr lang="en-US" dirty="0"/>
-          </a:p>
-          <a:p>
-            <a:pPr marL="0" indent="0">
-              <a:buNone/>
-            </a:pPr>
-            <a:endParaRPr lang="en-US" dirty="0" smtClean="0"/>
-          </a:p>
-          <a:p>
-            <a:pPr marL="0" indent="0">
-              <a:buNone/>
-            </a:pPr>
-            <a:endParaRPr lang="en-US" dirty="0"/>
-          </a:p>
-        </p:txBody>
-      </p:sp>
-      <p:sp>
-        <p:nvSpPr>
-          <p:cNvPr id="4" name="Date Placeholder 3"/>
-          <p:cNvSpPr>
-            <a:spLocks noGrp="1"/>
-          </p:cNvSpPr>
-          <p:nvPr>
-            <p:ph type="dt" sz="half" idx="10"/>
-          </p:nvPr>
-        </p:nvSpPr>
-        <p:spPr/>
-        <p:txBody>
-          <a:bodyPr/>
-          <a:lstStyle/>
-          <a:p>
-            <a:fld id="{7053BEFA-1175-F644-B249-7D41D72BD3FF}" type="datetime1">
-              <a:rPr lang="en-US" smtClean="0"/>
-              <a:t>1/29/16</a:t>
-            </a:fld>
-            <a:endParaRPr lang="en-US"/>
-          </a:p>
-        </p:txBody>
-      </p:sp>
-      <p:sp>
-        <p:nvSpPr>
-          <p:cNvPr id="5" name="Footer Placeholder 4"/>
-          <p:cNvSpPr>
-            <a:spLocks noGrp="1"/>
-          </p:cNvSpPr>
-          <p:nvPr>
-            <p:ph type="ftr" sz="quarter" idx="11"/>
-          </p:nvPr>
-        </p:nvSpPr>
-        <p:spPr/>
-        <p:txBody>
-          <a:bodyPr/>
-          <a:lstStyle/>
-          <a:p>
-            <a:endParaRPr lang="en-US" dirty="0"/>
-          </a:p>
-        </p:txBody>
-      </p:sp>
-      <p:sp>
-        <p:nvSpPr>
-          <p:cNvPr id="6" name="Slide Number Placeholder 5"/>
-          <p:cNvSpPr>
-            <a:spLocks noGrp="1"/>
-          </p:cNvSpPr>
-          <p:nvPr>
-            <p:ph type="sldNum" sz="quarter" idx="12"/>
-          </p:nvPr>
-        </p:nvSpPr>
-        <p:spPr/>
-        <p:txBody>
-          <a:bodyPr/>
-          <a:lstStyle/>
-          <a:p>
-            <a:fld id="{17E276FA-8F89-B34D-A726-BE3FA1F8DD97}" type="slidenum">
-              <a:rPr lang="en-US" smtClean="0"/>
-              <a:t>13</a:t>
-            </a:fld>
-            <a:endParaRPr lang="en-US" dirty="0"/>
-          </a:p>
-        </p:txBody>
-      </p:sp>
-      <p:sp>
-        <p:nvSpPr>
-          <p:cNvPr id="7" name="Line Callout 2 (Accent Bar) 6"/>
-          <p:cNvSpPr/>
-          <p:nvPr/>
-        </p:nvSpPr>
-        <p:spPr>
-          <a:xfrm>
-            <a:off x="3452554" y="2735384"/>
-            <a:ext cx="2096369" cy="1044539"/>
-          </a:xfrm>
-          <a:prstGeom prst="accentCallout2">
-            <a:avLst>
-              <a:gd name="adj1" fmla="val 18750"/>
-              <a:gd name="adj2" fmla="val -8333"/>
-              <a:gd name="adj3" fmla="val 18750"/>
-              <a:gd name="adj4" fmla="val -16667"/>
-              <a:gd name="adj5" fmla="val -46496"/>
-              <a:gd name="adj6" fmla="val -25231"/>
-            </a:avLst>
-          </a:prstGeom>
-        </p:spPr>
-        <p:style>
-          <a:lnRef idx="2">
-            <a:schemeClr val="accent1">
-              <a:shade val="50000"/>
-            </a:schemeClr>
-          </a:lnRef>
-          <a:fillRef idx="1">
-            <a:schemeClr val="accent1"/>
-          </a:fillRef>
-          <a:effectRef idx="0">
-            <a:schemeClr val="accent1"/>
-          </a:effectRef>
-          <a:fontRef idx="minor">
-            <a:schemeClr val="lt1"/>
-          </a:fontRef>
-        </p:style>
-        <p:txBody>
-          <a:bodyPr rtlCol="0" anchor="ctr"/>
-          <a:lstStyle/>
-          <a:p>
-            <a:pPr algn="ctr"/>
-            <a:r>
-              <a:rPr lang="en-US" dirty="0" smtClean="0"/>
-              <a:t>Data Value</a:t>
-            </a:r>
-            <a:endParaRPr lang="en-US" dirty="0"/>
-          </a:p>
-        </p:txBody>
-      </p:sp>
-    </p:spTree>
-    <p:extLst>
-      <p:ext uri="{BB962C8B-B14F-4D97-AF65-F5344CB8AC3E}">
-        <p14:creationId xmlns:p14="http://schemas.microsoft.com/office/powerpoint/2010/main" val="2361999417"/>
-      </p:ext>
-    </p:extLst>
-  </p:cSld>
-  <p:clrMapOvr>
-    <a:masterClrMapping/>
-  </p:clrMapOvr>
-  <p:timing>
-    <p:tnLst>
-      <p:par>
-        <p:cTn xmlns:p14="http://schemas.microsoft.com/office/powerpoint/2010/main" id="1" dur="indefinite" restart="never" nodeType="tmRoot"/>
-      </p:par>
-    </p:tnLst>
-  </p:timing>
-</p:sld>
-</file>
-
-<file path=ppt/slides/slide14.xml><?xml version="1.0" encoding="utf-8"?>
-<p:sld xmlns:a="http://schemas.openxmlformats.org/drawingml/2006/main" xmlns:r="http://schemas.openxmlformats.org/officeDocument/2006/relationships" xmlns:p="http://schemas.openxmlformats.org/presentationml/2006/main">
-  <p:cSld>
-    <p:spTree>
-      <p:nvGrpSpPr>
-        <p:cNvPr id="1" name=""/>
-        <p:cNvGrpSpPr/>
-        <p:nvPr/>
-      </p:nvGrpSpPr>
-      <p:grpSpPr>
-        <a:xfrm>
-          <a:off x="0" y="0"/>
-          <a:ext cx="0" cy="0"/>
-          <a:chOff x="0" y="0"/>
-          <a:chExt cx="0" cy="0"/>
-        </a:xfrm>
-      </p:grpSpPr>
-      <p:sp>
-        <p:nvSpPr>
-          <p:cNvPr id="2" name="Title 1"/>
-          <p:cNvSpPr>
-            <a:spLocks noGrp="1"/>
-          </p:cNvSpPr>
-          <p:nvPr>
-            <p:ph type="title"/>
-          </p:nvPr>
-        </p:nvSpPr>
-        <p:spPr/>
-        <p:txBody>
-          <a:bodyPr/>
-          <a:lstStyle/>
-          <a:p>
-            <a:r>
-              <a:rPr lang="en-US" dirty="0" smtClean="0"/>
-              <a:t>Summary Structure</a:t>
-            </a:r>
-            <a:endParaRPr lang="en-US" dirty="0"/>
-          </a:p>
-        </p:txBody>
-      </p:sp>
-      <p:sp>
-        <p:nvSpPr>
-          <p:cNvPr id="3" name="Content Placeholder 2"/>
-          <p:cNvSpPr>
-            <a:spLocks noGrp="1"/>
-          </p:cNvSpPr>
-          <p:nvPr>
-            <p:ph idx="1"/>
-          </p:nvPr>
-        </p:nvSpPr>
-        <p:spPr/>
-        <p:txBody>
-          <a:bodyPr/>
-          <a:lstStyle/>
-          <a:p>
-            <a:pPr marL="0" indent="0">
-              <a:buNone/>
-            </a:pPr>
-            <a:r>
-              <a:rPr lang="en-US" sz="2400" dirty="0" smtClean="0"/>
-              <a:t>{</a:t>
-            </a:r>
-            <a:r>
-              <a:rPr lang="en-US" sz="2400" dirty="0" err="1" smtClean="0"/>
-              <a:t>u'Age</a:t>
-            </a:r>
-            <a:r>
-              <a:rPr lang="en-US" sz="2400" dirty="0"/>
-              <a:t>': {'Older than 7 years': </a:t>
-            </a:r>
-            <a:r>
-              <a:rPr lang="en-US" sz="2400" b="1" dirty="0"/>
-              <a:t>1250</a:t>
-            </a:r>
-            <a:r>
-              <a:rPr lang="en-US" sz="2400" dirty="0"/>
-              <a:t>, 'Infant - Younger than 6 months': 1143, 'Older than 1 year': 3794, 'Youth - Younger than 1 year': 915, 'EMPTY': 2533</a:t>
-            </a:r>
-            <a:r>
-              <a:rPr lang="en-US" sz="2400" dirty="0" smtClean="0"/>
-              <a:t>}…}</a:t>
-            </a:r>
-          </a:p>
-          <a:p>
-            <a:pPr marL="0" indent="0">
-              <a:buNone/>
-            </a:pPr>
-            <a:endParaRPr lang="en-US" sz="2400" dirty="0"/>
-          </a:p>
-          <a:p>
-            <a:pPr marL="0" indent="0">
-              <a:buNone/>
-            </a:pPr>
-            <a:endParaRPr lang="en-US" dirty="0"/>
-          </a:p>
-          <a:p>
-            <a:pPr marL="0" indent="0">
-              <a:buNone/>
-            </a:pPr>
-            <a:endParaRPr lang="en-US" dirty="0" smtClean="0"/>
-          </a:p>
-          <a:p>
-            <a:pPr marL="0" indent="0">
-              <a:buNone/>
-            </a:pPr>
-            <a:endParaRPr lang="en-US" dirty="0"/>
-          </a:p>
-        </p:txBody>
-      </p:sp>
-      <p:sp>
-        <p:nvSpPr>
-          <p:cNvPr id="4" name="Date Placeholder 3"/>
-          <p:cNvSpPr>
-            <a:spLocks noGrp="1"/>
-          </p:cNvSpPr>
-          <p:nvPr>
-            <p:ph type="dt" sz="half" idx="10"/>
-          </p:nvPr>
-        </p:nvSpPr>
-        <p:spPr/>
-        <p:txBody>
-          <a:bodyPr/>
-          <a:lstStyle/>
-          <a:p>
-            <a:fld id="{7053BEFA-1175-F644-B249-7D41D72BD3FF}" type="datetime1">
-              <a:rPr lang="en-US" smtClean="0"/>
-              <a:t>1/29/16</a:t>
-            </a:fld>
-            <a:endParaRPr lang="en-US"/>
-          </a:p>
-        </p:txBody>
-      </p:sp>
-      <p:sp>
-        <p:nvSpPr>
-          <p:cNvPr id="5" name="Footer Placeholder 4"/>
-          <p:cNvSpPr>
-            <a:spLocks noGrp="1"/>
-          </p:cNvSpPr>
-          <p:nvPr>
-            <p:ph type="ftr" sz="quarter" idx="11"/>
-          </p:nvPr>
-        </p:nvSpPr>
-        <p:spPr/>
-        <p:txBody>
-          <a:bodyPr/>
-          <a:lstStyle/>
-          <a:p>
-            <a:endParaRPr lang="en-US" dirty="0"/>
-          </a:p>
-        </p:txBody>
-      </p:sp>
-      <p:sp>
-        <p:nvSpPr>
-          <p:cNvPr id="6" name="Slide Number Placeholder 5"/>
-          <p:cNvSpPr>
-            <a:spLocks noGrp="1"/>
-          </p:cNvSpPr>
-          <p:nvPr>
-            <p:ph type="sldNum" sz="quarter" idx="12"/>
-          </p:nvPr>
-        </p:nvSpPr>
-        <p:spPr/>
-        <p:txBody>
-          <a:bodyPr/>
-          <a:lstStyle/>
-          <a:p>
-            <a:fld id="{17E276FA-8F89-B34D-A726-BE3FA1F8DD97}" type="slidenum">
-              <a:rPr lang="en-US" smtClean="0"/>
-              <a:t>14</a:t>
-            </a:fld>
-            <a:endParaRPr lang="en-US" dirty="0"/>
-          </a:p>
-        </p:txBody>
-      </p:sp>
-      <p:sp>
-        <p:nvSpPr>
-          <p:cNvPr id="7" name="Line Callout 2 (Accent Bar) 6"/>
-          <p:cNvSpPr/>
-          <p:nvPr/>
-        </p:nvSpPr>
-        <p:spPr>
-          <a:xfrm>
-            <a:off x="6186388" y="3257653"/>
-            <a:ext cx="2096369" cy="1044539"/>
-          </a:xfrm>
-          <a:prstGeom prst="accentCallout2">
-            <a:avLst>
-              <a:gd name="adj1" fmla="val 18750"/>
-              <a:gd name="adj2" fmla="val -8333"/>
-              <a:gd name="adj3" fmla="val 15009"/>
-              <a:gd name="adj4" fmla="val -14803"/>
-              <a:gd name="adj5" fmla="val -100741"/>
-              <a:gd name="adj6" fmla="val -25231"/>
-            </a:avLst>
-          </a:prstGeom>
-        </p:spPr>
-        <p:style>
-          <a:lnRef idx="2">
-            <a:schemeClr val="accent1">
-              <a:shade val="50000"/>
-            </a:schemeClr>
-          </a:lnRef>
-          <a:fillRef idx="1">
-            <a:schemeClr val="accent1"/>
-          </a:fillRef>
-          <a:effectRef idx="0">
-            <a:schemeClr val="accent1"/>
-          </a:effectRef>
-          <a:fontRef idx="minor">
-            <a:schemeClr val="lt1"/>
-          </a:fontRef>
-        </p:style>
-        <p:txBody>
-          <a:bodyPr rtlCol="0" anchor="ctr"/>
-          <a:lstStyle/>
-          <a:p>
-            <a:pPr algn="ctr"/>
-            <a:r>
-              <a:rPr lang="en-US" dirty="0" smtClean="0"/>
-              <a:t>Number of times it occurred in the data</a:t>
-            </a:r>
-            <a:endParaRPr lang="en-US" dirty="0"/>
-          </a:p>
-        </p:txBody>
-      </p:sp>
-    </p:spTree>
-    <p:extLst>
-      <p:ext uri="{BB962C8B-B14F-4D97-AF65-F5344CB8AC3E}">
-        <p14:creationId xmlns:p14="http://schemas.microsoft.com/office/powerpoint/2010/main" val="1438168298"/>
-      </p:ext>
-    </p:extLst>
-  </p:cSld>
-  <p:clrMapOvr>
-    <a:masterClrMapping/>
-  </p:clrMapOvr>
-  <p:timing>
-    <p:tnLst>
-      <p:par>
-        <p:cTn xmlns:p14="http://schemas.microsoft.com/office/powerpoint/2010/main" id="1" dur="indefinite" restart="never" nodeType="tmRoot"/>
-      </p:par>
-    </p:tnLst>
-  </p:timing>
-</p:sld>
-</file>
-
-<file path=ppt/slides/slide15.xml><?xml version="1.0" encoding="utf-8"?>
-<p:sld xmlns:a="http://schemas.openxmlformats.org/drawingml/2006/main" xmlns:r="http://schemas.openxmlformats.org/officeDocument/2006/relationships" xmlns:p="http://schemas.openxmlformats.org/presentationml/2006/main">
-  <p:cSld>
-    <p:spTree>
-      <p:nvGrpSpPr>
-        <p:cNvPr id="1" name=""/>
-        <p:cNvGrpSpPr/>
-        <p:nvPr/>
-      </p:nvGrpSpPr>
-      <p:grpSpPr>
-        <a:xfrm>
-          <a:off x="0" y="0"/>
-          <a:ext cx="0" cy="0"/>
-          <a:chOff x="0" y="0"/>
-          <a:chExt cx="0" cy="0"/>
-        </a:xfrm>
-      </p:grpSpPr>
-      <p:sp>
-        <p:nvSpPr>
-          <p:cNvPr id="2" name="Title 1"/>
-          <p:cNvSpPr>
-            <a:spLocks noGrp="1"/>
-          </p:cNvSpPr>
-          <p:nvPr>
-            <p:ph type="title"/>
-          </p:nvPr>
-        </p:nvSpPr>
-        <p:spPr/>
-        <p:txBody>
-          <a:bodyPr/>
-          <a:lstStyle/>
-          <a:p>
-            <a:r>
-              <a:rPr lang="en-US" dirty="0" smtClean="0"/>
-              <a:t>Summary Structure</a:t>
-            </a:r>
-            <a:endParaRPr lang="en-US" dirty="0"/>
-          </a:p>
-        </p:txBody>
-      </p:sp>
-      <p:sp>
-        <p:nvSpPr>
-          <p:cNvPr id="3" name="Content Placeholder 2"/>
-          <p:cNvSpPr>
-            <a:spLocks noGrp="1"/>
-          </p:cNvSpPr>
-          <p:nvPr>
-            <p:ph idx="1"/>
-          </p:nvPr>
-        </p:nvSpPr>
-        <p:spPr/>
-        <p:txBody>
-          <a:bodyPr/>
-          <a:lstStyle/>
-          <a:p>
-            <a:pPr marL="0" indent="0">
-              <a:buNone/>
-            </a:pPr>
-            <a:r>
-              <a:rPr lang="en-US" sz="2400" dirty="0" smtClean="0"/>
-              <a:t>{</a:t>
-            </a:r>
-            <a:r>
-              <a:rPr lang="en-US" sz="2400" dirty="0" err="1" smtClean="0"/>
-              <a:t>u'Age</a:t>
-            </a:r>
-            <a:r>
-              <a:rPr lang="en-US" sz="2400" dirty="0"/>
-              <a:t>': {'Older than 7 years': 1250, </a:t>
-            </a:r>
-            <a:r>
-              <a:rPr lang="en-US" sz="2400" b="1" dirty="0"/>
-              <a:t>'Infant - Younger than 6 months': 1143</a:t>
-            </a:r>
-            <a:r>
-              <a:rPr lang="en-US" sz="2400" dirty="0"/>
-              <a:t>, 'Older than 1 year': 3794, 'Youth - Younger than 1 year': 915, 'EMPTY': 2533</a:t>
-            </a:r>
-            <a:r>
-              <a:rPr lang="en-US" sz="2400" dirty="0" smtClean="0"/>
-              <a:t>}…}</a:t>
-            </a:r>
-          </a:p>
-          <a:p>
-            <a:pPr marL="0" indent="0">
-              <a:buNone/>
-            </a:pPr>
-            <a:endParaRPr lang="en-US" sz="2400" dirty="0"/>
-          </a:p>
-          <a:p>
-            <a:pPr marL="0" indent="0">
-              <a:buNone/>
-            </a:pPr>
-            <a:endParaRPr lang="en-US" dirty="0"/>
-          </a:p>
-          <a:p>
-            <a:pPr marL="0" indent="0">
-              <a:buNone/>
-            </a:pPr>
-            <a:endParaRPr lang="en-US" dirty="0" smtClean="0"/>
-          </a:p>
-          <a:p>
-            <a:pPr marL="0" indent="0">
-              <a:buNone/>
-            </a:pPr>
-            <a:endParaRPr lang="en-US" dirty="0"/>
-          </a:p>
-        </p:txBody>
-      </p:sp>
-      <p:sp>
-        <p:nvSpPr>
-          <p:cNvPr id="4" name="Date Placeholder 3"/>
-          <p:cNvSpPr>
-            <a:spLocks noGrp="1"/>
-          </p:cNvSpPr>
-          <p:nvPr>
-            <p:ph type="dt" sz="half" idx="10"/>
-          </p:nvPr>
-        </p:nvSpPr>
-        <p:spPr/>
-        <p:txBody>
-          <a:bodyPr/>
-          <a:lstStyle/>
-          <a:p>
-            <a:fld id="{7053BEFA-1175-F644-B249-7D41D72BD3FF}" type="datetime1">
-              <a:rPr lang="en-US" smtClean="0"/>
-              <a:t>1/29/16</a:t>
-            </a:fld>
-            <a:endParaRPr lang="en-US"/>
-          </a:p>
-        </p:txBody>
-      </p:sp>
-      <p:sp>
-        <p:nvSpPr>
-          <p:cNvPr id="5" name="Footer Placeholder 4"/>
-          <p:cNvSpPr>
-            <a:spLocks noGrp="1"/>
-          </p:cNvSpPr>
-          <p:nvPr>
-            <p:ph type="ftr" sz="quarter" idx="11"/>
-          </p:nvPr>
-        </p:nvSpPr>
-        <p:spPr/>
-        <p:txBody>
-          <a:bodyPr/>
-          <a:lstStyle/>
-          <a:p>
-            <a:endParaRPr lang="en-US" dirty="0"/>
-          </a:p>
-        </p:txBody>
-      </p:sp>
-      <p:sp>
-        <p:nvSpPr>
-          <p:cNvPr id="6" name="Slide Number Placeholder 5"/>
-          <p:cNvSpPr>
-            <a:spLocks noGrp="1"/>
-          </p:cNvSpPr>
-          <p:nvPr>
-            <p:ph type="sldNum" sz="quarter" idx="12"/>
-          </p:nvPr>
-        </p:nvSpPr>
-        <p:spPr/>
-        <p:txBody>
-          <a:bodyPr/>
-          <a:lstStyle/>
-          <a:p>
-            <a:fld id="{17E276FA-8F89-B34D-A726-BE3FA1F8DD97}" type="slidenum">
-              <a:rPr lang="en-US" smtClean="0"/>
-              <a:t>15</a:t>
-            </a:fld>
-            <a:endParaRPr lang="en-US" dirty="0"/>
-          </a:p>
-        </p:txBody>
-      </p:sp>
-    </p:spTree>
-    <p:extLst>
-      <p:ext uri="{BB962C8B-B14F-4D97-AF65-F5344CB8AC3E}">
-        <p14:creationId xmlns:p14="http://schemas.microsoft.com/office/powerpoint/2010/main" val="3573110761"/>
-      </p:ext>
-    </p:extLst>
-  </p:cSld>
-  <p:clrMapOvr>
-    <a:masterClrMapping/>
-  </p:clrMapOvr>
-  <p:timing>
-    <p:tnLst>
-      <p:par>
-        <p:cTn xmlns:p14="http://schemas.microsoft.com/office/powerpoint/2010/main" id="1" dur="indefinite" restart="never" nodeType="tmRoot"/>
-      </p:par>
-    </p:tnLst>
-  </p:timing>
-</p:sld>
-</file>
-
-<file path=ppt/slides/slide16.xml><?xml version="1.0" encoding="utf-8"?>
-<p:sld xmlns:a="http://schemas.openxmlformats.org/drawingml/2006/main" xmlns:r="http://schemas.openxmlformats.org/officeDocument/2006/relationships" xmlns:p="http://schemas.openxmlformats.org/presentationml/2006/main">
-  <p:cSld>
-    <p:spTree>
-      <p:nvGrpSpPr>
-        <p:cNvPr id="1" name=""/>
-        <p:cNvGrpSpPr/>
-        <p:nvPr/>
-      </p:nvGrpSpPr>
-      <p:grpSpPr>
-        <a:xfrm>
-          <a:off x="0" y="0"/>
-          <a:ext cx="0" cy="0"/>
-          <a:chOff x="0" y="0"/>
-          <a:chExt cx="0" cy="0"/>
-        </a:xfrm>
-      </p:grpSpPr>
-      <p:sp>
-        <p:nvSpPr>
-          <p:cNvPr id="2" name="Title 1"/>
-          <p:cNvSpPr>
-            <a:spLocks noGrp="1"/>
-          </p:cNvSpPr>
-          <p:nvPr>
-            <p:ph type="title"/>
-          </p:nvPr>
-        </p:nvSpPr>
-        <p:spPr/>
-        <p:txBody>
-          <a:bodyPr/>
-          <a:lstStyle/>
-          <a:p>
-            <a:r>
-              <a:rPr lang="en-US" dirty="0" smtClean="0"/>
-              <a:t>Summary Structure</a:t>
-            </a:r>
-            <a:endParaRPr lang="en-US" dirty="0"/>
-          </a:p>
-        </p:txBody>
-      </p:sp>
-      <p:sp>
-        <p:nvSpPr>
-          <p:cNvPr id="3" name="Content Placeholder 2"/>
-          <p:cNvSpPr>
-            <a:spLocks noGrp="1"/>
-          </p:cNvSpPr>
-          <p:nvPr>
-            <p:ph idx="1"/>
-          </p:nvPr>
-        </p:nvSpPr>
-        <p:spPr/>
-        <p:txBody>
-          <a:bodyPr/>
-          <a:lstStyle/>
-          <a:p>
-            <a:pPr marL="0" indent="0">
-              <a:buNone/>
-            </a:pPr>
-            <a:r>
-              <a:rPr lang="en-US" sz="2400" dirty="0" smtClean="0"/>
-              <a:t>{</a:t>
-            </a:r>
-            <a:r>
-              <a:rPr lang="en-US" sz="2400" dirty="0" err="1" smtClean="0"/>
-              <a:t>u'Age</a:t>
-            </a:r>
-            <a:r>
-              <a:rPr lang="en-US" sz="2400" dirty="0"/>
-              <a:t>': {'Older than 7 years': 1250, 'Infant - Younger than 6 months': 1143, 'Older than 1 year': 3794, 'Youth - Younger than 1 year': 915, 'EMPTY': 2533</a:t>
-            </a:r>
-            <a:r>
-              <a:rPr lang="en-US" sz="2400" dirty="0" smtClean="0"/>
-              <a:t>}</a:t>
-            </a:r>
-            <a:r>
-              <a:rPr lang="en-US" sz="2400" b="1" dirty="0" smtClean="0"/>
-              <a:t>…</a:t>
-            </a:r>
-            <a:r>
-              <a:rPr lang="en-US" sz="2400" dirty="0" smtClean="0"/>
-              <a:t>}</a:t>
-            </a:r>
-          </a:p>
-          <a:p>
-            <a:pPr marL="0" indent="0">
-              <a:buNone/>
-            </a:pPr>
-            <a:endParaRPr lang="en-US" sz="2400" dirty="0"/>
-          </a:p>
-          <a:p>
-            <a:pPr marL="0" indent="0">
-              <a:buNone/>
-            </a:pPr>
-            <a:endParaRPr lang="en-US" dirty="0"/>
-          </a:p>
-          <a:p>
-            <a:pPr marL="0" indent="0">
-              <a:buNone/>
-            </a:pPr>
-            <a:endParaRPr lang="en-US" dirty="0" smtClean="0"/>
-          </a:p>
-          <a:p>
-            <a:pPr marL="0" indent="0">
-              <a:buNone/>
-            </a:pPr>
-            <a:endParaRPr lang="en-US" dirty="0"/>
-          </a:p>
-        </p:txBody>
-      </p:sp>
-      <p:sp>
-        <p:nvSpPr>
-          <p:cNvPr id="4" name="Date Placeholder 3"/>
-          <p:cNvSpPr>
-            <a:spLocks noGrp="1"/>
-          </p:cNvSpPr>
-          <p:nvPr>
-            <p:ph type="dt" sz="half" idx="10"/>
-          </p:nvPr>
-        </p:nvSpPr>
-        <p:spPr/>
-        <p:txBody>
-          <a:bodyPr/>
-          <a:lstStyle/>
-          <a:p>
-            <a:fld id="{7053BEFA-1175-F644-B249-7D41D72BD3FF}" type="datetime1">
-              <a:rPr lang="en-US" smtClean="0"/>
-              <a:t>1/29/16</a:t>
-            </a:fld>
-            <a:endParaRPr lang="en-US"/>
-          </a:p>
-        </p:txBody>
-      </p:sp>
-      <p:sp>
-        <p:nvSpPr>
-          <p:cNvPr id="5" name="Footer Placeholder 4"/>
-          <p:cNvSpPr>
-            <a:spLocks noGrp="1"/>
-          </p:cNvSpPr>
-          <p:nvPr>
-            <p:ph type="ftr" sz="quarter" idx="11"/>
-          </p:nvPr>
-        </p:nvSpPr>
-        <p:spPr/>
-        <p:txBody>
-          <a:bodyPr/>
-          <a:lstStyle/>
-          <a:p>
-            <a:endParaRPr lang="en-US" dirty="0"/>
-          </a:p>
-        </p:txBody>
-      </p:sp>
-      <p:sp>
-        <p:nvSpPr>
-          <p:cNvPr id="6" name="Slide Number Placeholder 5"/>
-          <p:cNvSpPr>
-            <a:spLocks noGrp="1"/>
-          </p:cNvSpPr>
-          <p:nvPr>
-            <p:ph type="sldNum" sz="quarter" idx="12"/>
-          </p:nvPr>
-        </p:nvSpPr>
-        <p:spPr/>
-        <p:txBody>
-          <a:bodyPr/>
-          <a:lstStyle/>
-          <a:p>
-            <a:fld id="{17E276FA-8F89-B34D-A726-BE3FA1F8DD97}" type="slidenum">
-              <a:rPr lang="en-US" smtClean="0"/>
-              <a:t>16</a:t>
-            </a:fld>
-            <a:endParaRPr lang="en-US" dirty="0"/>
-          </a:p>
-        </p:txBody>
-      </p:sp>
-      <p:sp>
-        <p:nvSpPr>
-          <p:cNvPr id="7" name="Line Callout 2 (Accent Bar) 6"/>
-          <p:cNvSpPr/>
-          <p:nvPr/>
-        </p:nvSpPr>
-        <p:spPr>
-          <a:xfrm>
-            <a:off x="2435004" y="4067730"/>
-            <a:ext cx="2096369" cy="1044539"/>
-          </a:xfrm>
-          <a:prstGeom prst="accentCallout2">
-            <a:avLst>
-              <a:gd name="adj1" fmla="val 18750"/>
-              <a:gd name="adj2" fmla="val -8333"/>
-              <a:gd name="adj3" fmla="val 5656"/>
-              <a:gd name="adj4" fmla="val -21327"/>
-              <a:gd name="adj5" fmla="val -67071"/>
-              <a:gd name="adj6" fmla="val -53191"/>
-            </a:avLst>
-          </a:prstGeom>
-        </p:spPr>
-        <p:style>
-          <a:lnRef idx="2">
-            <a:schemeClr val="accent1">
-              <a:shade val="50000"/>
-            </a:schemeClr>
-          </a:lnRef>
-          <a:fillRef idx="1">
-            <a:schemeClr val="accent1"/>
-          </a:fillRef>
-          <a:effectRef idx="0">
-            <a:schemeClr val="accent1"/>
-          </a:effectRef>
-          <a:fontRef idx="minor">
-            <a:schemeClr val="lt1"/>
-          </a:fontRef>
-        </p:style>
-        <p:txBody>
-          <a:bodyPr rtlCol="0" anchor="ctr"/>
-          <a:lstStyle/>
-          <a:p>
-            <a:pPr algn="ctr"/>
-            <a:r>
-              <a:rPr lang="en-US" dirty="0" smtClean="0"/>
-              <a:t>Repeats for each column</a:t>
-            </a:r>
-            <a:endParaRPr lang="en-US" dirty="0"/>
-          </a:p>
-        </p:txBody>
-      </p:sp>
-    </p:spTree>
-    <p:extLst>
-      <p:ext uri="{BB962C8B-B14F-4D97-AF65-F5344CB8AC3E}">
-        <p14:creationId xmlns:p14="http://schemas.microsoft.com/office/powerpoint/2010/main" val="3573110761"/>
-      </p:ext>
-    </p:extLst>
-  </p:cSld>
-  <p:clrMapOvr>
-    <a:masterClrMapping/>
-  </p:clrMapOvr>
-  <p:timing>
-    <p:tnLst>
-      <p:par>
-        <p:cTn xmlns:p14="http://schemas.microsoft.com/office/powerpoint/2010/main" id="1" dur="indefinite" restart="never" nodeType="tmRoot"/>
-      </p:par>
-    </p:tnLst>
-  </p:timing>
-</p:sld>
-</file>
-
-<file path=ppt/slides/slide17.xml><?xml version="1.0" encoding="utf-8"?>
-<p:sld xmlns:a="http://schemas.openxmlformats.org/drawingml/2006/main" xmlns:r="http://schemas.openxmlformats.org/officeDocument/2006/relationships" xmlns:p="http://schemas.openxmlformats.org/presentationml/2006/main">
-  <p:cSld>
-    <p:spTree>
-      <p:nvGrpSpPr>
-        <p:cNvPr id="1" name=""/>
-        <p:cNvGrpSpPr/>
-        <p:nvPr/>
-      </p:nvGrpSpPr>
-      <p:grpSpPr>
-        <a:xfrm>
-          <a:off x="0" y="0"/>
-          <a:ext cx="0" cy="0"/>
-          <a:chOff x="0" y="0"/>
-          <a:chExt cx="0" cy="0"/>
-        </a:xfrm>
-      </p:grpSpPr>
-      <p:sp>
-        <p:nvSpPr>
-          <p:cNvPr id="2" name="Title 1"/>
-          <p:cNvSpPr>
-            <a:spLocks noGrp="1"/>
-          </p:cNvSpPr>
-          <p:nvPr>
-            <p:ph type="title"/>
-          </p:nvPr>
-        </p:nvSpPr>
-        <p:spPr/>
-        <p:txBody>
-          <a:bodyPr/>
-          <a:lstStyle/>
-          <a:p>
-            <a:r>
-              <a:rPr lang="en-US" dirty="0" err="1" smtClean="0"/>
-              <a:t>Pyplot</a:t>
-            </a:r>
-            <a:endParaRPr lang="en-US" dirty="0"/>
-          </a:p>
-        </p:txBody>
-      </p:sp>
-      <p:sp>
-        <p:nvSpPr>
-          <p:cNvPr id="3" name="Content Placeholder 2"/>
-          <p:cNvSpPr>
-            <a:spLocks noGrp="1"/>
-          </p:cNvSpPr>
-          <p:nvPr>
-            <p:ph idx="1"/>
-          </p:nvPr>
-        </p:nvSpPr>
-        <p:spPr/>
-        <p:txBody>
-          <a:bodyPr/>
-          <a:lstStyle/>
-          <a:p>
-            <a:pPr marL="0" indent="0">
-              <a:buNone/>
-            </a:pPr>
-            <a:r>
-              <a:rPr lang="en-US" dirty="0"/>
-              <a:t># make a bar plot of all the latitudes we found</a:t>
-            </a:r>
-            <a:endParaRPr lang="en-US" dirty="0">
-              <a:latin typeface="Courier"/>
-              <a:cs typeface="Courier"/>
-            </a:endParaRPr>
-          </a:p>
-          <a:p>
-            <a:pPr marL="0" indent="0">
-              <a:buNone/>
-            </a:pPr>
-            <a:r>
-              <a:rPr lang="en-US" dirty="0" err="1">
-                <a:latin typeface="Courier"/>
-                <a:cs typeface="Courier"/>
-              </a:rPr>
-              <a:t>plt.bar</a:t>
-            </a:r>
-            <a:r>
-              <a:rPr lang="en-US" dirty="0">
-                <a:latin typeface="Courier"/>
-                <a:cs typeface="Courier"/>
-              </a:rPr>
-              <a:t>(</a:t>
-            </a:r>
-            <a:r>
-              <a:rPr lang="en-US" dirty="0" err="1">
-                <a:latin typeface="Courier"/>
-                <a:cs typeface="Courier"/>
-              </a:rPr>
-              <a:t>latitude.keys</a:t>
-            </a:r>
-            <a:r>
-              <a:rPr lang="en-US" dirty="0">
-                <a:latin typeface="Courier"/>
-                <a:cs typeface="Courier"/>
-              </a:rPr>
-              <a:t>(), </a:t>
-            </a:r>
-            <a:r>
-              <a:rPr lang="en-US" dirty="0" err="1">
-                <a:latin typeface="Courier"/>
-                <a:cs typeface="Courier"/>
-              </a:rPr>
-              <a:t>latitude.values</a:t>
-            </a:r>
-            <a:r>
-              <a:rPr lang="en-US" dirty="0">
-                <a:latin typeface="Courier"/>
-                <a:cs typeface="Courier"/>
-              </a:rPr>
-              <a:t>())</a:t>
-            </a:r>
-          </a:p>
-          <a:p>
-            <a:pPr marL="0" indent="0">
-              <a:buNone/>
-            </a:pPr>
-            <a:r>
-              <a:rPr lang="en-US" dirty="0" err="1">
-                <a:latin typeface="Courier"/>
-                <a:cs typeface="Courier"/>
-              </a:rPr>
-              <a:t>plt.show</a:t>
-            </a:r>
-            <a:r>
-              <a:rPr lang="en-US" dirty="0">
-                <a:latin typeface="Courier"/>
-                <a:cs typeface="Courier"/>
-              </a:rPr>
-              <a:t>(</a:t>
-            </a:r>
-            <a:r>
-              <a:rPr lang="en-US" dirty="0" smtClean="0">
-                <a:latin typeface="Courier"/>
-                <a:cs typeface="Courier"/>
-              </a:rPr>
-              <a:t>)</a:t>
-            </a:r>
-          </a:p>
-          <a:p>
-            <a:pPr marL="0" indent="0">
-              <a:buNone/>
-            </a:pPr>
-            <a:r>
-              <a:rPr lang="en-US" dirty="0" smtClean="0">
-                <a:latin typeface="+mn-lt"/>
-                <a:cs typeface="Courier"/>
-              </a:rPr>
-              <a:t>Your code will pause and show a window</a:t>
-            </a:r>
-            <a:endParaRPr lang="en-US" dirty="0">
-              <a:latin typeface="+mn-lt"/>
-              <a:cs typeface="Courier"/>
-            </a:endParaRPr>
-          </a:p>
-        </p:txBody>
-      </p:sp>
-      <p:sp>
-        <p:nvSpPr>
-          <p:cNvPr id="4" name="Date Placeholder 3"/>
-          <p:cNvSpPr>
-            <a:spLocks noGrp="1"/>
-          </p:cNvSpPr>
-          <p:nvPr>
-            <p:ph type="dt" sz="half" idx="10"/>
-          </p:nvPr>
-        </p:nvSpPr>
-        <p:spPr/>
-        <p:txBody>
-          <a:bodyPr/>
-          <a:lstStyle/>
-          <a:p>
-            <a:fld id="{7053BEFA-1175-F644-B249-7D41D72BD3FF}" type="datetime1">
-              <a:rPr lang="en-US" smtClean="0"/>
-              <a:t>1/29/16</a:t>
-            </a:fld>
-            <a:endParaRPr lang="en-US"/>
-          </a:p>
-        </p:txBody>
-      </p:sp>
-      <p:sp>
-        <p:nvSpPr>
-          <p:cNvPr id="5" name="Footer Placeholder 4"/>
-          <p:cNvSpPr>
-            <a:spLocks noGrp="1"/>
-          </p:cNvSpPr>
-          <p:nvPr>
-            <p:ph type="ftr" sz="quarter" idx="11"/>
-          </p:nvPr>
-        </p:nvSpPr>
-        <p:spPr/>
-        <p:txBody>
-          <a:bodyPr/>
-          <a:lstStyle/>
-          <a:p>
-            <a:endParaRPr lang="en-US" dirty="0"/>
-          </a:p>
-        </p:txBody>
-      </p:sp>
-      <p:sp>
-        <p:nvSpPr>
-          <p:cNvPr id="6" name="Slide Number Placeholder 5"/>
-          <p:cNvSpPr>
-            <a:spLocks noGrp="1"/>
-          </p:cNvSpPr>
-          <p:nvPr>
-            <p:ph type="sldNum" sz="quarter" idx="12"/>
-          </p:nvPr>
-        </p:nvSpPr>
-        <p:spPr/>
-        <p:txBody>
-          <a:bodyPr/>
-          <a:lstStyle/>
-          <a:p>
-            <a:fld id="{17E276FA-8F89-B34D-A726-BE3FA1F8DD97}" type="slidenum">
-              <a:rPr lang="en-US" smtClean="0"/>
-              <a:t>17</a:t>
-            </a:fld>
-            <a:endParaRPr lang="en-US" dirty="0"/>
-          </a:p>
-        </p:txBody>
-      </p:sp>
-    </p:spTree>
-    <p:extLst>
-      <p:ext uri="{BB962C8B-B14F-4D97-AF65-F5344CB8AC3E}">
-        <p14:creationId xmlns:p14="http://schemas.microsoft.com/office/powerpoint/2010/main" val="2981201214"/>
-      </p:ext>
-    </p:extLst>
-  </p:cSld>
-  <p:clrMapOvr>
-    <a:masterClrMapping/>
-  </p:clrMapOvr>
-  <p:timing>
-    <p:tnLst>
-      <p:par>
-        <p:cTn xmlns:p14="http://schemas.microsoft.com/office/powerpoint/2010/main" id="1" dur="indefinite" restart="never" nodeType="tmRoot"/>
-      </p:par>
-    </p:tnLst>
-  </p:timing>
-</p:sld>
-</file>
-
-<file path=ppt/slides/slide18.xml><?xml version="1.0" encoding="utf-8"?>
-<p:sld xmlns:a="http://schemas.openxmlformats.org/drawingml/2006/main" xmlns:r="http://schemas.openxmlformats.org/officeDocument/2006/relationships" xmlns:p="http://schemas.openxmlformats.org/presentationml/2006/main">
-  <p:cSld>
-    <p:spTree>
-      <p:nvGrpSpPr>
-        <p:cNvPr id="1" name=""/>
-        <p:cNvGrpSpPr/>
-        <p:nvPr/>
-      </p:nvGrpSpPr>
-      <p:grpSpPr>
-        <a:xfrm>
-          <a:off x="0" y="0"/>
-          <a:ext cx="0" cy="0"/>
-          <a:chOff x="0" y="0"/>
-          <a:chExt cx="0" cy="0"/>
-        </a:xfrm>
-      </p:grpSpPr>
-      <p:sp>
-        <p:nvSpPr>
-          <p:cNvPr id="2" name="Title 1"/>
-          <p:cNvSpPr>
-            <a:spLocks noGrp="1"/>
-          </p:cNvSpPr>
-          <p:nvPr>
-            <p:ph type="title"/>
-          </p:nvPr>
-        </p:nvSpPr>
-        <p:spPr/>
-        <p:txBody>
-          <a:bodyPr/>
-          <a:lstStyle/>
-          <a:p>
-            <a:r>
-              <a:rPr lang="en-US" dirty="0" err="1" smtClean="0"/>
-              <a:t>Pyplot</a:t>
-            </a:r>
-            <a:endParaRPr lang="en-US" dirty="0"/>
-          </a:p>
-        </p:txBody>
-      </p:sp>
-      <p:sp>
-        <p:nvSpPr>
-          <p:cNvPr id="3" name="Content Placeholder 2"/>
-          <p:cNvSpPr>
-            <a:spLocks noGrp="1"/>
-          </p:cNvSpPr>
-          <p:nvPr>
-            <p:ph idx="1"/>
-          </p:nvPr>
-        </p:nvSpPr>
-        <p:spPr/>
-        <p:txBody>
-          <a:bodyPr/>
-          <a:lstStyle/>
-          <a:p>
-            <a:pPr marL="0" indent="0">
-              <a:buNone/>
-            </a:pPr>
-            <a:r>
-              <a:rPr lang="en-US" dirty="0"/>
-              <a:t># make a bar plot of all the latitudes we found</a:t>
-            </a:r>
-            <a:endParaRPr lang="en-US" dirty="0">
-              <a:latin typeface="Courier"/>
-              <a:cs typeface="Courier"/>
-            </a:endParaRPr>
-          </a:p>
-          <a:p>
-            <a:pPr marL="0" indent="0">
-              <a:buNone/>
-            </a:pPr>
-            <a:r>
-              <a:rPr lang="en-US" dirty="0" err="1">
-                <a:latin typeface="Courier"/>
-                <a:cs typeface="Courier"/>
-              </a:rPr>
-              <a:t>plt.bar</a:t>
-            </a:r>
-            <a:r>
-              <a:rPr lang="en-US" dirty="0">
-                <a:latin typeface="Courier"/>
-                <a:cs typeface="Courier"/>
-              </a:rPr>
-              <a:t>(</a:t>
-            </a:r>
-            <a:r>
-              <a:rPr lang="en-US" dirty="0" err="1">
-                <a:latin typeface="Courier"/>
-                <a:cs typeface="Courier"/>
-              </a:rPr>
-              <a:t>latitude.keys</a:t>
-            </a:r>
-            <a:r>
-              <a:rPr lang="en-US" dirty="0">
-                <a:latin typeface="Courier"/>
-                <a:cs typeface="Courier"/>
-              </a:rPr>
-              <a:t>(), </a:t>
-            </a:r>
-            <a:r>
-              <a:rPr lang="en-US" dirty="0" err="1">
-                <a:latin typeface="Courier"/>
-                <a:cs typeface="Courier"/>
-              </a:rPr>
-              <a:t>latitude.values</a:t>
-            </a:r>
-            <a:r>
-              <a:rPr lang="en-US" dirty="0">
-                <a:latin typeface="Courier"/>
-                <a:cs typeface="Courier"/>
-              </a:rPr>
-              <a:t>())</a:t>
-            </a:r>
-          </a:p>
-          <a:p>
-            <a:pPr marL="0" indent="0">
-              <a:buNone/>
-            </a:pPr>
-            <a:r>
-              <a:rPr lang="en-US" dirty="0" err="1">
-                <a:latin typeface="Courier"/>
-                <a:cs typeface="Courier"/>
-              </a:rPr>
-              <a:t>plt.show</a:t>
-            </a:r>
-            <a:r>
-              <a:rPr lang="en-US" dirty="0">
-                <a:latin typeface="Courier"/>
-                <a:cs typeface="Courier"/>
-              </a:rPr>
-              <a:t>(</a:t>
-            </a:r>
-            <a:r>
-              <a:rPr lang="en-US" dirty="0" smtClean="0">
-                <a:latin typeface="Courier"/>
-                <a:cs typeface="Courier"/>
-              </a:rPr>
-              <a:t>)</a:t>
-            </a:r>
-          </a:p>
-          <a:p>
-            <a:pPr marL="0" indent="0">
-              <a:buNone/>
-            </a:pPr>
-            <a:r>
-              <a:rPr lang="en-US" dirty="0" smtClean="0">
-                <a:latin typeface="+mn-lt"/>
-                <a:cs typeface="Courier"/>
-              </a:rPr>
-              <a:t>Your code will pause and show a window</a:t>
-            </a:r>
-            <a:endParaRPr lang="en-US" dirty="0">
-              <a:latin typeface="+mn-lt"/>
-              <a:cs typeface="Courier"/>
-            </a:endParaRPr>
-          </a:p>
-        </p:txBody>
-      </p:sp>
-      <p:sp>
-        <p:nvSpPr>
-          <p:cNvPr id="4" name="Date Placeholder 3"/>
-          <p:cNvSpPr>
-            <a:spLocks noGrp="1"/>
-          </p:cNvSpPr>
-          <p:nvPr>
-            <p:ph type="dt" sz="half" idx="10"/>
-          </p:nvPr>
-        </p:nvSpPr>
-        <p:spPr/>
-        <p:txBody>
-          <a:bodyPr/>
-          <a:lstStyle/>
-          <a:p>
-            <a:fld id="{7053BEFA-1175-F644-B249-7D41D72BD3FF}" type="datetime1">
-              <a:rPr lang="en-US" smtClean="0"/>
-              <a:t>1/29/16</a:t>
-            </a:fld>
-            <a:endParaRPr lang="en-US"/>
-          </a:p>
-        </p:txBody>
-      </p:sp>
-      <p:sp>
-        <p:nvSpPr>
-          <p:cNvPr id="5" name="Footer Placeholder 4"/>
-          <p:cNvSpPr>
-            <a:spLocks noGrp="1"/>
-          </p:cNvSpPr>
-          <p:nvPr>
-            <p:ph type="ftr" sz="quarter" idx="11"/>
-          </p:nvPr>
-        </p:nvSpPr>
-        <p:spPr/>
-        <p:txBody>
-          <a:bodyPr/>
-          <a:lstStyle/>
-          <a:p>
-            <a:endParaRPr lang="en-US" dirty="0"/>
-          </a:p>
-        </p:txBody>
-      </p:sp>
-      <p:sp>
-        <p:nvSpPr>
-          <p:cNvPr id="6" name="Slide Number Placeholder 5"/>
-          <p:cNvSpPr>
-            <a:spLocks noGrp="1"/>
-          </p:cNvSpPr>
-          <p:nvPr>
-            <p:ph type="sldNum" sz="quarter" idx="12"/>
-          </p:nvPr>
-        </p:nvSpPr>
-        <p:spPr/>
-        <p:txBody>
-          <a:bodyPr/>
-          <a:lstStyle/>
-          <a:p>
-            <a:fld id="{17E276FA-8F89-B34D-A726-BE3FA1F8DD97}" type="slidenum">
-              <a:rPr lang="en-US" smtClean="0"/>
-              <a:t>18</a:t>
-            </a:fld>
-            <a:endParaRPr lang="en-US" dirty="0"/>
-          </a:p>
-        </p:txBody>
-      </p:sp>
-      <p:pic>
-        <p:nvPicPr>
-          <p:cNvPr id="8" name="Picture 7" descr="Screen Shot 2014-01-22 at 9.26.02 PM.png"/>
-          <p:cNvPicPr>
-            <a:picLocks noChangeAspect="1"/>
-          </p:cNvPicPr>
-          <p:nvPr/>
-        </p:nvPicPr>
-        <p:blipFill>
-          <a:blip r:embed="rId2">
-            <a:extLst>
-              <a:ext uri="{28A0092B-C50C-407E-A947-70E740481C1C}">
-                <a14:useLocalDpi xmlns:a14="http://schemas.microsoft.com/office/drawing/2010/main" val="0"/>
-              </a:ext>
-            </a:extLst>
-          </a:blip>
-          <a:stretch>
-            <a:fillRect/>
-          </a:stretch>
-        </p:blipFill>
-        <p:spPr>
-          <a:xfrm>
-            <a:off x="660400" y="495300"/>
-            <a:ext cx="7823200" cy="5854700"/>
-          </a:xfrm>
-          <a:prstGeom prst="rect">
-            <a:avLst/>
-          </a:prstGeom>
-        </p:spPr>
-      </p:pic>
-    </p:spTree>
-    <p:extLst>
-      <p:ext uri="{BB962C8B-B14F-4D97-AF65-F5344CB8AC3E}">
-        <p14:creationId xmlns:p14="http://schemas.microsoft.com/office/powerpoint/2010/main" val="336384783"/>
-      </p:ext>
-    </p:extLst>
-  </p:cSld>
-  <p:clrMapOvr>
-    <a:masterClrMapping/>
-  </p:clrMapOvr>
-  <p:timing>
-    <p:tnLst>
-      <p:par>
-        <p:cTn xmlns:p14="http://schemas.microsoft.com/office/powerpoint/2010/main" id="1" dur="indefinite" restart="never" nodeType="tmRoot"/>
-      </p:par>
-    </p:tnLst>
-  </p:timing>
-</p:sld>
-</file>
-
-<file path=ppt/slides/slide19.xml><?xml version="1.0" encoding="utf-8"?>
-<p:sld xmlns:a="http://schemas.openxmlformats.org/drawingml/2006/main" xmlns:r="http://schemas.openxmlformats.org/officeDocument/2006/relationships" xmlns:p="http://schemas.openxmlformats.org/presentationml/2006/main">
-  <p:cSld>
-    <p:spTree>
-      <p:nvGrpSpPr>
-        <p:cNvPr id="1" name=""/>
-        <p:cNvGrpSpPr/>
-        <p:nvPr/>
-      </p:nvGrpSpPr>
-      <p:grpSpPr>
-        <a:xfrm>
-          <a:off x="0" y="0"/>
-          <a:ext cx="0" cy="0"/>
-          <a:chOff x="0" y="0"/>
-          <a:chExt cx="0" cy="0"/>
-        </a:xfrm>
-      </p:grpSpPr>
-      <p:sp>
-        <p:nvSpPr>
-          <p:cNvPr id="2" name="Title 1"/>
-          <p:cNvSpPr>
-            <a:spLocks noGrp="1"/>
-          </p:cNvSpPr>
-          <p:nvPr>
-            <p:ph type="title"/>
-          </p:nvPr>
-        </p:nvSpPr>
-        <p:spPr/>
-        <p:txBody>
-          <a:bodyPr/>
-          <a:lstStyle/>
-          <a:p>
-            <a:r>
-              <a:rPr lang="en-US" dirty="0" err="1" smtClean="0"/>
-              <a:t>Pyplot</a:t>
-            </a:r>
-            <a:endParaRPr lang="en-US" dirty="0"/>
-          </a:p>
-        </p:txBody>
-      </p:sp>
-      <p:sp>
-        <p:nvSpPr>
-          <p:cNvPr id="3" name="Content Placeholder 2"/>
-          <p:cNvSpPr>
-            <a:spLocks noGrp="1"/>
-          </p:cNvSpPr>
-          <p:nvPr>
-            <p:ph idx="1"/>
-          </p:nvPr>
-        </p:nvSpPr>
-        <p:spPr/>
-        <p:txBody>
-          <a:bodyPr/>
-          <a:lstStyle/>
-          <a:p>
-            <a:pPr marL="0" indent="0">
-              <a:buNone/>
-            </a:pPr>
-            <a:r>
-              <a:rPr lang="en-US" dirty="0"/>
-              <a:t># make a bar plot of all the latitudes we found</a:t>
-            </a:r>
-            <a:endParaRPr lang="en-US" dirty="0">
-              <a:latin typeface="Courier"/>
-              <a:cs typeface="Courier"/>
-            </a:endParaRPr>
-          </a:p>
-          <a:p>
-            <a:pPr marL="0" indent="0">
-              <a:buNone/>
-            </a:pPr>
-            <a:r>
-              <a:rPr lang="en-US" dirty="0" err="1">
-                <a:latin typeface="Courier"/>
-                <a:cs typeface="Courier"/>
-              </a:rPr>
-              <a:t>plt.bar</a:t>
-            </a:r>
-            <a:r>
-              <a:rPr lang="en-US" dirty="0">
-                <a:latin typeface="Courier"/>
-                <a:cs typeface="Courier"/>
-              </a:rPr>
-              <a:t>(</a:t>
-            </a:r>
-            <a:r>
-              <a:rPr lang="en-US" dirty="0" err="1">
-                <a:latin typeface="Courier"/>
-                <a:cs typeface="Courier"/>
-              </a:rPr>
-              <a:t>latitude.keys</a:t>
-            </a:r>
-            <a:r>
-              <a:rPr lang="en-US" dirty="0">
-                <a:latin typeface="Courier"/>
-                <a:cs typeface="Courier"/>
-              </a:rPr>
-              <a:t>(), </a:t>
-            </a:r>
-            <a:r>
-              <a:rPr lang="en-US" dirty="0" err="1">
-                <a:latin typeface="Courier"/>
-                <a:cs typeface="Courier"/>
-              </a:rPr>
-              <a:t>latitude.values</a:t>
-            </a:r>
-            <a:r>
-              <a:rPr lang="en-US" dirty="0">
-                <a:latin typeface="Courier"/>
-                <a:cs typeface="Courier"/>
-              </a:rPr>
-              <a:t>())</a:t>
-            </a:r>
-          </a:p>
-          <a:p>
-            <a:pPr marL="0" indent="0">
-              <a:buNone/>
-            </a:pPr>
-            <a:r>
-              <a:rPr lang="en-US" dirty="0" err="1">
-                <a:latin typeface="Courier"/>
-                <a:cs typeface="Courier"/>
-              </a:rPr>
-              <a:t>plt.show</a:t>
-            </a:r>
-            <a:r>
-              <a:rPr lang="en-US" dirty="0">
-                <a:latin typeface="Courier"/>
-                <a:cs typeface="Courier"/>
-              </a:rPr>
-              <a:t>(</a:t>
-            </a:r>
-            <a:r>
-              <a:rPr lang="en-US" dirty="0" smtClean="0">
-                <a:latin typeface="Courier"/>
-                <a:cs typeface="Courier"/>
-              </a:rPr>
-              <a:t>)</a:t>
-            </a:r>
-          </a:p>
-          <a:p>
-            <a:pPr marL="0" indent="0">
-              <a:buNone/>
-            </a:pPr>
-            <a:r>
-              <a:rPr lang="en-US" dirty="0" smtClean="0">
-                <a:latin typeface="+mn-lt"/>
-                <a:cs typeface="Courier"/>
-              </a:rPr>
-              <a:t>Your code will pause and show a window</a:t>
-            </a:r>
-          </a:p>
-          <a:p>
-            <a:pPr marL="0" indent="0">
-              <a:buNone/>
-            </a:pPr>
-            <a:r>
-              <a:rPr lang="en-US" dirty="0" smtClean="0">
-                <a:latin typeface="+mn-lt"/>
-                <a:cs typeface="Courier"/>
-              </a:rPr>
-              <a:t>When you close it the code continues (</a:t>
-            </a:r>
-            <a:r>
-              <a:rPr lang="en-US" i="1" dirty="0" smtClean="0">
-                <a:latin typeface="+mn-lt"/>
-                <a:cs typeface="Courier"/>
-              </a:rPr>
-              <a:t>i.e. </a:t>
-            </a:r>
-            <a:r>
-              <a:rPr lang="en-US" dirty="0" smtClean="0">
-                <a:latin typeface="+mn-lt"/>
-                <a:cs typeface="Courier"/>
-              </a:rPr>
-              <a:t>to other plots)</a:t>
-            </a:r>
-            <a:endParaRPr lang="en-US" dirty="0">
-              <a:latin typeface="+mn-lt"/>
-              <a:cs typeface="Courier"/>
-            </a:endParaRPr>
-          </a:p>
-        </p:txBody>
-      </p:sp>
-      <p:sp>
-        <p:nvSpPr>
-          <p:cNvPr id="4" name="Date Placeholder 3"/>
-          <p:cNvSpPr>
-            <a:spLocks noGrp="1"/>
-          </p:cNvSpPr>
-          <p:nvPr>
-            <p:ph type="dt" sz="half" idx="10"/>
-          </p:nvPr>
-        </p:nvSpPr>
-        <p:spPr/>
-        <p:txBody>
-          <a:bodyPr/>
-          <a:lstStyle/>
-          <a:p>
-            <a:fld id="{7053BEFA-1175-F644-B249-7D41D72BD3FF}" type="datetime1">
-              <a:rPr lang="en-US" smtClean="0"/>
-              <a:t>1/29/16</a:t>
-            </a:fld>
-            <a:endParaRPr lang="en-US"/>
-          </a:p>
-        </p:txBody>
-      </p:sp>
-      <p:sp>
-        <p:nvSpPr>
-          <p:cNvPr id="5" name="Footer Placeholder 4"/>
-          <p:cNvSpPr>
-            <a:spLocks noGrp="1"/>
-          </p:cNvSpPr>
-          <p:nvPr>
-            <p:ph type="ftr" sz="quarter" idx="11"/>
-          </p:nvPr>
-        </p:nvSpPr>
-        <p:spPr/>
-        <p:txBody>
-          <a:bodyPr/>
-          <a:lstStyle/>
-          <a:p>
-            <a:endParaRPr lang="en-US" dirty="0"/>
-          </a:p>
-        </p:txBody>
-      </p:sp>
-      <p:sp>
-        <p:nvSpPr>
-          <p:cNvPr id="6" name="Slide Number Placeholder 5"/>
-          <p:cNvSpPr>
-            <a:spLocks noGrp="1"/>
-          </p:cNvSpPr>
-          <p:nvPr>
-            <p:ph type="sldNum" sz="quarter" idx="12"/>
-          </p:nvPr>
-        </p:nvSpPr>
-        <p:spPr/>
-        <p:txBody>
-          <a:bodyPr/>
-          <a:lstStyle/>
-          <a:p>
-            <a:fld id="{17E276FA-8F89-B34D-A726-BE3FA1F8DD97}" type="slidenum">
-              <a:rPr lang="en-US" smtClean="0"/>
-              <a:t>19</a:t>
-            </a:fld>
-            <a:endParaRPr lang="en-US" dirty="0"/>
-          </a:p>
-        </p:txBody>
-      </p:sp>
-    </p:spTree>
-    <p:extLst>
-      <p:ext uri="{BB962C8B-B14F-4D97-AF65-F5344CB8AC3E}">
-        <p14:creationId xmlns:p14="http://schemas.microsoft.com/office/powerpoint/2010/main" val="1590308354"/>
-      </p:ext>
-    </p:extLst>
-  </p:cSld>
-  <p:clrMapOvr>
-    <a:masterClrMapping/>
-  </p:clrMapOvr>
-  <p:timing>
-    <p:tnLst>
-      <p:par>
-        <p:cTn xmlns:p14="http://schemas.microsoft.com/office/powerpoint/2010/main" id="1" dur="indefinite" restart="never" nodeType="tmRoot"/>
+        <p:cTn id="1" dur="indefinite" restart="never" nodeType="tmRoot"/>
       </p:par>
     </p:tnLst>
   </p:timing>
@@ -13295,21 +11569,12 @@
               <a:buNone/>
             </a:pPr>
             <a:r>
-              <a:rPr lang="en-US" dirty="0" smtClean="0"/>
-              <a:t>Read and write </a:t>
-            </a:r>
-            <a:r>
-              <a:rPr lang="en-US" dirty="0"/>
-              <a:t>from files</a:t>
-            </a:r>
-          </a:p>
-          <a:p>
-            <a:pPr marL="0" indent="0">
-              <a:buNone/>
-            </a:pPr>
+              <a:rPr lang="en-US" i="1" dirty="0" smtClean="0"/>
+              <a:t>Conducting </a:t>
+            </a:r>
             <a:r>
               <a:rPr lang="en-US" i="1" dirty="0"/>
-              <a:t>Conducting exploratory data analysis</a:t>
+              <a:t>exploratory data analysis</a:t>
             </a:r>
           </a:p>
         </p:txBody>
@@ -13331,7 +11596,7 @@
           <a:p>
             <a:fld id="{7053BEFA-1175-F644-B249-7D41D72BD3FF}" type="datetime1">
               <a:rPr lang="en-US" smtClean="0"/>
-              <a:t>1/29/16</a:t>
+              <a:t>1/23/17</a:t>
             </a:fld>
             <a:endParaRPr lang="en-US"/>
           </a:p>
@@ -13392,2579 +11657,7 @@
   <p:timing>
     <p:tnLst>
       <p:par>
-        <p:cTn xmlns:p14="http://schemas.microsoft.com/office/powerpoint/2010/main" id="1" dur="indefinite" restart="never" nodeType="tmRoot"/>
-      </p:par>
-    </p:tnLst>
-  </p:timing>
-</p:sld>
-</file>
-
-<file path=ppt/slides/slide20.xml><?xml version="1.0" encoding="utf-8"?>
-<p:sld xmlns:a="http://schemas.openxmlformats.org/drawingml/2006/main" xmlns:r="http://schemas.openxmlformats.org/officeDocument/2006/relationships" xmlns:p="http://schemas.openxmlformats.org/presentationml/2006/main">
-  <p:cSld>
-    <p:spTree>
-      <p:nvGrpSpPr>
-        <p:cNvPr id="1" name=""/>
-        <p:cNvGrpSpPr/>
-        <p:nvPr/>
-      </p:nvGrpSpPr>
-      <p:grpSpPr>
-        <a:xfrm>
-          <a:off x="0" y="0"/>
-          <a:ext cx="0" cy="0"/>
-          <a:chOff x="0" y="0"/>
-          <a:chExt cx="0" cy="0"/>
-        </a:xfrm>
-      </p:grpSpPr>
-      <p:sp>
-        <p:nvSpPr>
-          <p:cNvPr id="2" name="Title 1"/>
-          <p:cNvSpPr>
-            <a:spLocks noGrp="1"/>
-          </p:cNvSpPr>
-          <p:nvPr>
-            <p:ph type="title"/>
-          </p:nvPr>
-        </p:nvSpPr>
-        <p:spPr/>
-        <p:txBody>
-          <a:bodyPr/>
-          <a:lstStyle/>
-          <a:p>
-            <a:r>
-              <a:rPr lang="en-US" dirty="0" err="1" smtClean="0"/>
-              <a:t>Pyplot</a:t>
-            </a:r>
-            <a:endParaRPr lang="en-US" dirty="0"/>
-          </a:p>
-        </p:txBody>
-      </p:sp>
-      <p:sp>
-        <p:nvSpPr>
-          <p:cNvPr id="3" name="Content Placeholder 2"/>
-          <p:cNvSpPr>
-            <a:spLocks noGrp="1"/>
-          </p:cNvSpPr>
-          <p:nvPr>
-            <p:ph idx="1"/>
-          </p:nvPr>
-        </p:nvSpPr>
-        <p:spPr/>
-        <p:txBody>
-          <a:bodyPr/>
-          <a:lstStyle/>
-          <a:p>
-            <a:pPr marL="0" indent="0">
-              <a:buNone/>
-            </a:pPr>
-            <a:r>
-              <a:rPr lang="en-US" dirty="0"/>
-              <a:t># make a bar plot of all the latitudes we found</a:t>
-            </a:r>
-            <a:endParaRPr lang="en-US" dirty="0">
-              <a:latin typeface="Courier"/>
-              <a:cs typeface="Courier"/>
-            </a:endParaRPr>
-          </a:p>
-          <a:p>
-            <a:pPr marL="0" indent="0">
-              <a:buNone/>
-            </a:pPr>
-            <a:r>
-              <a:rPr lang="en-US" dirty="0" err="1">
-                <a:latin typeface="Courier"/>
-                <a:cs typeface="Courier"/>
-              </a:rPr>
-              <a:t>plt.bar</a:t>
-            </a:r>
-            <a:r>
-              <a:rPr lang="en-US" dirty="0">
-                <a:latin typeface="Courier"/>
-                <a:cs typeface="Courier"/>
-              </a:rPr>
-              <a:t>(</a:t>
-            </a:r>
-            <a:r>
-              <a:rPr lang="en-US" b="1" dirty="0" err="1">
-                <a:latin typeface="Courier"/>
-                <a:cs typeface="Courier"/>
-              </a:rPr>
-              <a:t>latitude.keys</a:t>
-            </a:r>
-            <a:r>
-              <a:rPr lang="en-US" b="1" dirty="0">
-                <a:latin typeface="Courier"/>
-                <a:cs typeface="Courier"/>
-              </a:rPr>
-              <a:t>(), </a:t>
-            </a:r>
-            <a:r>
-              <a:rPr lang="en-US" dirty="0" err="1">
-                <a:latin typeface="Courier"/>
-                <a:cs typeface="Courier"/>
-              </a:rPr>
-              <a:t>latitude.values</a:t>
-            </a:r>
-            <a:r>
-              <a:rPr lang="en-US" dirty="0">
-                <a:latin typeface="Courier"/>
-                <a:cs typeface="Courier"/>
-              </a:rPr>
-              <a:t>())</a:t>
-            </a:r>
-          </a:p>
-          <a:p>
-            <a:pPr marL="0" indent="0">
-              <a:buNone/>
-            </a:pPr>
-            <a:r>
-              <a:rPr lang="en-US" dirty="0" err="1">
-                <a:latin typeface="Courier"/>
-                <a:cs typeface="Courier"/>
-              </a:rPr>
-              <a:t>plt.show</a:t>
-            </a:r>
-            <a:r>
-              <a:rPr lang="en-US" dirty="0">
-                <a:latin typeface="Courier"/>
-                <a:cs typeface="Courier"/>
-              </a:rPr>
-              <a:t>(</a:t>
-            </a:r>
-            <a:r>
-              <a:rPr lang="en-US" dirty="0" smtClean="0">
-                <a:latin typeface="Courier"/>
-                <a:cs typeface="Courier"/>
-              </a:rPr>
-              <a:t>)</a:t>
-            </a:r>
-          </a:p>
-          <a:p>
-            <a:pPr marL="0" indent="0">
-              <a:buNone/>
-            </a:pPr>
-            <a:r>
-              <a:rPr lang="en-US" dirty="0" smtClean="0">
-                <a:latin typeface="+mn-lt"/>
-                <a:cs typeface="Courier"/>
-              </a:rPr>
-              <a:t>Your code will pause and show a window</a:t>
-            </a:r>
-          </a:p>
-          <a:p>
-            <a:pPr marL="0" indent="0">
-              <a:buNone/>
-            </a:pPr>
-            <a:r>
-              <a:rPr lang="en-US" dirty="0" smtClean="0">
-                <a:latin typeface="+mn-lt"/>
-                <a:cs typeface="Courier"/>
-              </a:rPr>
-              <a:t>When you close it the code continues (</a:t>
-            </a:r>
-            <a:r>
-              <a:rPr lang="en-US" i="1" dirty="0" smtClean="0">
-                <a:latin typeface="+mn-lt"/>
-                <a:cs typeface="Courier"/>
-              </a:rPr>
-              <a:t>i.e. </a:t>
-            </a:r>
-            <a:r>
-              <a:rPr lang="en-US" dirty="0" smtClean="0">
-                <a:latin typeface="+mn-lt"/>
-                <a:cs typeface="Courier"/>
-              </a:rPr>
-              <a:t>to other plots)</a:t>
-            </a:r>
-            <a:endParaRPr lang="en-US" dirty="0">
-              <a:latin typeface="+mn-lt"/>
-              <a:cs typeface="Courier"/>
-            </a:endParaRPr>
-          </a:p>
-        </p:txBody>
-      </p:sp>
-      <p:sp>
-        <p:nvSpPr>
-          <p:cNvPr id="4" name="Date Placeholder 3"/>
-          <p:cNvSpPr>
-            <a:spLocks noGrp="1"/>
-          </p:cNvSpPr>
-          <p:nvPr>
-            <p:ph type="dt" sz="half" idx="10"/>
-          </p:nvPr>
-        </p:nvSpPr>
-        <p:spPr/>
-        <p:txBody>
-          <a:bodyPr/>
-          <a:lstStyle/>
-          <a:p>
-            <a:fld id="{7053BEFA-1175-F644-B249-7D41D72BD3FF}" type="datetime1">
-              <a:rPr lang="en-US" smtClean="0"/>
-              <a:t>1/29/16</a:t>
-            </a:fld>
-            <a:endParaRPr lang="en-US"/>
-          </a:p>
-        </p:txBody>
-      </p:sp>
-      <p:sp>
-        <p:nvSpPr>
-          <p:cNvPr id="5" name="Footer Placeholder 4"/>
-          <p:cNvSpPr>
-            <a:spLocks noGrp="1"/>
-          </p:cNvSpPr>
-          <p:nvPr>
-            <p:ph type="ftr" sz="quarter" idx="11"/>
-          </p:nvPr>
-        </p:nvSpPr>
-        <p:spPr/>
-        <p:txBody>
-          <a:bodyPr/>
-          <a:lstStyle/>
-          <a:p>
-            <a:endParaRPr lang="en-US" dirty="0"/>
-          </a:p>
-        </p:txBody>
-      </p:sp>
-      <p:sp>
-        <p:nvSpPr>
-          <p:cNvPr id="6" name="Slide Number Placeholder 5"/>
-          <p:cNvSpPr>
-            <a:spLocks noGrp="1"/>
-          </p:cNvSpPr>
-          <p:nvPr>
-            <p:ph type="sldNum" sz="quarter" idx="12"/>
-          </p:nvPr>
-        </p:nvSpPr>
-        <p:spPr/>
-        <p:txBody>
-          <a:bodyPr/>
-          <a:lstStyle/>
-          <a:p>
-            <a:fld id="{17E276FA-8F89-B34D-A726-BE3FA1F8DD97}" type="slidenum">
-              <a:rPr lang="en-US" smtClean="0"/>
-              <a:t>20</a:t>
-            </a:fld>
-            <a:endParaRPr lang="en-US" dirty="0"/>
-          </a:p>
-        </p:txBody>
-      </p:sp>
-      <p:sp>
-        <p:nvSpPr>
-          <p:cNvPr id="7" name="Line Callout 2 (Accent Bar) 6"/>
-          <p:cNvSpPr/>
-          <p:nvPr/>
-        </p:nvSpPr>
-        <p:spPr>
-          <a:xfrm>
-            <a:off x="5548923" y="1690845"/>
-            <a:ext cx="2096369" cy="1044539"/>
-          </a:xfrm>
-          <a:prstGeom prst="accentCallout2">
-            <a:avLst/>
-          </a:prstGeom>
-        </p:spPr>
-        <p:style>
-          <a:lnRef idx="2">
-            <a:schemeClr val="accent1">
-              <a:shade val="50000"/>
-            </a:schemeClr>
-          </a:lnRef>
-          <a:fillRef idx="1">
-            <a:schemeClr val="accent1"/>
-          </a:fillRef>
-          <a:effectRef idx="0">
-            <a:schemeClr val="accent1"/>
-          </a:effectRef>
-          <a:fontRef idx="minor">
-            <a:schemeClr val="lt1"/>
-          </a:fontRef>
-        </p:style>
-        <p:txBody>
-          <a:bodyPr rtlCol="0" anchor="ctr"/>
-          <a:lstStyle/>
-          <a:p>
-            <a:pPr algn="ctr"/>
-            <a:r>
-              <a:rPr lang="en-US" dirty="0" smtClean="0"/>
-              <a:t>Left side of bar (array)</a:t>
-            </a:r>
-            <a:endParaRPr lang="en-US" dirty="0"/>
-          </a:p>
-        </p:txBody>
-      </p:sp>
-    </p:spTree>
-    <p:extLst>
-      <p:ext uri="{BB962C8B-B14F-4D97-AF65-F5344CB8AC3E}">
-        <p14:creationId xmlns:p14="http://schemas.microsoft.com/office/powerpoint/2010/main" val="1674909106"/>
-      </p:ext>
-    </p:extLst>
-  </p:cSld>
-  <p:clrMapOvr>
-    <a:masterClrMapping/>
-  </p:clrMapOvr>
-  <p:timing>
-    <p:tnLst>
-      <p:par>
-        <p:cTn xmlns:p14="http://schemas.microsoft.com/office/powerpoint/2010/main" id="1" dur="indefinite" restart="never" nodeType="tmRoot"/>
-      </p:par>
-    </p:tnLst>
-  </p:timing>
-</p:sld>
-</file>
-
-<file path=ppt/slides/slide21.xml><?xml version="1.0" encoding="utf-8"?>
-<p:sld xmlns:a="http://schemas.openxmlformats.org/drawingml/2006/main" xmlns:r="http://schemas.openxmlformats.org/officeDocument/2006/relationships" xmlns:p="http://schemas.openxmlformats.org/presentationml/2006/main">
-  <p:cSld>
-    <p:spTree>
-      <p:nvGrpSpPr>
-        <p:cNvPr id="1" name=""/>
-        <p:cNvGrpSpPr/>
-        <p:nvPr/>
-      </p:nvGrpSpPr>
-      <p:grpSpPr>
-        <a:xfrm>
-          <a:off x="0" y="0"/>
-          <a:ext cx="0" cy="0"/>
-          <a:chOff x="0" y="0"/>
-          <a:chExt cx="0" cy="0"/>
-        </a:xfrm>
-      </p:grpSpPr>
-      <p:sp>
-        <p:nvSpPr>
-          <p:cNvPr id="2" name="Title 1"/>
-          <p:cNvSpPr>
-            <a:spLocks noGrp="1"/>
-          </p:cNvSpPr>
-          <p:nvPr>
-            <p:ph type="title"/>
-          </p:nvPr>
-        </p:nvSpPr>
-        <p:spPr/>
-        <p:txBody>
-          <a:bodyPr/>
-          <a:lstStyle/>
-          <a:p>
-            <a:r>
-              <a:rPr lang="en-US" dirty="0" err="1" smtClean="0"/>
-              <a:t>Pyplot</a:t>
-            </a:r>
-            <a:endParaRPr lang="en-US" dirty="0"/>
-          </a:p>
-        </p:txBody>
-      </p:sp>
-      <p:sp>
-        <p:nvSpPr>
-          <p:cNvPr id="3" name="Content Placeholder 2"/>
-          <p:cNvSpPr>
-            <a:spLocks noGrp="1"/>
-          </p:cNvSpPr>
-          <p:nvPr>
-            <p:ph idx="1"/>
-          </p:nvPr>
-        </p:nvSpPr>
-        <p:spPr/>
-        <p:txBody>
-          <a:bodyPr/>
-          <a:lstStyle/>
-          <a:p>
-            <a:pPr marL="0" indent="0">
-              <a:buNone/>
-            </a:pPr>
-            <a:r>
-              <a:rPr lang="en-US" dirty="0"/>
-              <a:t># make a bar plot of all the latitudes we found</a:t>
-            </a:r>
-            <a:endParaRPr lang="en-US" dirty="0">
-              <a:latin typeface="Courier"/>
-              <a:cs typeface="Courier"/>
-            </a:endParaRPr>
-          </a:p>
-          <a:p>
-            <a:pPr marL="0" indent="0">
-              <a:buNone/>
-            </a:pPr>
-            <a:r>
-              <a:rPr lang="en-US" dirty="0" err="1">
-                <a:latin typeface="Courier"/>
-                <a:cs typeface="Courier"/>
-              </a:rPr>
-              <a:t>plt.bar</a:t>
-            </a:r>
-            <a:r>
-              <a:rPr lang="en-US" dirty="0">
-                <a:latin typeface="Courier"/>
-                <a:cs typeface="Courier"/>
-              </a:rPr>
-              <a:t>(</a:t>
-            </a:r>
-            <a:r>
-              <a:rPr lang="en-US" dirty="0" err="1">
-                <a:latin typeface="Courier"/>
-                <a:cs typeface="Courier"/>
-              </a:rPr>
-              <a:t>latitude.keys</a:t>
-            </a:r>
-            <a:r>
-              <a:rPr lang="en-US" dirty="0">
-                <a:latin typeface="Courier"/>
-                <a:cs typeface="Courier"/>
-              </a:rPr>
-              <a:t>(), </a:t>
-            </a:r>
-            <a:r>
-              <a:rPr lang="en-US" b="1" dirty="0" err="1">
-                <a:latin typeface="Courier"/>
-                <a:cs typeface="Courier"/>
-              </a:rPr>
-              <a:t>latitude.values</a:t>
-            </a:r>
-            <a:r>
-              <a:rPr lang="en-US" b="1" dirty="0">
-                <a:latin typeface="Courier"/>
-                <a:cs typeface="Courier"/>
-              </a:rPr>
-              <a:t>()</a:t>
-            </a:r>
-            <a:r>
-              <a:rPr lang="en-US" dirty="0">
-                <a:latin typeface="Courier"/>
-                <a:cs typeface="Courier"/>
-              </a:rPr>
-              <a:t>)</a:t>
-            </a:r>
-          </a:p>
-          <a:p>
-            <a:pPr marL="0" indent="0">
-              <a:buNone/>
-            </a:pPr>
-            <a:r>
-              <a:rPr lang="en-US" dirty="0" err="1">
-                <a:latin typeface="Courier"/>
-                <a:cs typeface="Courier"/>
-              </a:rPr>
-              <a:t>plt.show</a:t>
-            </a:r>
-            <a:r>
-              <a:rPr lang="en-US" dirty="0">
-                <a:latin typeface="Courier"/>
-                <a:cs typeface="Courier"/>
-              </a:rPr>
-              <a:t>(</a:t>
-            </a:r>
-            <a:r>
-              <a:rPr lang="en-US" dirty="0" smtClean="0">
-                <a:latin typeface="Courier"/>
-                <a:cs typeface="Courier"/>
-              </a:rPr>
-              <a:t>)</a:t>
-            </a:r>
-          </a:p>
-          <a:p>
-            <a:pPr marL="0" indent="0">
-              <a:buNone/>
-            </a:pPr>
-            <a:r>
-              <a:rPr lang="en-US" dirty="0" smtClean="0">
-                <a:latin typeface="+mn-lt"/>
-                <a:cs typeface="Courier"/>
-              </a:rPr>
-              <a:t>Your code will pause and show a window</a:t>
-            </a:r>
-          </a:p>
-          <a:p>
-            <a:pPr marL="0" indent="0">
-              <a:buNone/>
-            </a:pPr>
-            <a:r>
-              <a:rPr lang="en-US" dirty="0" smtClean="0">
-                <a:latin typeface="+mn-lt"/>
-                <a:cs typeface="Courier"/>
-              </a:rPr>
-              <a:t>When you close it the code continues (</a:t>
-            </a:r>
-            <a:r>
-              <a:rPr lang="en-US" i="1" dirty="0" smtClean="0">
-                <a:latin typeface="+mn-lt"/>
-                <a:cs typeface="Courier"/>
-              </a:rPr>
-              <a:t>i.e. </a:t>
-            </a:r>
-            <a:r>
-              <a:rPr lang="en-US" dirty="0" smtClean="0">
-                <a:latin typeface="+mn-lt"/>
-                <a:cs typeface="Courier"/>
-              </a:rPr>
-              <a:t>to other plots)</a:t>
-            </a:r>
-            <a:endParaRPr lang="en-US" dirty="0">
-              <a:latin typeface="+mn-lt"/>
-              <a:cs typeface="Courier"/>
-            </a:endParaRPr>
-          </a:p>
-        </p:txBody>
-      </p:sp>
-      <p:sp>
-        <p:nvSpPr>
-          <p:cNvPr id="4" name="Date Placeholder 3"/>
-          <p:cNvSpPr>
-            <a:spLocks noGrp="1"/>
-          </p:cNvSpPr>
-          <p:nvPr>
-            <p:ph type="dt" sz="half" idx="10"/>
-          </p:nvPr>
-        </p:nvSpPr>
-        <p:spPr/>
-        <p:txBody>
-          <a:bodyPr/>
-          <a:lstStyle/>
-          <a:p>
-            <a:fld id="{7053BEFA-1175-F644-B249-7D41D72BD3FF}" type="datetime1">
-              <a:rPr lang="en-US" smtClean="0"/>
-              <a:t>1/29/16</a:t>
-            </a:fld>
-            <a:endParaRPr lang="en-US"/>
-          </a:p>
-        </p:txBody>
-      </p:sp>
-      <p:sp>
-        <p:nvSpPr>
-          <p:cNvPr id="5" name="Footer Placeholder 4"/>
-          <p:cNvSpPr>
-            <a:spLocks noGrp="1"/>
-          </p:cNvSpPr>
-          <p:nvPr>
-            <p:ph type="ftr" sz="quarter" idx="11"/>
-          </p:nvPr>
-        </p:nvSpPr>
-        <p:spPr/>
-        <p:txBody>
-          <a:bodyPr/>
-          <a:lstStyle/>
-          <a:p>
-            <a:endParaRPr lang="en-US" dirty="0"/>
-          </a:p>
-        </p:txBody>
-      </p:sp>
-      <p:sp>
-        <p:nvSpPr>
-          <p:cNvPr id="6" name="Slide Number Placeholder 5"/>
-          <p:cNvSpPr>
-            <a:spLocks noGrp="1"/>
-          </p:cNvSpPr>
-          <p:nvPr>
-            <p:ph type="sldNum" sz="quarter" idx="12"/>
-          </p:nvPr>
-        </p:nvSpPr>
-        <p:spPr/>
-        <p:txBody>
-          <a:bodyPr/>
-          <a:lstStyle/>
-          <a:p>
-            <a:fld id="{17E276FA-8F89-B34D-A726-BE3FA1F8DD97}" type="slidenum">
-              <a:rPr lang="en-US" smtClean="0"/>
-              <a:t>21</a:t>
-            </a:fld>
-            <a:endParaRPr lang="en-US" dirty="0"/>
-          </a:p>
-        </p:txBody>
-      </p:sp>
-      <p:sp>
-        <p:nvSpPr>
-          <p:cNvPr id="7" name="Line Callout 2 (Accent Bar) 6"/>
-          <p:cNvSpPr/>
-          <p:nvPr/>
-        </p:nvSpPr>
-        <p:spPr>
-          <a:xfrm>
-            <a:off x="5138204" y="2134962"/>
-            <a:ext cx="2096369" cy="1044539"/>
-          </a:xfrm>
-          <a:prstGeom prst="accentCallout2">
-            <a:avLst/>
-          </a:prstGeom>
-        </p:spPr>
-        <p:style>
-          <a:lnRef idx="2">
-            <a:schemeClr val="accent1">
-              <a:shade val="50000"/>
-            </a:schemeClr>
-          </a:lnRef>
-          <a:fillRef idx="1">
-            <a:schemeClr val="accent1"/>
-          </a:fillRef>
-          <a:effectRef idx="0">
-            <a:schemeClr val="accent1"/>
-          </a:effectRef>
-          <a:fontRef idx="minor">
-            <a:schemeClr val="lt1"/>
-          </a:fontRef>
-        </p:style>
-        <p:txBody>
-          <a:bodyPr rtlCol="0" anchor="ctr"/>
-          <a:lstStyle/>
-          <a:p>
-            <a:pPr algn="ctr"/>
-            <a:r>
-              <a:rPr lang="en-US" dirty="0" smtClean="0"/>
-              <a:t>Height of bar (array)</a:t>
-            </a:r>
-            <a:endParaRPr lang="en-US" dirty="0"/>
-          </a:p>
-        </p:txBody>
-      </p:sp>
-    </p:spTree>
-    <p:extLst>
-      <p:ext uri="{BB962C8B-B14F-4D97-AF65-F5344CB8AC3E}">
-        <p14:creationId xmlns:p14="http://schemas.microsoft.com/office/powerpoint/2010/main" val="1532761367"/>
-      </p:ext>
-    </p:extLst>
-  </p:cSld>
-  <p:clrMapOvr>
-    <a:masterClrMapping/>
-  </p:clrMapOvr>
-  <p:timing>
-    <p:tnLst>
-      <p:par>
-        <p:cTn xmlns:p14="http://schemas.microsoft.com/office/powerpoint/2010/main" id="1" dur="indefinite" restart="never" nodeType="tmRoot"/>
-      </p:par>
-    </p:tnLst>
-  </p:timing>
-</p:sld>
-</file>
-
-<file path=ppt/slides/slide22.xml><?xml version="1.0" encoding="utf-8"?>
-<p:sld xmlns:a="http://schemas.openxmlformats.org/drawingml/2006/main" xmlns:r="http://schemas.openxmlformats.org/officeDocument/2006/relationships" xmlns:p="http://schemas.openxmlformats.org/presentationml/2006/main">
-  <p:cSld>
-    <p:spTree>
-      <p:nvGrpSpPr>
-        <p:cNvPr id="1" name=""/>
-        <p:cNvGrpSpPr/>
-        <p:nvPr/>
-      </p:nvGrpSpPr>
-      <p:grpSpPr>
-        <a:xfrm>
-          <a:off x="0" y="0"/>
-          <a:ext cx="0" cy="0"/>
-          <a:chOff x="0" y="0"/>
-          <a:chExt cx="0" cy="0"/>
-        </a:xfrm>
-      </p:grpSpPr>
-      <p:sp>
-        <p:nvSpPr>
-          <p:cNvPr id="2" name="Title 1"/>
-          <p:cNvSpPr>
-            <a:spLocks noGrp="1"/>
-          </p:cNvSpPr>
-          <p:nvPr>
-            <p:ph type="title"/>
-          </p:nvPr>
-        </p:nvSpPr>
-        <p:spPr/>
-        <p:txBody>
-          <a:bodyPr/>
-          <a:lstStyle/>
-          <a:p>
-            <a:r>
-              <a:rPr lang="en-US" dirty="0" err="1" smtClean="0"/>
-              <a:t>Pyplot</a:t>
-            </a:r>
-            <a:endParaRPr lang="en-US" dirty="0"/>
-          </a:p>
-        </p:txBody>
-      </p:sp>
-      <p:sp>
-        <p:nvSpPr>
-          <p:cNvPr id="3" name="Content Placeholder 2"/>
-          <p:cNvSpPr>
-            <a:spLocks noGrp="1"/>
-          </p:cNvSpPr>
-          <p:nvPr>
-            <p:ph idx="1"/>
-          </p:nvPr>
-        </p:nvSpPr>
-        <p:spPr/>
-        <p:txBody>
-          <a:bodyPr/>
-          <a:lstStyle/>
-          <a:p>
-            <a:pPr marL="0" indent="0">
-              <a:buNone/>
-            </a:pPr>
-            <a:r>
-              <a:rPr lang="en-US" dirty="0"/>
-              <a:t># make a bar plot of all the latitudes we found</a:t>
-            </a:r>
-            <a:endParaRPr lang="en-US" dirty="0">
-              <a:latin typeface="Courier"/>
-              <a:cs typeface="Courier"/>
-            </a:endParaRPr>
-          </a:p>
-          <a:p>
-            <a:pPr marL="0" indent="0">
-              <a:buNone/>
-            </a:pPr>
-            <a:r>
-              <a:rPr lang="en-US" dirty="0" err="1">
-                <a:latin typeface="Courier"/>
-                <a:cs typeface="Courier"/>
-              </a:rPr>
-              <a:t>plt.bar</a:t>
-            </a:r>
-            <a:r>
-              <a:rPr lang="en-US" dirty="0">
-                <a:latin typeface="Courier"/>
-                <a:cs typeface="Courier"/>
-              </a:rPr>
-              <a:t>(</a:t>
-            </a:r>
-            <a:r>
-              <a:rPr lang="en-US" dirty="0" err="1">
-                <a:latin typeface="Courier"/>
-                <a:cs typeface="Courier"/>
-              </a:rPr>
-              <a:t>latitude.keys</a:t>
-            </a:r>
-            <a:r>
-              <a:rPr lang="en-US" dirty="0">
-                <a:latin typeface="Courier"/>
-                <a:cs typeface="Courier"/>
-              </a:rPr>
-              <a:t>(), </a:t>
-            </a:r>
-            <a:r>
-              <a:rPr lang="en-US" dirty="0" err="1">
-                <a:latin typeface="Courier"/>
-                <a:cs typeface="Courier"/>
-              </a:rPr>
-              <a:t>latitude.values</a:t>
-            </a:r>
-            <a:r>
-              <a:rPr lang="en-US" dirty="0">
-                <a:latin typeface="Courier"/>
-                <a:cs typeface="Courier"/>
-              </a:rPr>
-              <a:t>())</a:t>
-            </a:r>
-          </a:p>
-          <a:p>
-            <a:pPr marL="0" indent="0">
-              <a:buNone/>
-            </a:pPr>
-            <a:r>
-              <a:rPr lang="en-US" dirty="0" err="1">
-                <a:latin typeface="Courier"/>
-                <a:cs typeface="Courier"/>
-              </a:rPr>
-              <a:t>plt.show</a:t>
-            </a:r>
-            <a:r>
-              <a:rPr lang="en-US" dirty="0">
-                <a:latin typeface="Courier"/>
-                <a:cs typeface="Courier"/>
-              </a:rPr>
-              <a:t>(</a:t>
-            </a:r>
-            <a:r>
-              <a:rPr lang="en-US" dirty="0" smtClean="0">
-                <a:latin typeface="Courier"/>
-                <a:cs typeface="Courier"/>
-              </a:rPr>
-              <a:t>)</a:t>
-            </a:r>
-          </a:p>
-          <a:p>
-            <a:pPr marL="0" indent="0">
-              <a:buNone/>
-            </a:pPr>
-            <a:r>
-              <a:rPr lang="en-US" dirty="0" smtClean="0">
-                <a:latin typeface="+mn-lt"/>
-                <a:cs typeface="Courier"/>
-              </a:rPr>
-              <a:t>Your code will pause and show a window</a:t>
-            </a:r>
-            <a:endParaRPr lang="en-US" dirty="0">
-              <a:latin typeface="+mn-lt"/>
-              <a:cs typeface="Courier"/>
-            </a:endParaRPr>
-          </a:p>
-        </p:txBody>
-      </p:sp>
-      <p:sp>
-        <p:nvSpPr>
-          <p:cNvPr id="4" name="Date Placeholder 3"/>
-          <p:cNvSpPr>
-            <a:spLocks noGrp="1"/>
-          </p:cNvSpPr>
-          <p:nvPr>
-            <p:ph type="dt" sz="half" idx="10"/>
-          </p:nvPr>
-        </p:nvSpPr>
-        <p:spPr/>
-        <p:txBody>
-          <a:bodyPr/>
-          <a:lstStyle/>
-          <a:p>
-            <a:fld id="{7053BEFA-1175-F644-B249-7D41D72BD3FF}" type="datetime1">
-              <a:rPr lang="en-US" smtClean="0"/>
-              <a:t>1/29/16</a:t>
-            </a:fld>
-            <a:endParaRPr lang="en-US"/>
-          </a:p>
-        </p:txBody>
-      </p:sp>
-      <p:sp>
-        <p:nvSpPr>
-          <p:cNvPr id="5" name="Footer Placeholder 4"/>
-          <p:cNvSpPr>
-            <a:spLocks noGrp="1"/>
-          </p:cNvSpPr>
-          <p:nvPr>
-            <p:ph type="ftr" sz="quarter" idx="11"/>
-          </p:nvPr>
-        </p:nvSpPr>
-        <p:spPr/>
-        <p:txBody>
-          <a:bodyPr/>
-          <a:lstStyle/>
-          <a:p>
-            <a:endParaRPr lang="en-US" dirty="0"/>
-          </a:p>
-        </p:txBody>
-      </p:sp>
-      <p:sp>
-        <p:nvSpPr>
-          <p:cNvPr id="6" name="Slide Number Placeholder 5"/>
-          <p:cNvSpPr>
-            <a:spLocks noGrp="1"/>
-          </p:cNvSpPr>
-          <p:nvPr>
-            <p:ph type="sldNum" sz="quarter" idx="12"/>
-          </p:nvPr>
-        </p:nvSpPr>
-        <p:spPr/>
-        <p:txBody>
-          <a:bodyPr/>
-          <a:lstStyle/>
-          <a:p>
-            <a:fld id="{17E276FA-8F89-B34D-A726-BE3FA1F8DD97}" type="slidenum">
-              <a:rPr lang="en-US" smtClean="0"/>
-              <a:t>22</a:t>
-            </a:fld>
-            <a:endParaRPr lang="en-US" dirty="0"/>
-          </a:p>
-        </p:txBody>
-      </p:sp>
-      <p:pic>
-        <p:nvPicPr>
-          <p:cNvPr id="8" name="Picture 7" descr="Screen Shot 2014-01-22 at 9.26.02 PM.png"/>
-          <p:cNvPicPr>
-            <a:picLocks noChangeAspect="1"/>
-          </p:cNvPicPr>
-          <p:nvPr/>
-        </p:nvPicPr>
-        <p:blipFill>
-          <a:blip r:embed="rId2">
-            <a:extLst>
-              <a:ext uri="{28A0092B-C50C-407E-A947-70E740481C1C}">
-                <a14:useLocalDpi xmlns:a14="http://schemas.microsoft.com/office/drawing/2010/main" val="0"/>
-              </a:ext>
-            </a:extLst>
-          </a:blip>
-          <a:stretch>
-            <a:fillRect/>
-          </a:stretch>
-        </p:blipFill>
-        <p:spPr>
-          <a:xfrm>
-            <a:off x="660400" y="495300"/>
-            <a:ext cx="7823200" cy="5854700"/>
-          </a:xfrm>
-          <a:prstGeom prst="rect">
-            <a:avLst/>
-          </a:prstGeom>
-        </p:spPr>
-      </p:pic>
-    </p:spTree>
-    <p:extLst>
-      <p:ext uri="{BB962C8B-B14F-4D97-AF65-F5344CB8AC3E}">
-        <p14:creationId xmlns:p14="http://schemas.microsoft.com/office/powerpoint/2010/main" val="1899180283"/>
-      </p:ext>
-    </p:extLst>
-  </p:cSld>
-  <p:clrMapOvr>
-    <a:masterClrMapping/>
-  </p:clrMapOvr>
-  <p:timing>
-    <p:tnLst>
-      <p:par>
-        <p:cTn xmlns:p14="http://schemas.microsoft.com/office/powerpoint/2010/main" id="1" dur="indefinite" restart="never" nodeType="tmRoot"/>
-      </p:par>
-    </p:tnLst>
-  </p:timing>
-</p:sld>
-</file>
-
-<file path=ppt/slides/slide23.xml><?xml version="1.0" encoding="utf-8"?>
-<p:sld xmlns:a="http://schemas.openxmlformats.org/drawingml/2006/main" xmlns:r="http://schemas.openxmlformats.org/officeDocument/2006/relationships" xmlns:p="http://schemas.openxmlformats.org/presentationml/2006/main">
-  <p:cSld>
-    <p:spTree>
-      <p:nvGrpSpPr>
-        <p:cNvPr id="1" name=""/>
-        <p:cNvGrpSpPr/>
-        <p:nvPr/>
-      </p:nvGrpSpPr>
-      <p:grpSpPr>
-        <a:xfrm>
-          <a:off x="0" y="0"/>
-          <a:ext cx="0" cy="0"/>
-          <a:chOff x="0" y="0"/>
-          <a:chExt cx="0" cy="0"/>
-        </a:xfrm>
-      </p:grpSpPr>
-      <p:sp>
-        <p:nvSpPr>
-          <p:cNvPr id="2" name="Title 1"/>
-          <p:cNvSpPr>
-            <a:spLocks noGrp="1"/>
-          </p:cNvSpPr>
-          <p:nvPr>
-            <p:ph type="title"/>
-          </p:nvPr>
-        </p:nvSpPr>
-        <p:spPr/>
-        <p:txBody>
-          <a:bodyPr/>
-          <a:lstStyle/>
-          <a:p>
-            <a:r>
-              <a:rPr lang="en-US" dirty="0" smtClean="0"/>
-              <a:t>Why so much at 0?</a:t>
-            </a:r>
-            <a:endParaRPr lang="en-US" dirty="0"/>
-          </a:p>
-        </p:txBody>
-      </p:sp>
-      <p:sp>
-        <p:nvSpPr>
-          <p:cNvPr id="3" name="Content Placeholder 2"/>
-          <p:cNvSpPr>
-            <a:spLocks noGrp="1"/>
-          </p:cNvSpPr>
-          <p:nvPr>
-            <p:ph idx="1"/>
-          </p:nvPr>
-        </p:nvSpPr>
-        <p:spPr/>
-        <p:txBody>
-          <a:bodyPr/>
-          <a:lstStyle/>
-          <a:p>
-            <a:pPr marL="0" indent="0">
-              <a:buNone/>
-            </a:pPr>
-            <a:r>
-              <a:rPr lang="en-US" dirty="0"/>
-              <a:t># need to replace the "EMPTY" key with a numeric value for plotting</a:t>
-            </a:r>
-          </a:p>
-          <a:p>
-            <a:pPr marL="0" indent="0">
-              <a:buNone/>
-            </a:pPr>
-            <a:r>
-              <a:rPr lang="en-US" dirty="0">
-                <a:latin typeface="Courier"/>
-                <a:cs typeface="Courier"/>
-              </a:rPr>
-              <a:t>latitude[0] = latitude['EMPTY']</a:t>
-            </a:r>
-          </a:p>
-          <a:p>
-            <a:pPr marL="0" indent="0">
-              <a:buNone/>
-            </a:pPr>
-            <a:r>
-              <a:rPr lang="en-US" dirty="0">
-                <a:latin typeface="Courier"/>
-                <a:cs typeface="Courier"/>
-              </a:rPr>
-              <a:t>del latitude['EMPTY']</a:t>
-            </a:r>
-          </a:p>
-          <a:p>
-            <a:pPr marL="0" indent="0">
-              <a:buNone/>
-            </a:pPr>
-            <a:endParaRPr lang="en-US" dirty="0"/>
-          </a:p>
-        </p:txBody>
-      </p:sp>
-      <p:sp>
-        <p:nvSpPr>
-          <p:cNvPr id="4" name="Date Placeholder 3"/>
-          <p:cNvSpPr>
-            <a:spLocks noGrp="1"/>
-          </p:cNvSpPr>
-          <p:nvPr>
-            <p:ph type="dt" sz="half" idx="10"/>
-          </p:nvPr>
-        </p:nvSpPr>
-        <p:spPr/>
-        <p:txBody>
-          <a:bodyPr/>
-          <a:lstStyle/>
-          <a:p>
-            <a:fld id="{7053BEFA-1175-F644-B249-7D41D72BD3FF}" type="datetime1">
-              <a:rPr lang="en-US" smtClean="0"/>
-              <a:t>1/29/16</a:t>
-            </a:fld>
-            <a:endParaRPr lang="en-US"/>
-          </a:p>
-        </p:txBody>
-      </p:sp>
-      <p:sp>
-        <p:nvSpPr>
-          <p:cNvPr id="5" name="Footer Placeholder 4"/>
-          <p:cNvSpPr>
-            <a:spLocks noGrp="1"/>
-          </p:cNvSpPr>
-          <p:nvPr>
-            <p:ph type="ftr" sz="quarter" idx="11"/>
-          </p:nvPr>
-        </p:nvSpPr>
-        <p:spPr/>
-        <p:txBody>
-          <a:bodyPr/>
-          <a:lstStyle/>
-          <a:p>
-            <a:endParaRPr lang="en-US" dirty="0"/>
-          </a:p>
-        </p:txBody>
-      </p:sp>
-      <p:sp>
-        <p:nvSpPr>
-          <p:cNvPr id="6" name="Slide Number Placeholder 5"/>
-          <p:cNvSpPr>
-            <a:spLocks noGrp="1"/>
-          </p:cNvSpPr>
-          <p:nvPr>
-            <p:ph type="sldNum" sz="quarter" idx="12"/>
-          </p:nvPr>
-        </p:nvSpPr>
-        <p:spPr/>
-        <p:txBody>
-          <a:bodyPr/>
-          <a:lstStyle/>
-          <a:p>
-            <a:fld id="{17E276FA-8F89-B34D-A726-BE3FA1F8DD97}" type="slidenum">
-              <a:rPr lang="en-US" smtClean="0"/>
-              <a:t>23</a:t>
-            </a:fld>
-            <a:endParaRPr lang="en-US" dirty="0"/>
-          </a:p>
-        </p:txBody>
-      </p:sp>
-    </p:spTree>
-    <p:extLst>
-      <p:ext uri="{BB962C8B-B14F-4D97-AF65-F5344CB8AC3E}">
-        <p14:creationId xmlns:p14="http://schemas.microsoft.com/office/powerpoint/2010/main" val="2293440677"/>
-      </p:ext>
-    </p:extLst>
-  </p:cSld>
-  <p:clrMapOvr>
-    <a:masterClrMapping/>
-  </p:clrMapOvr>
-  <p:timing>
-    <p:tnLst>
-      <p:par>
-        <p:cTn xmlns:p14="http://schemas.microsoft.com/office/powerpoint/2010/main" id="1" dur="indefinite" restart="never" nodeType="tmRoot"/>
-      </p:par>
-    </p:tnLst>
-  </p:timing>
-</p:sld>
-</file>
-
-<file path=ppt/slides/slide24.xml><?xml version="1.0" encoding="utf-8"?>
-<p:sld xmlns:a="http://schemas.openxmlformats.org/drawingml/2006/main" xmlns:r="http://schemas.openxmlformats.org/officeDocument/2006/relationships" xmlns:p="http://schemas.openxmlformats.org/presentationml/2006/main">
-  <p:cSld>
-    <p:spTree>
-      <p:nvGrpSpPr>
-        <p:cNvPr id="1" name=""/>
-        <p:cNvGrpSpPr/>
-        <p:nvPr/>
-      </p:nvGrpSpPr>
-      <p:grpSpPr>
-        <a:xfrm>
-          <a:off x="0" y="0"/>
-          <a:ext cx="0" cy="0"/>
-          <a:chOff x="0" y="0"/>
-          <a:chExt cx="0" cy="0"/>
-        </a:xfrm>
-      </p:grpSpPr>
-      <p:sp>
-        <p:nvSpPr>
-          <p:cNvPr id="2" name="Title 1"/>
-          <p:cNvSpPr>
-            <a:spLocks noGrp="1"/>
-          </p:cNvSpPr>
-          <p:nvPr>
-            <p:ph type="title"/>
-          </p:nvPr>
-        </p:nvSpPr>
-        <p:spPr/>
-        <p:txBody>
-          <a:bodyPr/>
-          <a:lstStyle/>
-          <a:p>
-            <a:r>
-              <a:rPr lang="en-US" dirty="0" smtClean="0"/>
-              <a:t>Why so many EMPTY?</a:t>
-            </a:r>
-            <a:endParaRPr lang="en-US" dirty="0"/>
-          </a:p>
-        </p:txBody>
-      </p:sp>
-      <p:sp>
-        <p:nvSpPr>
-          <p:cNvPr id="3" name="Content Placeholder 2"/>
-          <p:cNvSpPr>
-            <a:spLocks noGrp="1"/>
-          </p:cNvSpPr>
-          <p:nvPr>
-            <p:ph idx="1"/>
-          </p:nvPr>
-        </p:nvSpPr>
-        <p:spPr/>
-        <p:txBody>
-          <a:bodyPr/>
-          <a:lstStyle/>
-          <a:p>
-            <a:pPr marL="0" indent="0">
-              <a:buNone/>
-            </a:pPr>
-            <a:r>
-              <a:rPr lang="en-US" dirty="0"/>
-              <a:t> # convert any </a:t>
-            </a:r>
-            <a:r>
-              <a:rPr lang="en-US" dirty="0" smtClean="0"/>
-              <a:t>any </a:t>
-            </a:r>
-            <a:r>
-              <a:rPr lang="en-US" dirty="0"/>
-              <a:t>empty </a:t>
-            </a:r>
-            <a:r>
-              <a:rPr lang="en-US" dirty="0" smtClean="0"/>
-              <a:t>strings </a:t>
-            </a:r>
-            <a:r>
-              <a:rPr lang="en-US" dirty="0"/>
-              <a:t>to a string called 'EMPTY' we can use as a value</a:t>
-            </a:r>
-          </a:p>
-          <a:p>
-            <a:pPr marL="0" indent="0">
-              <a:buNone/>
-            </a:pPr>
-            <a:r>
-              <a:rPr lang="en-US" dirty="0" smtClean="0">
-                <a:latin typeface="Courier"/>
-                <a:cs typeface="Courier"/>
-              </a:rPr>
-              <a:t>if </a:t>
-            </a:r>
-            <a:r>
-              <a:rPr lang="en-US" dirty="0">
-                <a:latin typeface="Courier"/>
-                <a:cs typeface="Courier"/>
-              </a:rPr>
-              <a:t>value == '': value = '</a:t>
-            </a:r>
-            <a:r>
-              <a:rPr lang="en-US" dirty="0" smtClean="0">
-                <a:latin typeface="Courier"/>
-                <a:cs typeface="Courier"/>
-              </a:rPr>
-              <a:t>EMPTY’</a:t>
-            </a:r>
-            <a:endParaRPr lang="en-US" dirty="0">
-              <a:latin typeface="Courier"/>
-              <a:cs typeface="Courier"/>
-            </a:endParaRPr>
-          </a:p>
-          <a:p>
-            <a:pPr marL="0" indent="0">
-              <a:buNone/>
-            </a:pPr>
-            <a:r>
-              <a:rPr lang="en-US" dirty="0" smtClean="0">
-                <a:latin typeface="Courier"/>
-                <a:cs typeface="Courier"/>
-              </a:rPr>
-              <a:t>if </a:t>
-            </a:r>
-            <a:r>
-              <a:rPr lang="en-US" dirty="0">
-                <a:latin typeface="Courier"/>
-                <a:cs typeface="Courier"/>
-              </a:rPr>
-              <a:t>value == '</a:t>
-            </a:r>
-            <a:r>
-              <a:rPr lang="en-US" dirty="0" err="1">
-                <a:latin typeface="Courier"/>
-                <a:cs typeface="Courier"/>
-              </a:rPr>
-              <a:t>NaN</a:t>
-            </a:r>
-            <a:r>
-              <a:rPr lang="en-US" dirty="0">
-                <a:latin typeface="Courier"/>
-                <a:cs typeface="Courier"/>
-              </a:rPr>
-              <a:t>' : value = 'EMPTY'</a:t>
-            </a:r>
-          </a:p>
-          <a:p>
-            <a:pPr marL="0" indent="0">
-              <a:buNone/>
-            </a:pPr>
-            <a:r>
-              <a:rPr lang="en-US" dirty="0"/>
-              <a:t>        </a:t>
-            </a:r>
-          </a:p>
-          <a:p>
-            <a:pPr marL="0" indent="0">
-              <a:buNone/>
-            </a:pPr>
-            <a:r>
-              <a:rPr lang="en-US" dirty="0"/>
-              <a:t> </a:t>
-            </a:r>
-          </a:p>
-        </p:txBody>
-      </p:sp>
-      <p:sp>
-        <p:nvSpPr>
-          <p:cNvPr id="4" name="Date Placeholder 3"/>
-          <p:cNvSpPr>
-            <a:spLocks noGrp="1"/>
-          </p:cNvSpPr>
-          <p:nvPr>
-            <p:ph type="dt" sz="half" idx="10"/>
-          </p:nvPr>
-        </p:nvSpPr>
-        <p:spPr/>
-        <p:txBody>
-          <a:bodyPr/>
-          <a:lstStyle/>
-          <a:p>
-            <a:fld id="{7053BEFA-1175-F644-B249-7D41D72BD3FF}" type="datetime1">
-              <a:rPr lang="en-US" smtClean="0"/>
-              <a:t>1/29/16</a:t>
-            </a:fld>
-            <a:endParaRPr lang="en-US"/>
-          </a:p>
-        </p:txBody>
-      </p:sp>
-      <p:sp>
-        <p:nvSpPr>
-          <p:cNvPr id="5" name="Footer Placeholder 4"/>
-          <p:cNvSpPr>
-            <a:spLocks noGrp="1"/>
-          </p:cNvSpPr>
-          <p:nvPr>
-            <p:ph type="ftr" sz="quarter" idx="11"/>
-          </p:nvPr>
-        </p:nvSpPr>
-        <p:spPr/>
-        <p:txBody>
-          <a:bodyPr/>
-          <a:lstStyle/>
-          <a:p>
-            <a:endParaRPr lang="en-US" dirty="0"/>
-          </a:p>
-        </p:txBody>
-      </p:sp>
-      <p:sp>
-        <p:nvSpPr>
-          <p:cNvPr id="6" name="Slide Number Placeholder 5"/>
-          <p:cNvSpPr>
-            <a:spLocks noGrp="1"/>
-          </p:cNvSpPr>
-          <p:nvPr>
-            <p:ph type="sldNum" sz="quarter" idx="12"/>
-          </p:nvPr>
-        </p:nvSpPr>
-        <p:spPr/>
-        <p:txBody>
-          <a:bodyPr/>
-          <a:lstStyle/>
-          <a:p>
-            <a:fld id="{17E276FA-8F89-B34D-A726-BE3FA1F8DD97}" type="slidenum">
-              <a:rPr lang="en-US" smtClean="0"/>
-              <a:t>24</a:t>
-            </a:fld>
-            <a:endParaRPr lang="en-US" dirty="0"/>
-          </a:p>
-        </p:txBody>
-      </p:sp>
-    </p:spTree>
-    <p:extLst>
-      <p:ext uri="{BB962C8B-B14F-4D97-AF65-F5344CB8AC3E}">
-        <p14:creationId xmlns:p14="http://schemas.microsoft.com/office/powerpoint/2010/main" val="4095196247"/>
-      </p:ext>
-    </p:extLst>
-  </p:cSld>
-  <p:clrMapOvr>
-    <a:masterClrMapping/>
-  </p:clrMapOvr>
-  <p:timing>
-    <p:tnLst>
-      <p:par>
-        <p:cTn xmlns:p14="http://schemas.microsoft.com/office/powerpoint/2010/main" id="1" dur="indefinite" restart="never" nodeType="tmRoot"/>
-      </p:par>
-    </p:tnLst>
-  </p:timing>
-</p:sld>
-</file>
-
-<file path=ppt/slides/slide25.xml><?xml version="1.0" encoding="utf-8"?>
-<p:sld xmlns:a="http://schemas.openxmlformats.org/drawingml/2006/main" xmlns:r="http://schemas.openxmlformats.org/officeDocument/2006/relationships" xmlns:p="http://schemas.openxmlformats.org/presentationml/2006/main">
-  <p:cSld>
-    <p:spTree>
-      <p:nvGrpSpPr>
-        <p:cNvPr id="1" name=""/>
-        <p:cNvGrpSpPr/>
-        <p:nvPr/>
-      </p:nvGrpSpPr>
-      <p:grpSpPr>
-        <a:xfrm>
-          <a:off x="0" y="0"/>
-          <a:ext cx="0" cy="0"/>
-          <a:chOff x="0" y="0"/>
-          <a:chExt cx="0" cy="0"/>
-        </a:xfrm>
-      </p:grpSpPr>
-      <p:sp>
-        <p:nvSpPr>
-          <p:cNvPr id="2" name="Title 1"/>
-          <p:cNvSpPr>
-            <a:spLocks noGrp="1"/>
-          </p:cNvSpPr>
-          <p:nvPr>
-            <p:ph type="title"/>
-          </p:nvPr>
-        </p:nvSpPr>
-        <p:spPr/>
-        <p:txBody>
-          <a:bodyPr/>
-          <a:lstStyle/>
-          <a:p>
-            <a:r>
-              <a:rPr lang="en-US" dirty="0" smtClean="0"/>
-              <a:t>Why so many EMPTY?</a:t>
-            </a:r>
-            <a:endParaRPr lang="en-US" dirty="0"/>
-          </a:p>
-        </p:txBody>
-      </p:sp>
-      <p:sp>
-        <p:nvSpPr>
-          <p:cNvPr id="3" name="Content Placeholder 2"/>
-          <p:cNvSpPr>
-            <a:spLocks noGrp="1"/>
-          </p:cNvSpPr>
-          <p:nvPr>
-            <p:ph idx="1"/>
-          </p:nvPr>
-        </p:nvSpPr>
-        <p:spPr/>
-        <p:txBody>
-          <a:bodyPr/>
-          <a:lstStyle/>
-          <a:p>
-            <a:pPr marL="0" indent="0">
-              <a:buNone/>
-            </a:pPr>
-            <a:r>
-              <a:rPr lang="en-US" dirty="0"/>
-              <a:t> # convert any </a:t>
-            </a:r>
-            <a:r>
-              <a:rPr lang="en-US" dirty="0" smtClean="0"/>
-              <a:t>any </a:t>
-            </a:r>
-            <a:r>
-              <a:rPr lang="en-US" dirty="0"/>
-              <a:t>empty </a:t>
-            </a:r>
-            <a:r>
-              <a:rPr lang="en-US" dirty="0" smtClean="0"/>
-              <a:t>strings </a:t>
-            </a:r>
-            <a:r>
-              <a:rPr lang="en-US" dirty="0"/>
-              <a:t>to a string called 'EMPTY' we can use as a value</a:t>
-            </a:r>
-          </a:p>
-          <a:p>
-            <a:pPr marL="0" indent="0">
-              <a:buNone/>
-            </a:pPr>
-            <a:r>
-              <a:rPr lang="en-US" dirty="0" smtClean="0">
-                <a:latin typeface="Courier"/>
-                <a:cs typeface="Courier"/>
-              </a:rPr>
-              <a:t>if </a:t>
-            </a:r>
-            <a:r>
-              <a:rPr lang="en-US" dirty="0">
-                <a:latin typeface="Courier"/>
-                <a:cs typeface="Courier"/>
-              </a:rPr>
-              <a:t>value == '': value = '</a:t>
-            </a:r>
-            <a:r>
-              <a:rPr lang="en-US" dirty="0" smtClean="0">
-                <a:latin typeface="Courier"/>
-                <a:cs typeface="Courier"/>
-              </a:rPr>
-              <a:t>EMPTY’</a:t>
-            </a:r>
-            <a:endParaRPr lang="en-US" dirty="0">
-              <a:latin typeface="Courier"/>
-              <a:cs typeface="Courier"/>
-            </a:endParaRPr>
-          </a:p>
-          <a:p>
-            <a:pPr marL="0" indent="0">
-              <a:buNone/>
-            </a:pPr>
-            <a:r>
-              <a:rPr lang="en-US" dirty="0" smtClean="0">
-                <a:latin typeface="Courier"/>
-                <a:cs typeface="Courier"/>
-              </a:rPr>
-              <a:t>if </a:t>
-            </a:r>
-            <a:r>
-              <a:rPr lang="en-US" dirty="0">
-                <a:latin typeface="Courier"/>
-                <a:cs typeface="Courier"/>
-              </a:rPr>
-              <a:t>value == '</a:t>
-            </a:r>
-            <a:r>
-              <a:rPr lang="en-US" dirty="0" err="1">
-                <a:latin typeface="Courier"/>
-                <a:cs typeface="Courier"/>
-              </a:rPr>
-              <a:t>NaN</a:t>
-            </a:r>
-            <a:r>
-              <a:rPr lang="en-US" dirty="0">
-                <a:latin typeface="Courier"/>
-                <a:cs typeface="Courier"/>
-              </a:rPr>
-              <a:t>' : value = 'EMPTY'</a:t>
-            </a:r>
-          </a:p>
-          <a:p>
-            <a:pPr marL="0" indent="0">
-              <a:buNone/>
-            </a:pPr>
-            <a:r>
-              <a:rPr lang="en-US" dirty="0"/>
-              <a:t>   </a:t>
-            </a:r>
-            <a:endParaRPr lang="en-US" dirty="0" smtClean="0"/>
-          </a:p>
-          <a:p>
-            <a:pPr marL="0" indent="0">
-              <a:buNone/>
-            </a:pPr>
-            <a:r>
-              <a:rPr lang="en-US" dirty="0" smtClean="0"/>
-              <a:t>Represents a lack of information about location found    </a:t>
-            </a:r>
-            <a:endParaRPr lang="en-US" dirty="0"/>
-          </a:p>
-          <a:p>
-            <a:pPr marL="0" indent="0">
-              <a:buNone/>
-            </a:pPr>
-            <a:r>
-              <a:rPr lang="en-US" dirty="0"/>
-              <a:t> </a:t>
-            </a:r>
-          </a:p>
-        </p:txBody>
-      </p:sp>
-      <p:sp>
-        <p:nvSpPr>
-          <p:cNvPr id="4" name="Date Placeholder 3"/>
-          <p:cNvSpPr>
-            <a:spLocks noGrp="1"/>
-          </p:cNvSpPr>
-          <p:nvPr>
-            <p:ph type="dt" sz="half" idx="10"/>
-          </p:nvPr>
-        </p:nvSpPr>
-        <p:spPr/>
-        <p:txBody>
-          <a:bodyPr/>
-          <a:lstStyle/>
-          <a:p>
-            <a:fld id="{7053BEFA-1175-F644-B249-7D41D72BD3FF}" type="datetime1">
-              <a:rPr lang="en-US" smtClean="0"/>
-              <a:t>1/29/16</a:t>
-            </a:fld>
-            <a:endParaRPr lang="en-US"/>
-          </a:p>
-        </p:txBody>
-      </p:sp>
-      <p:sp>
-        <p:nvSpPr>
-          <p:cNvPr id="5" name="Footer Placeholder 4"/>
-          <p:cNvSpPr>
-            <a:spLocks noGrp="1"/>
-          </p:cNvSpPr>
-          <p:nvPr>
-            <p:ph type="ftr" sz="quarter" idx="11"/>
-          </p:nvPr>
-        </p:nvSpPr>
-        <p:spPr/>
-        <p:txBody>
-          <a:bodyPr/>
-          <a:lstStyle/>
-          <a:p>
-            <a:endParaRPr lang="en-US" dirty="0"/>
-          </a:p>
-        </p:txBody>
-      </p:sp>
-      <p:sp>
-        <p:nvSpPr>
-          <p:cNvPr id="6" name="Slide Number Placeholder 5"/>
-          <p:cNvSpPr>
-            <a:spLocks noGrp="1"/>
-          </p:cNvSpPr>
-          <p:nvPr>
-            <p:ph type="sldNum" sz="quarter" idx="12"/>
-          </p:nvPr>
-        </p:nvSpPr>
-        <p:spPr/>
-        <p:txBody>
-          <a:bodyPr/>
-          <a:lstStyle/>
-          <a:p>
-            <a:fld id="{17E276FA-8F89-B34D-A726-BE3FA1F8DD97}" type="slidenum">
-              <a:rPr lang="en-US" smtClean="0"/>
-              <a:t>25</a:t>
-            </a:fld>
-            <a:endParaRPr lang="en-US" dirty="0"/>
-          </a:p>
-        </p:txBody>
-      </p:sp>
-    </p:spTree>
-    <p:extLst>
-      <p:ext uri="{BB962C8B-B14F-4D97-AF65-F5344CB8AC3E}">
-        <p14:creationId xmlns:p14="http://schemas.microsoft.com/office/powerpoint/2010/main" val="3101515521"/>
-      </p:ext>
-    </p:extLst>
-  </p:cSld>
-  <p:clrMapOvr>
-    <a:masterClrMapping/>
-  </p:clrMapOvr>
-  <p:timing>
-    <p:tnLst>
-      <p:par>
-        <p:cTn xmlns:p14="http://schemas.microsoft.com/office/powerpoint/2010/main" id="1" dur="indefinite" restart="never" nodeType="tmRoot"/>
-      </p:par>
-    </p:tnLst>
-  </p:timing>
-</p:sld>
-</file>
-
-<file path=ppt/slides/slide26.xml><?xml version="1.0" encoding="utf-8"?>
-<p:sld xmlns:a="http://schemas.openxmlformats.org/drawingml/2006/main" xmlns:r="http://schemas.openxmlformats.org/officeDocument/2006/relationships" xmlns:p="http://schemas.openxmlformats.org/presentationml/2006/main">
-  <p:cSld>
-    <p:spTree>
-      <p:nvGrpSpPr>
-        <p:cNvPr id="1" name=""/>
-        <p:cNvGrpSpPr/>
-        <p:nvPr/>
-      </p:nvGrpSpPr>
-      <p:grpSpPr>
-        <a:xfrm>
-          <a:off x="0" y="0"/>
-          <a:ext cx="0" cy="0"/>
-          <a:chOff x="0" y="0"/>
-          <a:chExt cx="0" cy="0"/>
-        </a:xfrm>
-      </p:grpSpPr>
-      <p:sp>
-        <p:nvSpPr>
-          <p:cNvPr id="2" name="Title 1"/>
-          <p:cNvSpPr>
-            <a:spLocks noGrp="1"/>
-          </p:cNvSpPr>
-          <p:nvPr>
-            <p:ph type="title"/>
-          </p:nvPr>
-        </p:nvSpPr>
-        <p:spPr/>
-        <p:txBody>
-          <a:bodyPr/>
-          <a:lstStyle/>
-          <a:p>
-            <a:r>
-              <a:rPr lang="en-US" dirty="0" smtClean="0"/>
-              <a:t>Why so many EMPTY?</a:t>
-            </a:r>
-            <a:endParaRPr lang="en-US" dirty="0"/>
-          </a:p>
-        </p:txBody>
-      </p:sp>
-      <p:sp>
-        <p:nvSpPr>
-          <p:cNvPr id="3" name="Content Placeholder 2"/>
-          <p:cNvSpPr>
-            <a:spLocks noGrp="1"/>
-          </p:cNvSpPr>
-          <p:nvPr>
-            <p:ph idx="1"/>
-          </p:nvPr>
-        </p:nvSpPr>
-        <p:spPr/>
-        <p:txBody>
-          <a:bodyPr/>
-          <a:lstStyle/>
-          <a:p>
-            <a:pPr marL="0" indent="0">
-              <a:buNone/>
-            </a:pPr>
-            <a:r>
-              <a:rPr lang="en-US" dirty="0"/>
-              <a:t> # convert any </a:t>
-            </a:r>
-            <a:r>
-              <a:rPr lang="en-US" dirty="0" smtClean="0"/>
-              <a:t>any </a:t>
-            </a:r>
-            <a:r>
-              <a:rPr lang="en-US" dirty="0"/>
-              <a:t>empty </a:t>
-            </a:r>
-            <a:r>
-              <a:rPr lang="en-US" dirty="0" smtClean="0"/>
-              <a:t>strings </a:t>
-            </a:r>
-            <a:r>
-              <a:rPr lang="en-US" dirty="0"/>
-              <a:t>to a string called 'EMPTY' we can use as a value</a:t>
-            </a:r>
-          </a:p>
-          <a:p>
-            <a:pPr marL="0" indent="0">
-              <a:buNone/>
-            </a:pPr>
-            <a:r>
-              <a:rPr lang="en-US" dirty="0" smtClean="0">
-                <a:latin typeface="Courier"/>
-                <a:cs typeface="Courier"/>
-              </a:rPr>
-              <a:t>if </a:t>
-            </a:r>
-            <a:r>
-              <a:rPr lang="en-US" dirty="0">
-                <a:latin typeface="Courier"/>
-                <a:cs typeface="Courier"/>
-              </a:rPr>
-              <a:t>value == '': value = '</a:t>
-            </a:r>
-            <a:r>
-              <a:rPr lang="en-US" dirty="0" smtClean="0">
-                <a:latin typeface="Courier"/>
-                <a:cs typeface="Courier"/>
-              </a:rPr>
-              <a:t>EMPTY’</a:t>
-            </a:r>
-            <a:endParaRPr lang="en-US" dirty="0">
-              <a:latin typeface="Courier"/>
-              <a:cs typeface="Courier"/>
-            </a:endParaRPr>
-          </a:p>
-          <a:p>
-            <a:pPr marL="0" indent="0">
-              <a:buNone/>
-            </a:pPr>
-            <a:r>
-              <a:rPr lang="en-US" dirty="0" smtClean="0">
-                <a:latin typeface="Courier"/>
-                <a:cs typeface="Courier"/>
-              </a:rPr>
-              <a:t>if </a:t>
-            </a:r>
-            <a:r>
-              <a:rPr lang="en-US" dirty="0">
-                <a:latin typeface="Courier"/>
-                <a:cs typeface="Courier"/>
-              </a:rPr>
-              <a:t>value == '</a:t>
-            </a:r>
-            <a:r>
-              <a:rPr lang="en-US" dirty="0" err="1">
-                <a:latin typeface="Courier"/>
-                <a:cs typeface="Courier"/>
-              </a:rPr>
-              <a:t>NaN</a:t>
-            </a:r>
-            <a:r>
-              <a:rPr lang="en-US" dirty="0">
-                <a:latin typeface="Courier"/>
-                <a:cs typeface="Courier"/>
-              </a:rPr>
-              <a:t>' : value = 'EMPTY'</a:t>
-            </a:r>
-          </a:p>
-          <a:p>
-            <a:pPr marL="0" indent="0">
-              <a:buNone/>
-            </a:pPr>
-            <a:r>
-              <a:rPr lang="en-US" dirty="0"/>
-              <a:t>        </a:t>
-            </a:r>
-          </a:p>
-          <a:p>
-            <a:pPr marL="0" indent="0">
-              <a:buNone/>
-            </a:pPr>
-            <a:r>
-              <a:rPr lang="en-US" dirty="0"/>
-              <a:t> </a:t>
-            </a:r>
-          </a:p>
-        </p:txBody>
-      </p:sp>
-      <p:sp>
-        <p:nvSpPr>
-          <p:cNvPr id="4" name="Date Placeholder 3"/>
-          <p:cNvSpPr>
-            <a:spLocks noGrp="1"/>
-          </p:cNvSpPr>
-          <p:nvPr>
-            <p:ph type="dt" sz="half" idx="10"/>
-          </p:nvPr>
-        </p:nvSpPr>
-        <p:spPr/>
-        <p:txBody>
-          <a:bodyPr/>
-          <a:lstStyle/>
-          <a:p>
-            <a:fld id="{7053BEFA-1175-F644-B249-7D41D72BD3FF}" type="datetime1">
-              <a:rPr lang="en-US" smtClean="0"/>
-              <a:t>1/29/16</a:t>
-            </a:fld>
-            <a:endParaRPr lang="en-US"/>
-          </a:p>
-        </p:txBody>
-      </p:sp>
-      <p:sp>
-        <p:nvSpPr>
-          <p:cNvPr id="5" name="Footer Placeholder 4"/>
-          <p:cNvSpPr>
-            <a:spLocks noGrp="1"/>
-          </p:cNvSpPr>
-          <p:nvPr>
-            <p:ph type="ftr" sz="quarter" idx="11"/>
-          </p:nvPr>
-        </p:nvSpPr>
-        <p:spPr/>
-        <p:txBody>
-          <a:bodyPr/>
-          <a:lstStyle/>
-          <a:p>
-            <a:endParaRPr lang="en-US" dirty="0"/>
-          </a:p>
-        </p:txBody>
-      </p:sp>
-      <p:sp>
-        <p:nvSpPr>
-          <p:cNvPr id="6" name="Slide Number Placeholder 5"/>
-          <p:cNvSpPr>
-            <a:spLocks noGrp="1"/>
-          </p:cNvSpPr>
-          <p:nvPr>
-            <p:ph type="sldNum" sz="quarter" idx="12"/>
-          </p:nvPr>
-        </p:nvSpPr>
-        <p:spPr/>
-        <p:txBody>
-          <a:bodyPr/>
-          <a:lstStyle/>
-          <a:p>
-            <a:fld id="{17E276FA-8F89-B34D-A726-BE3FA1F8DD97}" type="slidenum">
-              <a:rPr lang="en-US" smtClean="0"/>
-              <a:t>26</a:t>
-            </a:fld>
-            <a:endParaRPr lang="en-US" dirty="0"/>
-          </a:p>
-        </p:txBody>
-      </p:sp>
-      <p:pic>
-        <p:nvPicPr>
-          <p:cNvPr id="7" name="Picture 6" descr="Screen Shot 2014-01-22 at 9.28.44 PM.png"/>
-          <p:cNvPicPr>
-            <a:picLocks noChangeAspect="1"/>
-          </p:cNvPicPr>
-          <p:nvPr/>
-        </p:nvPicPr>
-        <p:blipFill>
-          <a:blip r:embed="rId2">
-            <a:extLst>
-              <a:ext uri="{28A0092B-C50C-407E-A947-70E740481C1C}">
-                <a14:useLocalDpi xmlns:a14="http://schemas.microsoft.com/office/drawing/2010/main" val="0"/>
-              </a:ext>
-            </a:extLst>
-          </a:blip>
-          <a:stretch>
-            <a:fillRect/>
-          </a:stretch>
-        </p:blipFill>
-        <p:spPr>
-          <a:xfrm>
-            <a:off x="787400" y="673100"/>
-            <a:ext cx="7556500" cy="5499100"/>
-          </a:xfrm>
-          <a:prstGeom prst="rect">
-            <a:avLst/>
-          </a:prstGeom>
-        </p:spPr>
-      </p:pic>
-      <p:pic>
-        <p:nvPicPr>
-          <p:cNvPr id="8" name="Picture 7" descr="Screen Shot 2014-01-22 at 9.26.02 PM.png"/>
-          <p:cNvPicPr>
-            <a:picLocks noChangeAspect="1"/>
-          </p:cNvPicPr>
-          <p:nvPr/>
-        </p:nvPicPr>
-        <p:blipFill>
-          <a:blip r:embed="rId3">
-            <a:extLst>
-              <a:ext uri="{28A0092B-C50C-407E-A947-70E740481C1C}">
-                <a14:useLocalDpi xmlns:a14="http://schemas.microsoft.com/office/drawing/2010/main" val="0"/>
-              </a:ext>
-            </a:extLst>
-          </a:blip>
-          <a:stretch>
-            <a:fillRect/>
-          </a:stretch>
-        </p:blipFill>
-        <p:spPr>
-          <a:xfrm>
-            <a:off x="660400" y="495300"/>
-            <a:ext cx="7823200" cy="5854700"/>
-          </a:xfrm>
-          <a:prstGeom prst="rect">
-            <a:avLst/>
-          </a:prstGeom>
-        </p:spPr>
-      </p:pic>
-    </p:spTree>
-    <p:extLst>
-      <p:ext uri="{BB962C8B-B14F-4D97-AF65-F5344CB8AC3E}">
-        <p14:creationId xmlns:p14="http://schemas.microsoft.com/office/powerpoint/2010/main" val="3101515521"/>
-      </p:ext>
-    </p:extLst>
-  </p:cSld>
-  <p:clrMapOvr>
-    <a:masterClrMapping/>
-  </p:clrMapOvr>
-  <p:timing>
-    <p:tnLst>
-      <p:par>
-        <p:cTn xmlns:p14="http://schemas.microsoft.com/office/powerpoint/2010/main" id="1" dur="indefinite" restart="never" nodeType="tmRoot"/>
-      </p:par>
-    </p:tnLst>
-  </p:timing>
-</p:sld>
-</file>
-
-<file path=ppt/slides/slide27.xml><?xml version="1.0" encoding="utf-8"?>
-<p:sld xmlns:a="http://schemas.openxmlformats.org/drawingml/2006/main" xmlns:r="http://schemas.openxmlformats.org/officeDocument/2006/relationships" xmlns:p="http://schemas.openxmlformats.org/presentationml/2006/main">
-  <p:cSld>
-    <p:spTree>
-      <p:nvGrpSpPr>
-        <p:cNvPr id="1" name=""/>
-        <p:cNvGrpSpPr/>
-        <p:nvPr/>
-      </p:nvGrpSpPr>
-      <p:grpSpPr>
-        <a:xfrm>
-          <a:off x="0" y="0"/>
-          <a:ext cx="0" cy="0"/>
-          <a:chOff x="0" y="0"/>
-          <a:chExt cx="0" cy="0"/>
-        </a:xfrm>
-      </p:grpSpPr>
-      <p:sp>
-        <p:nvSpPr>
-          <p:cNvPr id="2" name="Title 1"/>
-          <p:cNvSpPr>
-            <a:spLocks noGrp="1"/>
-          </p:cNvSpPr>
-          <p:nvPr>
-            <p:ph type="title"/>
-          </p:nvPr>
-        </p:nvSpPr>
-        <p:spPr/>
-        <p:txBody>
-          <a:bodyPr/>
-          <a:lstStyle/>
-          <a:p>
-            <a:r>
-              <a:rPr lang="en-US" dirty="0" smtClean="0"/>
-              <a:t>Why so many EMPTY?</a:t>
-            </a:r>
-            <a:endParaRPr lang="en-US" dirty="0"/>
-          </a:p>
-        </p:txBody>
-      </p:sp>
-      <p:sp>
-        <p:nvSpPr>
-          <p:cNvPr id="3" name="Content Placeholder 2"/>
-          <p:cNvSpPr>
-            <a:spLocks noGrp="1"/>
-          </p:cNvSpPr>
-          <p:nvPr>
-            <p:ph idx="1"/>
-          </p:nvPr>
-        </p:nvSpPr>
-        <p:spPr/>
-        <p:txBody>
-          <a:bodyPr/>
-          <a:lstStyle/>
-          <a:p>
-            <a:pPr marL="0" indent="0">
-              <a:buNone/>
-            </a:pPr>
-            <a:r>
-              <a:rPr lang="en-US" dirty="0"/>
-              <a:t> # convert any </a:t>
-            </a:r>
-            <a:r>
-              <a:rPr lang="en-US" dirty="0" smtClean="0"/>
-              <a:t>any </a:t>
-            </a:r>
-            <a:r>
-              <a:rPr lang="en-US" dirty="0"/>
-              <a:t>empty </a:t>
-            </a:r>
-            <a:r>
-              <a:rPr lang="en-US" dirty="0" smtClean="0"/>
-              <a:t>strings </a:t>
-            </a:r>
-            <a:r>
-              <a:rPr lang="en-US" dirty="0"/>
-              <a:t>to a string called 'EMPTY' we can use as a value</a:t>
-            </a:r>
-          </a:p>
-          <a:p>
-            <a:pPr marL="0" indent="0">
-              <a:buNone/>
-            </a:pPr>
-            <a:r>
-              <a:rPr lang="en-US" dirty="0" smtClean="0">
-                <a:latin typeface="Courier"/>
-                <a:cs typeface="Courier"/>
-              </a:rPr>
-              <a:t>if </a:t>
-            </a:r>
-            <a:r>
-              <a:rPr lang="en-US" dirty="0">
-                <a:latin typeface="Courier"/>
-                <a:cs typeface="Courier"/>
-              </a:rPr>
-              <a:t>value == '': value = '</a:t>
-            </a:r>
-            <a:r>
-              <a:rPr lang="en-US" dirty="0" smtClean="0">
-                <a:latin typeface="Courier"/>
-                <a:cs typeface="Courier"/>
-              </a:rPr>
-              <a:t>EMPTY’</a:t>
-            </a:r>
-            <a:endParaRPr lang="en-US" dirty="0">
-              <a:latin typeface="Courier"/>
-              <a:cs typeface="Courier"/>
-            </a:endParaRPr>
-          </a:p>
-          <a:p>
-            <a:pPr marL="0" indent="0">
-              <a:buNone/>
-            </a:pPr>
-            <a:r>
-              <a:rPr lang="en-US" dirty="0" smtClean="0">
-                <a:latin typeface="Courier"/>
-                <a:cs typeface="Courier"/>
-              </a:rPr>
-              <a:t>if </a:t>
-            </a:r>
-            <a:r>
-              <a:rPr lang="en-US" dirty="0">
-                <a:latin typeface="Courier"/>
-                <a:cs typeface="Courier"/>
-              </a:rPr>
-              <a:t>value == '</a:t>
-            </a:r>
-            <a:r>
-              <a:rPr lang="en-US" dirty="0" err="1">
-                <a:latin typeface="Courier"/>
-                <a:cs typeface="Courier"/>
-              </a:rPr>
-              <a:t>NaN</a:t>
-            </a:r>
-            <a:r>
-              <a:rPr lang="en-US" dirty="0">
-                <a:latin typeface="Courier"/>
-                <a:cs typeface="Courier"/>
-              </a:rPr>
-              <a:t>' : value = 'EMPTY'</a:t>
-            </a:r>
-          </a:p>
-          <a:p>
-            <a:pPr marL="0" indent="0">
-              <a:buNone/>
-            </a:pPr>
-            <a:r>
-              <a:rPr lang="en-US" dirty="0"/>
-              <a:t>        </a:t>
-            </a:r>
-          </a:p>
-          <a:p>
-            <a:pPr marL="0" indent="0">
-              <a:buNone/>
-            </a:pPr>
-            <a:r>
-              <a:rPr lang="en-US" dirty="0"/>
-              <a:t> </a:t>
-            </a:r>
-          </a:p>
-        </p:txBody>
-      </p:sp>
-      <p:sp>
-        <p:nvSpPr>
-          <p:cNvPr id="4" name="Date Placeholder 3"/>
-          <p:cNvSpPr>
-            <a:spLocks noGrp="1"/>
-          </p:cNvSpPr>
-          <p:nvPr>
-            <p:ph type="dt" sz="half" idx="10"/>
-          </p:nvPr>
-        </p:nvSpPr>
-        <p:spPr/>
-        <p:txBody>
-          <a:bodyPr/>
-          <a:lstStyle/>
-          <a:p>
-            <a:fld id="{7053BEFA-1175-F644-B249-7D41D72BD3FF}" type="datetime1">
-              <a:rPr lang="en-US" smtClean="0"/>
-              <a:t>1/29/16</a:t>
-            </a:fld>
-            <a:endParaRPr lang="en-US"/>
-          </a:p>
-        </p:txBody>
-      </p:sp>
-      <p:sp>
-        <p:nvSpPr>
-          <p:cNvPr id="5" name="Footer Placeholder 4"/>
-          <p:cNvSpPr>
-            <a:spLocks noGrp="1"/>
-          </p:cNvSpPr>
-          <p:nvPr>
-            <p:ph type="ftr" sz="quarter" idx="11"/>
-          </p:nvPr>
-        </p:nvSpPr>
-        <p:spPr/>
-        <p:txBody>
-          <a:bodyPr/>
-          <a:lstStyle/>
-          <a:p>
-            <a:endParaRPr lang="en-US" dirty="0"/>
-          </a:p>
-        </p:txBody>
-      </p:sp>
-      <p:sp>
-        <p:nvSpPr>
-          <p:cNvPr id="6" name="Slide Number Placeholder 5"/>
-          <p:cNvSpPr>
-            <a:spLocks noGrp="1"/>
-          </p:cNvSpPr>
-          <p:nvPr>
-            <p:ph type="sldNum" sz="quarter" idx="12"/>
-          </p:nvPr>
-        </p:nvSpPr>
-        <p:spPr/>
-        <p:txBody>
-          <a:bodyPr/>
-          <a:lstStyle/>
-          <a:p>
-            <a:fld id="{17E276FA-8F89-B34D-A726-BE3FA1F8DD97}" type="slidenum">
-              <a:rPr lang="en-US" smtClean="0"/>
-              <a:t>27</a:t>
-            </a:fld>
-            <a:endParaRPr lang="en-US" dirty="0"/>
-          </a:p>
-        </p:txBody>
-      </p:sp>
-      <p:pic>
-        <p:nvPicPr>
-          <p:cNvPr id="7" name="Picture 6" descr="Screen Shot 2014-01-22 at 9.28.44 PM.png"/>
-          <p:cNvPicPr>
-            <a:picLocks noChangeAspect="1"/>
-          </p:cNvPicPr>
-          <p:nvPr/>
-        </p:nvPicPr>
-        <p:blipFill>
-          <a:blip r:embed="rId2">
-            <a:extLst>
-              <a:ext uri="{28A0092B-C50C-407E-A947-70E740481C1C}">
-                <a14:useLocalDpi xmlns:a14="http://schemas.microsoft.com/office/drawing/2010/main" val="0"/>
-              </a:ext>
-            </a:extLst>
-          </a:blip>
-          <a:stretch>
-            <a:fillRect/>
-          </a:stretch>
-        </p:blipFill>
-        <p:spPr>
-          <a:xfrm>
-            <a:off x="787400" y="673100"/>
-            <a:ext cx="7556500" cy="5499100"/>
-          </a:xfrm>
-          <a:prstGeom prst="rect">
-            <a:avLst/>
-          </a:prstGeom>
-        </p:spPr>
-      </p:pic>
-    </p:spTree>
-    <p:extLst>
-      <p:ext uri="{BB962C8B-B14F-4D97-AF65-F5344CB8AC3E}">
-        <p14:creationId xmlns:p14="http://schemas.microsoft.com/office/powerpoint/2010/main" val="2316985000"/>
-      </p:ext>
-    </p:extLst>
-  </p:cSld>
-  <p:clrMapOvr>
-    <a:masterClrMapping/>
-  </p:clrMapOvr>
-  <p:timing>
-    <p:tnLst>
-      <p:par>
-        <p:cTn xmlns:p14="http://schemas.microsoft.com/office/powerpoint/2010/main" id="1" dur="indefinite" restart="never" nodeType="tmRoot"/>
-      </p:par>
-    </p:tnLst>
-  </p:timing>
-</p:sld>
-</file>
-
-<file path=ppt/slides/slide28.xml><?xml version="1.0" encoding="utf-8"?>
-<p:sld xmlns:a="http://schemas.openxmlformats.org/drawingml/2006/main" xmlns:r="http://schemas.openxmlformats.org/officeDocument/2006/relationships" xmlns:p="http://schemas.openxmlformats.org/presentationml/2006/main">
-  <p:cSld>
-    <p:spTree>
-      <p:nvGrpSpPr>
-        <p:cNvPr id="1" name=""/>
-        <p:cNvGrpSpPr/>
-        <p:nvPr/>
-      </p:nvGrpSpPr>
-      <p:grpSpPr>
-        <a:xfrm>
-          <a:off x="0" y="0"/>
-          <a:ext cx="0" cy="0"/>
-          <a:chOff x="0" y="0"/>
-          <a:chExt cx="0" cy="0"/>
-        </a:xfrm>
-      </p:grpSpPr>
-      <p:sp>
-        <p:nvSpPr>
-          <p:cNvPr id="2" name="Title 1"/>
-          <p:cNvSpPr>
-            <a:spLocks noGrp="1"/>
-          </p:cNvSpPr>
-          <p:nvPr>
-            <p:ph type="title"/>
-          </p:nvPr>
-        </p:nvSpPr>
-        <p:spPr/>
-        <p:txBody>
-          <a:bodyPr/>
-          <a:lstStyle/>
-          <a:p>
-            <a:r>
-              <a:rPr lang="en-US" dirty="0" smtClean="0"/>
-              <a:t>Questions you should be able to answer about Byte2</a:t>
-            </a:r>
-            <a:endParaRPr lang="en-US" dirty="0"/>
-          </a:p>
-        </p:txBody>
-      </p:sp>
-      <p:sp>
-        <p:nvSpPr>
-          <p:cNvPr id="3" name="Content Placeholder 2"/>
-          <p:cNvSpPr>
-            <a:spLocks noGrp="1"/>
-          </p:cNvSpPr>
-          <p:nvPr>
-            <p:ph idx="1"/>
-          </p:nvPr>
-        </p:nvSpPr>
-        <p:spPr>
-          <a:xfrm>
-            <a:off x="1128943" y="1707993"/>
-            <a:ext cx="7048804" cy="4379976"/>
-          </a:xfrm>
-        </p:spPr>
-        <p:txBody>
-          <a:bodyPr/>
-          <a:lstStyle/>
-          <a:p>
-            <a:pPr marL="0" indent="0">
-              <a:buNone/>
-            </a:pPr>
-            <a:r>
-              <a:rPr lang="en-US" sz="2400" dirty="0"/>
-              <a:t>Is the data complete? If not, what is missing and what concerns does it raise?</a:t>
-            </a:r>
-          </a:p>
-          <a:p>
-            <a:pPr marL="0" indent="0">
-              <a:buNone/>
-            </a:pPr>
-            <a:r>
-              <a:rPr lang="en-US" sz="2400" dirty="0"/>
-              <a:t>Is the data coherent? </a:t>
-            </a:r>
-          </a:p>
-          <a:p>
-            <a:pPr marL="228600" lvl="1" indent="0">
-              <a:buNone/>
-            </a:pPr>
-            <a:r>
-              <a:rPr lang="en-US" sz="1800" dirty="0"/>
-              <a:t>Does it make sense relative to itself? </a:t>
-            </a:r>
-          </a:p>
-          <a:p>
-            <a:pPr marL="228600" lvl="1" indent="0">
-              <a:buNone/>
-            </a:pPr>
-            <a:r>
-              <a:rPr lang="en-US" sz="1800" dirty="0"/>
-              <a:t>Does it match your expectations? </a:t>
-            </a:r>
-          </a:p>
-          <a:p>
-            <a:pPr marL="228600" lvl="1" indent="0">
-              <a:buNone/>
-            </a:pPr>
-            <a:r>
-              <a:rPr lang="en-US" sz="1800" dirty="0"/>
-              <a:t>Is the data is distributed across its possible values in a way that makes sense?</a:t>
-            </a:r>
-          </a:p>
-          <a:p>
-            <a:pPr marL="0" indent="0">
-              <a:buNone/>
-            </a:pPr>
-            <a:r>
-              <a:rPr lang="en-US" sz="2400" dirty="0"/>
-              <a:t>Is the data correct?</a:t>
-            </a:r>
-          </a:p>
-          <a:p>
-            <a:pPr marL="228600" lvl="1" indent="0">
-              <a:buNone/>
-            </a:pPr>
-            <a:r>
-              <a:rPr lang="en-US" sz="1800" dirty="0"/>
-              <a:t>What aspects of this data can you verify?</a:t>
-            </a:r>
-          </a:p>
-          <a:p>
-            <a:pPr marL="228600" lvl="1" indent="0">
-              <a:buNone/>
-            </a:pPr>
-            <a:r>
-              <a:rPr lang="en-US" sz="1800" dirty="0"/>
-              <a:t>What did you find</a:t>
-            </a:r>
-            <a:r>
-              <a:rPr lang="en-US" sz="1800" dirty="0" smtClean="0"/>
-              <a:t>?</a:t>
-            </a:r>
-            <a:endParaRPr lang="en-US" sz="1800" dirty="0"/>
-          </a:p>
-          <a:p>
-            <a:pPr marL="0" indent="0">
-              <a:buNone/>
-            </a:pPr>
-            <a:r>
-              <a:rPr lang="en-US" sz="2400" dirty="0" smtClean="0"/>
-              <a:t>Answers could include text, hand drawn images, </a:t>
-            </a:r>
-            <a:r>
-              <a:rPr lang="en-US" sz="2400" dirty="0" err="1" smtClean="0"/>
-              <a:t>pyplot</a:t>
-            </a:r>
-            <a:r>
-              <a:rPr lang="en-US" sz="2400" dirty="0" smtClean="0"/>
-              <a:t> images, even interactive graphics</a:t>
-            </a:r>
-          </a:p>
-        </p:txBody>
-      </p:sp>
-      <p:sp>
-        <p:nvSpPr>
-          <p:cNvPr id="4" name="Date Placeholder 3"/>
-          <p:cNvSpPr>
-            <a:spLocks noGrp="1"/>
-          </p:cNvSpPr>
-          <p:nvPr>
-            <p:ph type="dt" sz="half" idx="10"/>
-          </p:nvPr>
-        </p:nvSpPr>
-        <p:spPr/>
-        <p:txBody>
-          <a:bodyPr/>
-          <a:lstStyle/>
-          <a:p>
-            <a:fld id="{7053BEFA-1175-F644-B249-7D41D72BD3FF}" type="datetime1">
-              <a:rPr lang="en-US" smtClean="0"/>
-              <a:t>1/29/16</a:t>
-            </a:fld>
-            <a:endParaRPr lang="en-US"/>
-          </a:p>
-        </p:txBody>
-      </p:sp>
-      <p:sp>
-        <p:nvSpPr>
-          <p:cNvPr id="5" name="Footer Placeholder 4"/>
-          <p:cNvSpPr>
-            <a:spLocks noGrp="1"/>
-          </p:cNvSpPr>
-          <p:nvPr>
-            <p:ph type="ftr" sz="quarter" idx="11"/>
-          </p:nvPr>
-        </p:nvSpPr>
-        <p:spPr/>
-        <p:txBody>
-          <a:bodyPr/>
-          <a:lstStyle/>
-          <a:p>
-            <a:endParaRPr lang="en-US" dirty="0"/>
-          </a:p>
-        </p:txBody>
-      </p:sp>
-      <p:sp>
-        <p:nvSpPr>
-          <p:cNvPr id="6" name="Slide Number Placeholder 5"/>
-          <p:cNvSpPr>
-            <a:spLocks noGrp="1"/>
-          </p:cNvSpPr>
-          <p:nvPr>
-            <p:ph type="sldNum" sz="quarter" idx="12"/>
-          </p:nvPr>
-        </p:nvSpPr>
-        <p:spPr/>
-        <p:txBody>
-          <a:bodyPr/>
-          <a:lstStyle/>
-          <a:p>
-            <a:fld id="{17E276FA-8F89-B34D-A726-BE3FA1F8DD97}" type="slidenum">
-              <a:rPr lang="en-US" smtClean="0"/>
-              <a:t>28</a:t>
-            </a:fld>
-            <a:endParaRPr lang="en-US" dirty="0"/>
-          </a:p>
-        </p:txBody>
-      </p:sp>
-    </p:spTree>
-    <p:extLst>
-      <p:ext uri="{BB962C8B-B14F-4D97-AF65-F5344CB8AC3E}">
-        <p14:creationId xmlns:p14="http://schemas.microsoft.com/office/powerpoint/2010/main" val="2756876228"/>
-      </p:ext>
-    </p:extLst>
-  </p:cSld>
-  <p:clrMapOvr>
-    <a:masterClrMapping/>
-  </p:clrMapOvr>
-  <p:timing>
-    <p:tnLst>
-      <p:par>
-        <p:cTn xmlns:p14="http://schemas.microsoft.com/office/powerpoint/2010/main" id="1" dur="indefinite" restart="never" nodeType="tmRoot"/>
-      </p:par>
-    </p:tnLst>
-  </p:timing>
-</p:sld>
-</file>
-
-<file path=ppt/slides/slide29.xml><?xml version="1.0" encoding="utf-8"?>
-<p:sld xmlns:a="http://schemas.openxmlformats.org/drawingml/2006/main" xmlns:r="http://schemas.openxmlformats.org/officeDocument/2006/relationships" xmlns:p="http://schemas.openxmlformats.org/presentationml/2006/main">
-  <p:cSld>
-    <p:spTree>
-      <p:nvGrpSpPr>
-        <p:cNvPr id="1" name=""/>
-        <p:cNvGrpSpPr/>
-        <p:nvPr/>
-      </p:nvGrpSpPr>
-      <p:grpSpPr>
-        <a:xfrm>
-          <a:off x="0" y="0"/>
-          <a:ext cx="0" cy="0"/>
-          <a:chOff x="0" y="0"/>
-          <a:chExt cx="0" cy="0"/>
-        </a:xfrm>
-      </p:grpSpPr>
-      <p:sp>
-        <p:nvSpPr>
-          <p:cNvPr id="2" name="Title 1"/>
-          <p:cNvSpPr>
-            <a:spLocks noGrp="1"/>
-          </p:cNvSpPr>
-          <p:nvPr>
-            <p:ph type="title"/>
-          </p:nvPr>
-        </p:nvSpPr>
-        <p:spPr/>
-        <p:txBody>
-          <a:bodyPr/>
-          <a:lstStyle/>
-          <a:p>
-            <a:r>
-              <a:rPr lang="en-US" dirty="0" smtClean="0"/>
-              <a:t>Can you use a different data set?</a:t>
-            </a:r>
-            <a:endParaRPr lang="en-US" dirty="0"/>
-          </a:p>
-        </p:txBody>
-      </p:sp>
-      <p:sp>
-        <p:nvSpPr>
-          <p:cNvPr id="3" name="Content Placeholder 2"/>
-          <p:cNvSpPr>
-            <a:spLocks noGrp="1"/>
-          </p:cNvSpPr>
-          <p:nvPr>
-            <p:ph idx="1"/>
-          </p:nvPr>
-        </p:nvSpPr>
-        <p:spPr/>
-        <p:txBody>
-          <a:bodyPr/>
-          <a:lstStyle/>
-          <a:p>
-            <a:r>
-              <a:rPr lang="en-US" dirty="0" smtClean="0"/>
-              <a:t>Absolutely</a:t>
-            </a:r>
-          </a:p>
-          <a:p>
-            <a:r>
-              <a:rPr lang="en-US" dirty="0" smtClean="0"/>
-              <a:t>Recommend </a:t>
-            </a:r>
-            <a:r>
-              <a:rPr lang="en-US" dirty="0" smtClean="0"/>
-              <a:t>you choose one that is on fusion tables or that you can upload there, if you go somewhere else.</a:t>
-            </a:r>
-          </a:p>
-        </p:txBody>
-      </p:sp>
-      <p:sp>
-        <p:nvSpPr>
-          <p:cNvPr id="4" name="Date Placeholder 3"/>
-          <p:cNvSpPr>
-            <a:spLocks noGrp="1"/>
-          </p:cNvSpPr>
-          <p:nvPr>
-            <p:ph type="dt" sz="half" idx="10"/>
-          </p:nvPr>
-        </p:nvSpPr>
-        <p:spPr/>
-        <p:txBody>
-          <a:bodyPr/>
-          <a:lstStyle/>
-          <a:p>
-            <a:fld id="{7053BEFA-1175-F644-B249-7D41D72BD3FF}" type="datetime1">
-              <a:rPr lang="en-US" smtClean="0"/>
-              <a:t>1/29/16</a:t>
-            </a:fld>
-            <a:endParaRPr lang="en-US"/>
-          </a:p>
-        </p:txBody>
-      </p:sp>
-      <p:sp>
-        <p:nvSpPr>
-          <p:cNvPr id="5" name="Footer Placeholder 4"/>
-          <p:cNvSpPr>
-            <a:spLocks noGrp="1"/>
-          </p:cNvSpPr>
-          <p:nvPr>
-            <p:ph type="ftr" sz="quarter" idx="11"/>
-          </p:nvPr>
-        </p:nvSpPr>
-        <p:spPr/>
-        <p:txBody>
-          <a:bodyPr/>
-          <a:lstStyle/>
-          <a:p>
-            <a:endParaRPr lang="en-US" dirty="0"/>
-          </a:p>
-        </p:txBody>
-      </p:sp>
-      <p:sp>
-        <p:nvSpPr>
-          <p:cNvPr id="6" name="Slide Number Placeholder 5"/>
-          <p:cNvSpPr>
-            <a:spLocks noGrp="1"/>
-          </p:cNvSpPr>
-          <p:nvPr>
-            <p:ph type="sldNum" sz="quarter" idx="12"/>
-          </p:nvPr>
-        </p:nvSpPr>
-        <p:spPr/>
-        <p:txBody>
-          <a:bodyPr/>
-          <a:lstStyle/>
-          <a:p>
-            <a:fld id="{17E276FA-8F89-B34D-A726-BE3FA1F8DD97}" type="slidenum">
-              <a:rPr lang="en-US" smtClean="0"/>
-              <a:t>29</a:t>
-            </a:fld>
-            <a:endParaRPr lang="en-US" dirty="0"/>
-          </a:p>
-        </p:txBody>
-      </p:sp>
-    </p:spTree>
-    <p:extLst>
-      <p:ext uri="{BB962C8B-B14F-4D97-AF65-F5344CB8AC3E}">
-        <p14:creationId xmlns:p14="http://schemas.microsoft.com/office/powerpoint/2010/main" val="722875037"/>
-      </p:ext>
-    </p:extLst>
-  </p:cSld>
-  <p:clrMapOvr>
-    <a:masterClrMapping/>
-  </p:clrMapOvr>
-  <p:timing>
-    <p:tnLst>
-      <p:par>
-        <p:cTn xmlns:p14="http://schemas.microsoft.com/office/powerpoint/2010/main" id="1" dur="indefinite" restart="never" nodeType="tmRoot"/>
+        <p:cTn id="1" dur="indefinite" restart="never" nodeType="tmRoot"/>
       </p:par>
     </p:tnLst>
   </p:timing>
@@ -16035,86 +11728,8 @@
               <a:buNone/>
             </a:pPr>
             <a:r>
-              <a:rPr lang="en-US" dirty="0"/>
-              <a:t>http://</a:t>
-            </a:r>
-            <a:r>
-              <a:rPr lang="en-US" dirty="0" err="1"/>
-              <a:t>portal.louisvilleky.gov</a:t>
-            </a:r>
-            <a:r>
-              <a:rPr lang="en-US" dirty="0"/>
-              <a:t>/dataset/animal-services-outcomes-</a:t>
-            </a:r>
-            <a:r>
-              <a:rPr lang="en-US" dirty="0" smtClean="0"/>
-              <a:t>data</a:t>
-            </a:r>
-          </a:p>
-          <a:p>
-            <a:pPr marL="0" indent="0">
-              <a:buNone/>
-            </a:pPr>
-            <a:r>
-              <a:rPr lang="en-US" i="1" dirty="0" smtClean="0"/>
-              <a:t>Or</a:t>
-            </a:r>
-          </a:p>
-          <a:p>
-            <a:pPr marL="0" indent="0">
-              <a:buNone/>
-            </a:pPr>
-            <a:r>
-              <a:rPr lang="en-US" i="1" dirty="0"/>
-              <a:t>https://</a:t>
-            </a:r>
-            <a:r>
-              <a:rPr lang="en-US" i="1" dirty="0" err="1"/>
-              <a:t>www.google.com</a:t>
-            </a:r>
-            <a:r>
-              <a:rPr lang="en-US" i="1" dirty="0"/>
-              <a:t>/</a:t>
-            </a:r>
-            <a:r>
-              <a:rPr lang="en-US" i="1" dirty="0" err="1"/>
-              <a:t>fusiontables</a:t>
-            </a:r>
-            <a:r>
-              <a:rPr lang="en-US" i="1" dirty="0"/>
-              <a:t>/</a:t>
-            </a:r>
-            <a:r>
-              <a:rPr lang="en-US" i="1" dirty="0" err="1"/>
-              <a:t>DataSource?docid</a:t>
-            </a:r>
-            <a:r>
-              <a:rPr lang="en-US" i="1" dirty="0"/>
-              <a:t>=1xXFu8T2xycJprygAzGjhIjhMt9dKY-1Nacq2SjQ#rows:id=1</a:t>
-            </a:r>
-            <a:endParaRPr lang="en-US" i="1" dirty="0" smtClean="0"/>
-          </a:p>
-          <a:p>
-            <a:pPr marL="0" indent="0">
-              <a:buNone/>
-            </a:pPr>
-            <a:endParaRPr lang="en-US" dirty="0" smtClean="0"/>
-          </a:p>
-          <a:p>
-            <a:pPr marL="0" indent="0">
-              <a:buNone/>
-            </a:pPr>
-            <a:r>
-              <a:rPr lang="en-US" dirty="0" smtClean="0"/>
-              <a:t>Lots can be done </a:t>
-            </a:r>
-            <a:r>
-              <a:rPr lang="en-US" i="1" dirty="0" smtClean="0"/>
-              <a:t>just </a:t>
-            </a:r>
-            <a:r>
-              <a:rPr lang="en-US" dirty="0" smtClean="0"/>
-              <a:t>with this…</a:t>
+              <a:rPr lang="en-US" dirty="0" smtClean="0"/>
+              <a:t>You should find a data set to clean up and explore.</a:t>
             </a:r>
             <a:endParaRPr lang="en-US" dirty="0"/>
           </a:p>
@@ -16137,7 +11752,7 @@
           <a:p>
             <a:fld id="{7053BEFA-1175-F644-B249-7D41D72BD3FF}" type="datetime1">
               <a:rPr lang="en-US" smtClean="0"/>
-              <a:t>1/29/16</a:t>
+              <a:t>1/23/17</a:t>
             </a:fld>
             <a:endParaRPr lang="en-US"/>
           </a:p>
@@ -16198,7 +11813,7 @@
   <p:timing>
     <p:tnLst>
       <p:par>
-        <p:cTn xmlns:p14="http://schemas.microsoft.com/office/powerpoint/2010/main" id="1" dur="indefinite" restart="never" nodeType="tmRoot"/>
+        <p:cTn id="1" dur="indefinite" restart="never" nodeType="tmRoot"/>
       </p:par>
     </p:tnLst>
   </p:timing>
@@ -16239,178 +11854,6 @@
           <a:p>
             <a:r>
               <a:rPr lang="en-US" dirty="0" smtClean="0"/>
-              <a:t>Debugging in Google </a:t>
-            </a:r>
-            <a:r>
-              <a:rPr lang="en-US" dirty="0" err="1" smtClean="0"/>
-              <a:t>AppSpot</a:t>
-            </a:r>
-            <a:endParaRPr lang="en-US" dirty="0"/>
-          </a:p>
-        </p:txBody>
-      </p:sp>
-      <p:sp>
-        <p:nvSpPr>
-          <p:cNvPr id="3" name="Content Placeholder 2"/>
-          <p:cNvSpPr>
-            <a:spLocks noGrp="1"/>
-          </p:cNvSpPr>
-          <p:nvPr>
-            <p:ph idx="1"/>
-          </p:nvPr>
-        </p:nvSpPr>
-        <p:spPr/>
-        <p:txBody>
-          <a:bodyPr/>
-          <a:lstStyle/>
-          <a:p>
-            <a:r>
-              <a:rPr lang="en-US" dirty="0" err="1"/>
-              <a:t>l</a:t>
-            </a:r>
-            <a:r>
-              <a:rPr lang="en-US" dirty="0" err="1" smtClean="0"/>
-              <a:t>ogger.info</a:t>
-            </a:r>
-            <a:r>
-              <a:rPr lang="en-US" dirty="0" smtClean="0"/>
-              <a:t>()</a:t>
-            </a:r>
-          </a:p>
-          <a:p>
-            <a:r>
-              <a:rPr lang="en-US" dirty="0" smtClean="0"/>
-              <a:t>Understand the flow of information</a:t>
-            </a:r>
-          </a:p>
-          <a:p>
-            <a:r>
-              <a:rPr lang="en-US" dirty="0" smtClean="0"/>
-              <a:t>Working in pure python to test your assumptions</a:t>
-            </a:r>
-            <a:endParaRPr lang="en-US" dirty="0"/>
-          </a:p>
-        </p:txBody>
-      </p:sp>
-      <p:sp>
-        <p:nvSpPr>
-          <p:cNvPr id="4" name="Date Placeholder 3"/>
-          <p:cNvSpPr>
-            <a:spLocks noGrp="1"/>
-          </p:cNvSpPr>
-          <p:nvPr>
-            <p:ph type="dt" sz="half" idx="10"/>
-          </p:nvPr>
-        </p:nvSpPr>
-        <p:spPr/>
-        <p:txBody>
-          <a:bodyPr/>
-          <a:lstStyle/>
-          <a:p>
-            <a:fld id="{7053BEFA-1175-F644-B249-7D41D72BD3FF}" type="datetime1">
-              <a:rPr lang="en-US" smtClean="0"/>
-              <a:t>1/29/16</a:t>
-            </a:fld>
-            <a:endParaRPr lang="en-US"/>
-          </a:p>
-        </p:txBody>
-      </p:sp>
-      <p:sp>
-        <p:nvSpPr>
-          <p:cNvPr id="5" name="Footer Placeholder 4"/>
-          <p:cNvSpPr>
-            <a:spLocks noGrp="1"/>
-          </p:cNvSpPr>
-          <p:nvPr>
-            <p:ph type="ftr" sz="quarter" idx="11"/>
-          </p:nvPr>
-        </p:nvSpPr>
-        <p:spPr/>
-        <p:txBody>
-          <a:bodyPr/>
-          <a:lstStyle/>
-          <a:p>
-            <a:endParaRPr lang="en-US" dirty="0"/>
-          </a:p>
-        </p:txBody>
-      </p:sp>
-      <p:sp>
-        <p:nvSpPr>
-          <p:cNvPr id="6" name="Slide Number Placeholder 5"/>
-          <p:cNvSpPr>
-            <a:spLocks noGrp="1"/>
-          </p:cNvSpPr>
-          <p:nvPr>
-            <p:ph type="sldNum" sz="quarter" idx="12"/>
-          </p:nvPr>
-        </p:nvSpPr>
-        <p:spPr/>
-        <p:txBody>
-          <a:bodyPr/>
-          <a:lstStyle/>
-          <a:p>
-            <a:fld id="{17E276FA-8F89-B34D-A726-BE3FA1F8DD97}" type="slidenum">
-              <a:rPr lang="en-US" smtClean="0"/>
-              <a:t>4</a:t>
-            </a:fld>
-            <a:endParaRPr lang="en-US" dirty="0"/>
-          </a:p>
-        </p:txBody>
-      </p:sp>
-    </p:spTree>
-    <p:extLst>
-      <p:ext uri="{BB962C8B-B14F-4D97-AF65-F5344CB8AC3E}">
-        <p14:creationId xmlns:p14="http://schemas.microsoft.com/office/powerpoint/2010/main" val="2959188388"/>
-      </p:ext>
-    </p:extLst>
-  </p:cSld>
-  <p:clrMapOvr>
-    <a:masterClrMapping/>
-  </p:clrMapOvr>
-  <p:timing>
-    <p:tnLst>
-      <p:par>
-        <p:cTn xmlns:p14="http://schemas.microsoft.com/office/powerpoint/2010/main" id="1" dur="indefinite" restart="never" nodeType="tmRoot"/>
-      </p:par>
-    </p:tnLst>
-  </p:timing>
-</p:sld>
-</file>
-
-<file path=ppt/slides/slide5.xml><?xml version="1.0" encoding="utf-8"?>
-<p:sld xmlns:a="http://schemas.openxmlformats.org/drawingml/2006/main" xmlns:r="http://schemas.openxmlformats.org/officeDocument/2006/relationships" xmlns:p="http://schemas.openxmlformats.org/presentationml/2006/main">
-  <p:cSld>
-    <p:spTree>
-      <p:nvGrpSpPr>
-        <p:cNvPr id="1" name=""/>
-        <p:cNvGrpSpPr/>
-        <p:nvPr/>
-      </p:nvGrpSpPr>
-      <p:grpSpPr>
-        <a:xfrm>
-          <a:off x="0" y="0"/>
-          <a:ext cx="0" cy="0"/>
-          <a:chOff x="0" y="0"/>
-          <a:chExt cx="0" cy="0"/>
-        </a:xfrm>
-      </p:grpSpPr>
-      <p:sp>
-        <p:nvSpPr>
-          <p:cNvPr id="2" name="Title 1"/>
-          <p:cNvSpPr>
-            <a:spLocks noGrp="1"/>
-          </p:cNvSpPr>
-          <p:nvPr>
-            <p:ph type="title"/>
-          </p:nvPr>
-        </p:nvSpPr>
-        <p:spPr/>
-        <p:txBody>
-          <a:bodyPr/>
-          <a:lstStyle/>
-          <a:p>
-            <a:r>
-              <a:rPr lang="en-US" dirty="0" smtClean="0"/>
               <a:t>Connecting to Fusion Tables</a:t>
             </a:r>
             <a:endParaRPr lang="en-US" dirty="0"/>
@@ -16528,7 +11971,7 @@
           <a:p>
             <a:fld id="{7053BEFA-1175-F644-B249-7D41D72BD3FF}" type="datetime1">
               <a:rPr lang="en-US" smtClean="0"/>
-              <a:t>1/29/16</a:t>
+              <a:t>1/23/17</a:t>
             </a:fld>
             <a:endParaRPr lang="en-US"/>
           </a:p>
@@ -16570,7 +12013,7 @@
           <a:p>
             <a:fld id="{17E276FA-8F89-B34D-A726-BE3FA1F8DD97}" type="slidenum">
               <a:rPr lang="en-US" smtClean="0"/>
-              <a:t>5</a:t>
+              <a:t>4</a:t>
             </a:fld>
             <a:endParaRPr lang="en-US" dirty="0"/>
           </a:p>
@@ -16653,7 +12096,341 @@
   <p:timing>
     <p:tnLst>
       <p:par>
-        <p:cTn xmlns:p14="http://schemas.microsoft.com/office/powerpoint/2010/main" id="1" dur="indefinite" restart="never" nodeType="tmRoot"/>
+        <p:cTn id="1" dur="indefinite" restart="never" nodeType="tmRoot"/>
+      </p:par>
+    </p:tnLst>
+  </p:timing>
+</p:sld>
+</file>
+
+<file path=ppt/slides/slide5.xml><?xml version="1.0" encoding="utf-8"?>
+<p:sld xmlns:a="http://schemas.openxmlformats.org/drawingml/2006/main" xmlns:r="http://schemas.openxmlformats.org/officeDocument/2006/relationships" xmlns:p="http://schemas.openxmlformats.org/presentationml/2006/main">
+  <p:cSld>
+    <p:spTree>
+      <p:nvGrpSpPr>
+        <p:cNvPr id="1" name=""/>
+        <p:cNvGrpSpPr/>
+        <p:nvPr/>
+      </p:nvGrpSpPr>
+      <p:grpSpPr>
+        <a:xfrm>
+          <a:off x="0" y="0"/>
+          <a:ext cx="0" cy="0"/>
+          <a:chOff x="0" y="0"/>
+          <a:chExt cx="0" cy="0"/>
+        </a:xfrm>
+      </p:grpSpPr>
+      <p:sp>
+        <p:nvSpPr>
+          <p:cNvPr id="2" name="Title 1"/>
+          <p:cNvSpPr>
+            <a:spLocks noGrp="1"/>
+          </p:cNvSpPr>
+          <p:nvPr>
+            <p:ph type="title"/>
+          </p:nvPr>
+        </p:nvSpPr>
+        <p:spPr/>
+        <p:txBody>
+          <a:bodyPr/>
+          <a:lstStyle/>
+          <a:p>
+            <a:r>
+              <a:rPr lang="en-US" dirty="0" smtClean="0"/>
+              <a:t>Getting Data from </a:t>
+            </a:r>
+            <a:r>
+              <a:rPr lang="en-US" dirty="0"/>
+              <a:t>Y</a:t>
+            </a:r>
+            <a:r>
+              <a:rPr lang="en-US" dirty="0" smtClean="0"/>
+              <a:t>our </a:t>
+            </a:r>
+            <a:r>
+              <a:rPr lang="en-US" dirty="0" smtClean="0"/>
+              <a:t>Table</a:t>
+            </a:r>
+            <a:endParaRPr lang="en-US" dirty="0"/>
+          </a:p>
+        </p:txBody>
+      </p:sp>
+      <p:sp>
+        <p:nvSpPr>
+          <p:cNvPr id="3" name="Content Placeholder 2"/>
+          <p:cNvSpPr>
+            <a:spLocks noGrp="1"/>
+          </p:cNvSpPr>
+          <p:nvPr>
+            <p:ph idx="1"/>
+          </p:nvPr>
+        </p:nvSpPr>
+        <p:spPr>
+          <a:xfrm>
+            <a:off x="1914769" y="1847153"/>
+            <a:ext cx="6838462" cy="4379976"/>
+          </a:xfrm>
+        </p:spPr>
+        <p:txBody>
+          <a:bodyPr/>
+          <a:lstStyle/>
+          <a:p>
+            <a:pPr marL="0" indent="0">
+              <a:buNone/>
+            </a:pPr>
+            <a:r>
+              <a:rPr lang="en-US" dirty="0" smtClean="0"/>
+              <a:t>Also need a TABLE_ID</a:t>
+            </a:r>
+          </a:p>
+          <a:p>
+            <a:pPr marL="0" indent="0">
+              <a:buNone/>
+            </a:pPr>
+            <a:r>
+              <a:rPr lang="en-US" dirty="0" smtClean="0"/>
+              <a:t>Then use a </a:t>
+            </a:r>
+            <a:r>
+              <a:rPr lang="en-US" i="1" dirty="0" smtClean="0"/>
+              <a:t>library </a:t>
+            </a:r>
+            <a:r>
+              <a:rPr lang="en-US" dirty="0" smtClean="0"/>
+              <a:t>to build requests</a:t>
+            </a:r>
+            <a:endParaRPr lang="en-US" dirty="0" smtClean="0">
+              <a:latin typeface="Courier"/>
+              <a:cs typeface="Courier"/>
+            </a:endParaRPr>
+          </a:p>
+          <a:p>
+            <a:pPr marL="0" indent="0">
+              <a:buNone/>
+            </a:pPr>
+            <a:r>
+              <a:rPr lang="en-US" dirty="0">
+                <a:latin typeface="Courier"/>
+                <a:cs typeface="Courier"/>
+              </a:rPr>
+              <a:t>request = </a:t>
+            </a:r>
+            <a:r>
+              <a:rPr lang="en-US" dirty="0" err="1">
+                <a:latin typeface="Courier"/>
+                <a:cs typeface="Courier"/>
+              </a:rPr>
+              <a:t>service.column</a:t>
+            </a:r>
+            <a:r>
+              <a:rPr lang="en-US" dirty="0">
+                <a:latin typeface="Courier"/>
+                <a:cs typeface="Courier"/>
+              </a:rPr>
+              <a:t>().list(</a:t>
+            </a:r>
+            <a:r>
+              <a:rPr lang="en-US" dirty="0" err="1">
+                <a:latin typeface="Courier"/>
+                <a:cs typeface="Courier"/>
+              </a:rPr>
+              <a:t>tableId</a:t>
+            </a:r>
+            <a:r>
+              <a:rPr lang="en-US" dirty="0">
+                <a:latin typeface="Courier"/>
+                <a:cs typeface="Courier"/>
+              </a:rPr>
+              <a:t>=TABLE_ID) </a:t>
+            </a:r>
+            <a:endParaRPr lang="en-US" dirty="0" smtClean="0">
+              <a:latin typeface="Courier"/>
+              <a:cs typeface="Courier"/>
+            </a:endParaRPr>
+          </a:p>
+          <a:p>
+            <a:pPr marL="0" indent="0">
+              <a:buNone/>
+            </a:pPr>
+            <a:r>
+              <a:rPr lang="en-US" dirty="0" smtClean="0">
+                <a:latin typeface="+mn-lt"/>
+                <a:cs typeface="Courier"/>
+              </a:rPr>
+              <a:t>gets a list of column names</a:t>
+            </a:r>
+          </a:p>
+          <a:p>
+            <a:pPr marL="0" indent="0">
+              <a:buNone/>
+            </a:pPr>
+            <a:r>
+              <a:rPr lang="en-US" dirty="0" err="1">
+                <a:latin typeface="Courier"/>
+                <a:cs typeface="Courier"/>
+              </a:rPr>
+              <a:t>l</a:t>
+            </a:r>
+            <a:r>
+              <a:rPr lang="en-US" dirty="0" err="1" smtClean="0">
+                <a:latin typeface="Courier"/>
+                <a:cs typeface="Courier"/>
+              </a:rPr>
+              <a:t>ogging.info</a:t>
+            </a:r>
+            <a:r>
+              <a:rPr lang="en-US" dirty="0" smtClean="0">
+                <a:latin typeface="Courier"/>
+                <a:cs typeface="Courier"/>
+              </a:rPr>
+              <a:t>(request)</a:t>
+            </a:r>
+            <a:endParaRPr lang="en-US" dirty="0">
+              <a:latin typeface="Courier"/>
+              <a:cs typeface="Courier"/>
+            </a:endParaRPr>
+          </a:p>
+          <a:p>
+            <a:pPr marL="0" indent="0">
+              <a:buNone/>
+            </a:pPr>
+            <a:endParaRPr lang="en-US" dirty="0">
+              <a:latin typeface="Courier"/>
+              <a:cs typeface="Courier"/>
+            </a:endParaRPr>
+          </a:p>
+          <a:p>
+            <a:pPr marL="0" indent="0">
+              <a:buNone/>
+            </a:pPr>
+            <a:endParaRPr lang="en-US" dirty="0">
+              <a:latin typeface="Courier"/>
+              <a:cs typeface="Courier"/>
+            </a:endParaRPr>
+          </a:p>
+        </p:txBody>
+      </p:sp>
+      <p:sp>
+        <p:nvSpPr>
+          <p:cNvPr id="4" name="Date Placeholder 3"/>
+          <p:cNvSpPr>
+            <a:spLocks noGrp="1"/>
+          </p:cNvSpPr>
+          <p:nvPr>
+            <p:ph type="dt" sz="half" idx="10"/>
+          </p:nvPr>
+        </p:nvSpPr>
+        <p:spPr/>
+        <p:txBody>
+          <a:bodyPr/>
+          <a:lstStyle/>
+          <a:p>
+            <a:fld id="{7053BEFA-1175-F644-B249-7D41D72BD3FF}" type="datetime1">
+              <a:rPr lang="en-US" smtClean="0"/>
+              <a:t>1/23/17</a:t>
+            </a:fld>
+            <a:endParaRPr lang="en-US"/>
+          </a:p>
+        </p:txBody>
+      </p:sp>
+      <p:sp>
+        <p:nvSpPr>
+          <p:cNvPr id="5" name="Footer Placeholder 4"/>
+          <p:cNvSpPr>
+            <a:spLocks noGrp="1"/>
+          </p:cNvSpPr>
+          <p:nvPr>
+            <p:ph type="ftr" sz="quarter" idx="11"/>
+          </p:nvPr>
+        </p:nvSpPr>
+        <p:spPr/>
+        <p:txBody>
+          <a:bodyPr/>
+          <a:lstStyle/>
+          <a:p>
+            <a:endParaRPr lang="en-US" dirty="0"/>
+          </a:p>
+        </p:txBody>
+      </p:sp>
+      <p:sp>
+        <p:nvSpPr>
+          <p:cNvPr id="6" name="Slide Number Placeholder 5"/>
+          <p:cNvSpPr>
+            <a:spLocks noGrp="1"/>
+          </p:cNvSpPr>
+          <p:nvPr>
+            <p:ph type="sldNum" sz="quarter" idx="12"/>
+          </p:nvPr>
+        </p:nvSpPr>
+        <p:spPr/>
+        <p:txBody>
+          <a:bodyPr/>
+          <a:lstStyle/>
+          <a:p>
+            <a:fld id="{17E276FA-8F89-B34D-A726-BE3FA1F8DD97}" type="slidenum">
+              <a:rPr lang="en-US" smtClean="0"/>
+              <a:t>5</a:t>
+            </a:fld>
+            <a:endParaRPr lang="en-US" dirty="0"/>
+          </a:p>
+        </p:txBody>
+      </p:sp>
+      <p:sp>
+        <p:nvSpPr>
+          <p:cNvPr id="7" name="Rounded Rectangle 6"/>
+          <p:cNvSpPr/>
+          <p:nvPr/>
+        </p:nvSpPr>
+        <p:spPr>
+          <a:xfrm>
+            <a:off x="193283" y="1532618"/>
+            <a:ext cx="1521698" cy="1143000"/>
+          </a:xfrm>
+          <a:prstGeom prst="roundRect">
+            <a:avLst/>
+          </a:prstGeom>
+        </p:spPr>
+        <p:style>
+          <a:lnRef idx="3">
+            <a:schemeClr val="lt1"/>
+          </a:lnRef>
+          <a:fillRef idx="1">
+            <a:schemeClr val="accent1"/>
+          </a:fillRef>
+          <a:effectRef idx="1">
+            <a:schemeClr val="accent1"/>
+          </a:effectRef>
+          <a:fontRef idx="minor">
+            <a:schemeClr val="lt1"/>
+          </a:fontRef>
+        </p:style>
+        <p:txBody>
+          <a:bodyPr rtlCol="0" anchor="ctr"/>
+          <a:lstStyle/>
+          <a:p>
+            <a:pPr algn="ctr"/>
+            <a:r>
+              <a:rPr lang="en-US" dirty="0" smtClean="0"/>
+              <a:t>Manually get Table ID</a:t>
+            </a:r>
+            <a:endParaRPr lang="en-US" dirty="0"/>
+          </a:p>
+        </p:txBody>
+      </p:sp>
+    </p:spTree>
+    <p:extLst>
+      <p:ext uri="{BB962C8B-B14F-4D97-AF65-F5344CB8AC3E}">
+        <p14:creationId xmlns:p14="http://schemas.microsoft.com/office/powerpoint/2010/main" val="778816452"/>
+      </p:ext>
+    </p:extLst>
+  </p:cSld>
+  <p:clrMapOvr>
+    <a:masterClrMapping/>
+  </p:clrMapOvr>
+  <p:timing>
+    <p:tnLst>
+      <p:par>
+        <p:cTn id="1" dur="indefinite" restart="never" nodeType="tmRoot"/>
       </p:par>
     </p:tnLst>
   </p:timing>
@@ -16694,7 +12471,7 @@
           <a:p>
             <a:r>
               <a:rPr lang="en-US" dirty="0" smtClean="0"/>
-              <a:t>Exploring your Table</a:t>
+              <a:t>Making a Query</a:t>
             </a:r>
             <a:endParaRPr lang="en-US" dirty="0"/>
           </a:p>
@@ -16710,12 +12487,7 @@
             <p:ph idx="1"/>
           </p:nvPr>
         </p:nvSpPr>
-        <p:spPr>
-          <a:xfrm>
-            <a:off x="1914769" y="1847153"/>
-            <a:ext cx="6838462" cy="4379976"/>
-          </a:xfrm>
-        </p:spPr>
+        <p:spPr/>
         <p:txBody>
           <a:bodyPr/>
           <a:lstStyle/>
@@ -16724,8 +12496,11 @@
               <a:buNone/>
             </a:pPr>
             <a:r>
-              <a:rPr lang="en-US" dirty="0" smtClean="0"/>
-              <a:t>Also need a TABLE_ID</a:t>
+              <a:rPr lang="en-US" dirty="0" smtClean="0">
+                <a:latin typeface="Courier"/>
+                <a:cs typeface="Courier"/>
+              </a:rPr>
+              <a:t>query = # construct query</a:t>
             </a:r>
           </a:p>
           <a:p>
@@ -16733,102 +12508,86 @@
               <a:buNone/>
             </a:pPr>
             <a:r>
-              <a:rPr lang="en-US" dirty="0" smtClean="0"/>
-              <a:t>Then use a </a:t>
-            </a:r>
-            <a:r>
-              <a:rPr lang="en-US" i="1" dirty="0" smtClean="0"/>
-              <a:t>library </a:t>
-            </a:r>
-            <a:r>
-              <a:rPr lang="en-US" dirty="0" smtClean="0"/>
-              <a:t>to build requests</a:t>
-            </a:r>
-            <a:endParaRPr lang="en-US" dirty="0" smtClean="0">
-              <a:latin typeface="Courier"/>
-              <a:cs typeface="Courier"/>
-            </a:endParaRPr>
-          </a:p>
-          <a:p>
-            <a:pPr marL="0" indent="0">
-              <a:buNone/>
-            </a:pPr>
+              <a:rPr lang="en-US" dirty="0" smtClean="0">
+                <a:latin typeface="Courier"/>
+                <a:cs typeface="Courier"/>
+              </a:rPr>
+              <a:t>response </a:t>
+            </a:r>
             <a:r>
               <a:rPr lang="en-US" dirty="0">
                 <a:latin typeface="Courier"/>
                 <a:cs typeface="Courier"/>
               </a:rPr>
-              <a:t>request = </a:t>
+              <a:t>= </a:t>
             </a:r>
             <a:r>
               <a:rPr lang="en-US" dirty="0" err="1">
                 <a:latin typeface="Courier"/>
                 <a:cs typeface="Courier"/>
               </a:rPr>
-              <a:t>service.column</a:t>
+              <a:t>service.query</a:t>
             </a:r>
             <a:r>
               <a:rPr lang="en-US" dirty="0">
                 <a:latin typeface="Courier"/>
                 <a:cs typeface="Courier"/>
               </a:rPr>
-              <a:t>().list(</a:t>
+              <a:t>().</a:t>
             </a:r>
             <a:r>
               <a:rPr lang="en-US" dirty="0" err="1">
                 <a:latin typeface="Courier"/>
                 <a:cs typeface="Courier"/>
               </a:rPr>
-              <a:t>tableId</a:t>
+              <a:t>sql</a:t>
             </a:r>
             <a:r>
               <a:rPr lang="en-US" dirty="0">
                 <a:latin typeface="Courier"/>
                 <a:cs typeface="Courier"/>
               </a:rPr>
-              <a:t>=TABLE_ID) </a:t>
-            </a:r>
-            <a:endParaRPr lang="en-US" dirty="0" smtClean="0">
-              <a:latin typeface="Courier"/>
-              <a:cs typeface="Courier"/>
-            </a:endParaRPr>
-          </a:p>
-          <a:p>
-            <a:pPr marL="0" indent="0">
-              <a:buNone/>
-            </a:pPr>
-            <a:r>
-              <a:rPr lang="en-US" dirty="0" smtClean="0">
-                <a:latin typeface="+mn-lt"/>
-                <a:cs typeface="Courier"/>
-              </a:rPr>
-              <a:t>gets a list of column names</a:t>
-            </a:r>
-          </a:p>
-          <a:p>
-            <a:pPr marL="0" indent="0">
-              <a:buNone/>
-            </a:pPr>
+              <a:t>(</a:t>
+            </a:r>
             <a:r>
               <a:rPr lang="en-US" dirty="0" err="1">
                 <a:latin typeface="Courier"/>
                 <a:cs typeface="Courier"/>
               </a:rPr>
-              <a:t>l</a:t>
-            </a:r>
-            <a:r>
-              <a:rPr lang="en-US" dirty="0" err="1" smtClean="0">
+              <a:t>sql</a:t>
+            </a:r>
+            <a:r>
+              <a:rPr lang="en-US" dirty="0">
                 <a:latin typeface="Courier"/>
                 <a:cs typeface="Courier"/>
               </a:rPr>
-              <a:t>ogging.info</a:t>
+              <a:t>=query).execute(</a:t>
             </a:r>
             <a:r>
               <a:rPr lang="en-US" dirty="0" smtClean="0">
                 <a:latin typeface="Courier"/>
                 <a:cs typeface="Courier"/>
               </a:rPr>
-              <a:t>(request)</a:t>
+              <a:t>)</a:t>
+            </a:r>
+          </a:p>
+          <a:p>
+            <a:pPr marL="0" indent="0">
+              <a:buNone/>
+            </a:pPr>
+            <a:r>
+              <a:rPr lang="en-US" dirty="0" err="1">
+                <a:latin typeface="Courier"/>
+                <a:cs typeface="Courier"/>
+              </a:rPr>
+              <a:t>logging.info</a:t>
+            </a:r>
+            <a:r>
+              <a:rPr lang="en-US" dirty="0" smtClean="0">
+                <a:latin typeface="Courier"/>
+                <a:cs typeface="Courier"/>
+              </a:rPr>
+              <a:t>(response)</a:t>
             </a:r>
             <a:endParaRPr lang="en-US" dirty="0">
               <a:latin typeface="Courier"/>
@@ -16839,19 +12598,7 @@
             <a:pPr marL="0" indent="0">
               <a:buNone/>
             </a:pPr>
-            <a:endParaRPr lang="en-US" dirty="0">
-              <a:latin typeface="Courier"/>
-              <a:cs typeface="Courier"/>
-            </a:endParaRPr>
-          </a:p>
-          <a:p>
-            <a:pPr marL="0" indent="0">
-              <a:buNone/>
-            </a:pPr>
-            <a:endParaRPr lang="en-US" dirty="0">
-              <a:latin typeface="Courier"/>
-              <a:cs typeface="Courier"/>
-            </a:endParaRPr>
+            <a:endParaRPr lang="en-US" dirty="0"/>
           </a:p>
         </p:txBody>
       </p:sp>
@@ -16872,7 +12619,7 @@
           <a:p>
             <a:fld id="{7053BEFA-1175-F644-B249-7D41D72BD3FF}" type="datetime1">
               <a:rPr lang="en-US" smtClean="0"/>
-              <a:t>1/29/16</a:t>
+              <a:t>1/23/17</a:t>
             </a:fld>
             <a:endParaRPr lang="en-US"/>
           </a:p>
@@ -16920,52 +12667,10 @@
           </a:p>
         </p:txBody>
       </p:sp>
-      <p:sp>
-        <p:nvSpPr>
-          <p:cNvPr id="7" name="Rounded Rectangle 6"/>
-          <p:cNvSpPr/>
-          <p:nvPr/>
-        </p:nvSpPr>
-        <p:spPr>
-          <a:xfrm>
-            <a:off x="193283" y="1532618"/>
-            <a:ext cx="1521698" cy="1143000"/>
-          </a:xfrm>
-          <a:prstGeom prst="roundRect">
-            <a:avLst/>
-          </a:prstGeom>
-        </p:spPr>
-        <p:style>
-          <a:lnRef idx="3">
-            <a:schemeClr val="lt1"/>
-          </a:lnRef>
-          <a:fillRef idx="1">
-            <a:schemeClr val="accent1"/>
-          </a:fillRef>
-          <a:effectRef idx="1">
-            <a:schemeClr val="accent1"/>
-          </a:effectRef>
-          <a:fontRef idx="minor">
-            <a:schemeClr val="lt1"/>
-          </a:fontRef>
-        </p:style>
-        <p:txBody>
-          <a:bodyPr rtlCol="0" anchor="ctr"/>
-          <a:lstStyle/>
-          <a:p>
-            <a:pPr algn="ctr"/>
-            <a:r>
-              <a:rPr lang="en-US" dirty="0" smtClean="0"/>
-              <a:t>Manually get Table ID</a:t>
-            </a:r>
-            <a:endParaRPr lang="en-US" dirty="0"/>
-          </a:p>
-        </p:txBody>
-      </p:sp>
     </p:spTree>
     <p:extLst>
       <p:ext uri="{BB962C8B-B14F-4D97-AF65-F5344CB8AC3E}">
-        <p14:creationId xmlns:p14="http://schemas.microsoft.com/office/powerpoint/2010/main" val="778816452"/>
+        <p14:creationId xmlns:p14="http://schemas.microsoft.com/office/powerpoint/2010/main" val="721897657"/>
       </p:ext>
     </p:extLst>
   </p:cSld>
@@ -16975,7 +12680,7 @@
   <p:timing>
     <p:tnLst>
       <p:par>
-        <p:cTn xmlns:p14="http://schemas.microsoft.com/office/powerpoint/2010/main" id="1" dur="indefinite" restart="never" nodeType="tmRoot"/>
+        <p:cTn id="1" dur="indefinite" restart="never" nodeType="tmRoot"/>
       </p:par>
     </p:tnLst>
   </p:timing>
@@ -17041,11 +12746,32 @@
               <a:buNone/>
             </a:pPr>
             <a:r>
-              <a:rPr lang="en-US" dirty="0" smtClean="0">
+              <a:rPr lang="en-US" sz="2400" dirty="0">
                 <a:latin typeface="Courier"/>
                 <a:cs typeface="Courier"/>
               </a:rPr>
-              <a:t>query = # construct query</a:t>
+              <a:t> query = "SELECT * FROM " + TABLE_ID + " WHERE  </a:t>
+            </a:r>
+            <a:r>
+              <a:rPr lang="en-US" sz="2400" dirty="0" err="1">
+                <a:latin typeface="Courier"/>
+                <a:cs typeface="Courier"/>
+              </a:rPr>
+              <a:t>AnimalType</a:t>
+            </a:r>
+            <a:r>
+              <a:rPr lang="en-US" sz="2400" dirty="0">
+                <a:latin typeface="Courier"/>
+                <a:cs typeface="Courier"/>
+              </a:rPr>
+              <a:t> = 'DOG' LIMIT </a:t>
+            </a:r>
+            <a:r>
+              <a:rPr lang="en-US" sz="2400" dirty="0" smtClean="0">
+                <a:latin typeface="Courier"/>
+                <a:cs typeface="Courier"/>
+              </a:rPr>
+              <a:t>2”</a:t>
             </a:r>
           </a:p>
           <a:p>
@@ -17053,67 +12779,200 @@
               <a:buNone/>
             </a:pPr>
             <a:r>
-              <a:rPr lang="en-US" dirty="0" smtClean="0">
-                <a:latin typeface="Courier"/>
-                <a:cs typeface="Courier"/>
-              </a:rPr>
-              <a:t>response </a:t>
-            </a:r>
-            <a:r>
-              <a:rPr lang="en-US" dirty="0">
-                <a:latin typeface="Courier"/>
-                <a:cs typeface="Courier"/>
-              </a:rPr>
-              <a:t>= </a:t>
-            </a:r>
-            <a:r>
-              <a:rPr lang="en-US" dirty="0" err="1">
-                <a:latin typeface="Courier"/>
-                <a:cs typeface="Courier"/>
-              </a:rPr>
-              <a:t>service.query</a:t>
-            </a:r>
-            <a:r>
-              <a:rPr lang="en-US" dirty="0">
-                <a:latin typeface="Courier"/>
-                <a:cs typeface="Courier"/>
-              </a:rPr>
-              <a:t>().</a:t>
-            </a:r>
-            <a:r>
-              <a:rPr lang="en-US" dirty="0" err="1">
-                <a:latin typeface="Courier"/>
-                <a:cs typeface="Courier"/>
-              </a:rPr>
-              <a:t>sql</a:t>
-            </a:r>
-            <a:r>
-              <a:rPr lang="en-US" dirty="0">
-                <a:latin typeface="Courier"/>
-                <a:cs typeface="Courier"/>
-              </a:rPr>
-              <a:t>(</a:t>
-            </a:r>
-            <a:r>
-              <a:rPr lang="en-US" dirty="0" err="1">
-                <a:latin typeface="Courier"/>
-                <a:cs typeface="Courier"/>
-              </a:rPr>
-              <a:t>sql</a:t>
-            </a:r>
-            <a:r>
-              <a:rPr lang="en-US" dirty="0">
-                <a:latin typeface="Courier"/>
-                <a:cs typeface="Courier"/>
-              </a:rPr>
-              <a:t>=query).execute(</a:t>
-            </a:r>
-            <a:r>
-              <a:rPr lang="en-US" dirty="0" smtClean="0">
-                <a:latin typeface="Courier"/>
-                <a:cs typeface="Courier"/>
-              </a:rPr>
-              <a:t>)</a:t>
+              <a:rPr lang="fr-FR" sz="1600" dirty="0"/>
+              <a:t>INFO     2014-01-07 19:31:41,439 main.py:88] [</a:t>
+            </a:r>
+            <a:r>
+              <a:rPr lang="fr-FR" sz="1600" dirty="0" err="1"/>
+              <a:t>u'Outcome</a:t>
+            </a:r>
+            <a:r>
+              <a:rPr lang="fr-FR" sz="1600" dirty="0"/>
+              <a:t>', </a:t>
+            </a:r>
+            <a:r>
+              <a:rPr lang="fr-FR" sz="1600" dirty="0" err="1"/>
+              <a:t>u'AnimalID</a:t>
+            </a:r>
+            <a:r>
+              <a:rPr lang="fr-FR" sz="1600" dirty="0"/>
+              <a:t>', </a:t>
+            </a:r>
+            <a:r>
+              <a:rPr lang="fr-FR" sz="1600" dirty="0" err="1"/>
+              <a:t>u'AnimalType</a:t>
+            </a:r>
+            <a:r>
+              <a:rPr lang="fr-FR" sz="1600" dirty="0"/>
+              <a:t>', </a:t>
+            </a:r>
+            <a:r>
+              <a:rPr lang="fr-FR" sz="1600" dirty="0" err="1"/>
+              <a:t>u'IntakeDate</a:t>
+            </a:r>
+            <a:r>
+              <a:rPr lang="fr-FR" sz="1600" dirty="0"/>
+              <a:t>', </a:t>
+            </a:r>
+            <a:r>
+              <a:rPr lang="fr-FR" sz="1600" dirty="0" err="1"/>
+              <a:t>u'IntakeYear</a:t>
+            </a:r>
+            <a:r>
+              <a:rPr lang="fr-FR" sz="1600" dirty="0"/>
+              <a:t>', </a:t>
+            </a:r>
+            <a:r>
+              <a:rPr lang="fr-FR" sz="1600" dirty="0" err="1"/>
+              <a:t>u'IntakeMonth</a:t>
+            </a:r>
+            <a:r>
+              <a:rPr lang="fr-FR" sz="1600" dirty="0"/>
+              <a:t>', </a:t>
+            </a:r>
+            <a:r>
+              <a:rPr lang="fr-FR" sz="1600" dirty="0" err="1"/>
+              <a:t>u'Name</a:t>
+            </a:r>
+            <a:r>
+              <a:rPr lang="fr-FR" sz="1600" dirty="0"/>
+              <a:t>', </a:t>
+            </a:r>
+            <a:r>
+              <a:rPr lang="fr-FR" sz="1600" dirty="0" err="1"/>
+              <a:t>u'Breed</a:t>
+            </a:r>
+            <a:r>
+              <a:rPr lang="fr-FR" sz="1600" dirty="0"/>
+              <a:t>', </a:t>
+            </a:r>
+            <a:r>
+              <a:rPr lang="fr-FR" sz="1600" dirty="0" err="1"/>
+              <a:t>u'Age</a:t>
+            </a:r>
+            <a:r>
+              <a:rPr lang="fr-FR" sz="1600" dirty="0"/>
+              <a:t>', </a:t>
+            </a:r>
+            <a:r>
+              <a:rPr lang="fr-FR" sz="1600" dirty="0" err="1"/>
+              <a:t>u'Sex</a:t>
+            </a:r>
+            <a:r>
+              <a:rPr lang="fr-FR" sz="1600" dirty="0"/>
+              <a:t>', </a:t>
+            </a:r>
+            <a:r>
+              <a:rPr lang="fr-FR" sz="1600" dirty="0" err="1"/>
+              <a:t>u'SpayNeuter</a:t>
+            </a:r>
+            <a:r>
+              <a:rPr lang="fr-FR" sz="1600" dirty="0"/>
+              <a:t>', </a:t>
+            </a:r>
+            <a:r>
+              <a:rPr lang="fr-FR" sz="1600" dirty="0" err="1"/>
+              <a:t>u'Size</a:t>
+            </a:r>
+            <a:r>
+              <a:rPr lang="fr-FR" sz="1600" dirty="0"/>
+              <a:t>', </a:t>
+            </a:r>
+            <a:r>
+              <a:rPr lang="fr-FR" sz="1600" dirty="0" err="1"/>
+              <a:t>u'Color</a:t>
+            </a:r>
+            <a:r>
+              <a:rPr lang="fr-FR" sz="1600" dirty="0"/>
+              <a:t>', </a:t>
+            </a:r>
+            <a:r>
+              <a:rPr lang="fr-FR" sz="1600" dirty="0" err="1"/>
+              <a:t>u'IntakeType</a:t>
+            </a:r>
+            <a:r>
+              <a:rPr lang="fr-FR" sz="1600" dirty="0"/>
+              <a:t>', </a:t>
+            </a:r>
+            <a:r>
+              <a:rPr lang="fr-FR" sz="1600" dirty="0" err="1"/>
+              <a:t>u'OutcomeSubtype</a:t>
+            </a:r>
+            <a:r>
+              <a:rPr lang="fr-FR" sz="1600" dirty="0"/>
+              <a:t>', </a:t>
+            </a:r>
+            <a:r>
+              <a:rPr lang="fr-FR" sz="1600" dirty="0" err="1"/>
+              <a:t>u'ZipFound</a:t>
+            </a:r>
+            <a:r>
+              <a:rPr lang="fr-FR" sz="1600" dirty="0"/>
+              <a:t>', </a:t>
+            </a:r>
+            <a:r>
+              <a:rPr lang="fr-FR" sz="1600" dirty="0" err="1"/>
+              <a:t>u'Latitude</a:t>
+            </a:r>
+            <a:r>
+              <a:rPr lang="fr-FR" sz="1600" dirty="0"/>
+              <a:t>', </a:t>
+            </a:r>
+            <a:r>
+              <a:rPr lang="fr-FR" sz="1600" dirty="0" err="1"/>
+              <a:t>u'Longitude</a:t>
+            </a:r>
+            <a:r>
+              <a:rPr lang="fr-FR" sz="1600" dirty="0"/>
+              <a:t>', </a:t>
+            </a:r>
+            <a:r>
+              <a:rPr lang="fr-FR" sz="1600" dirty="0" err="1"/>
+              <a:t>u'ZipPlaced</a:t>
+            </a:r>
+            <a:r>
+              <a:rPr lang="fr-FR" sz="1600" dirty="0"/>
+              <a:t>', </a:t>
+            </a:r>
+            <a:r>
+              <a:rPr lang="fr-FR" sz="1600" dirty="0" err="1"/>
+              <a:t>u'OutcomeDate</a:t>
+            </a:r>
+            <a:r>
+              <a:rPr lang="fr-FR" sz="1600" dirty="0"/>
+              <a:t>', </a:t>
+            </a:r>
+            <a:r>
+              <a:rPr lang="fr-FR" sz="1600" dirty="0" err="1"/>
+              <a:t>u'OutcomeYear</a:t>
+            </a:r>
+            <a:r>
+              <a:rPr lang="fr-FR" sz="1600" dirty="0"/>
+              <a:t>', </a:t>
+            </a:r>
+            <a:r>
+              <a:rPr lang="fr-FR" sz="1600" dirty="0" err="1"/>
+              <a:t>u'OutcomeMonth</a:t>
+            </a:r>
+            <a:r>
+              <a:rPr lang="fr-FR" sz="1600" dirty="0"/>
+              <a:t>', </a:t>
+            </a:r>
+            <a:r>
+              <a:rPr lang="fr-FR" sz="1600" dirty="0" err="1"/>
+              <a:t>u'icon</a:t>
+            </a:r>
+            <a:r>
+              <a:rPr lang="fr-FR" sz="1600" dirty="0"/>
+              <a:t> type', </a:t>
+            </a:r>
+            <a:r>
+              <a:rPr lang="fr-FR" sz="1600" dirty="0" err="1"/>
+              <a:t>u'IconName</a:t>
+            </a:r>
+            <a:r>
+              <a:rPr lang="fr-FR" sz="1600" dirty="0"/>
+              <a:t>']</a:t>
             </a:r>
           </a:p>
           <a:p>
@@ -17121,29 +12980,253 @@
               <a:buNone/>
             </a:pPr>
             <a:r>
-              <a:rPr lang="en-US" dirty="0" err="1">
-                <a:latin typeface="Courier"/>
-                <a:cs typeface="Courier"/>
-              </a:rPr>
-              <a:t>logging.info</a:t>
-            </a:r>
-            <a:r>
-              <a:rPr lang="en-US" dirty="0" smtClean="0">
-                <a:latin typeface="Courier"/>
-                <a:cs typeface="Courier"/>
-              </a:rPr>
-              <a:t>(response)</a:t>
-            </a:r>
-            <a:endParaRPr lang="en-US" dirty="0">
-              <a:latin typeface="Courier"/>
-              <a:cs typeface="Courier"/>
-            </a:endParaRPr>
+              <a:rPr lang="fr-FR" sz="1600" dirty="0"/>
+              <a:t>INFO     2014-01-07 19:31:41,439 main.py:89] [[u'', u'A346562', </a:t>
+            </a:r>
+            <a:r>
+              <a:rPr lang="fr-FR" sz="1600" dirty="0" err="1"/>
+              <a:t>u'DOG</a:t>
+            </a:r>
+            <a:r>
+              <a:rPr lang="fr-FR" sz="1600" dirty="0"/>
+              <a:t>', u'2011-04-16T00:00:00Z', u'2011', </a:t>
+            </a:r>
+            <a:r>
+              <a:rPr lang="fr-FR" sz="1600" dirty="0" err="1"/>
+              <a:t>u'April</a:t>
+            </a:r>
+            <a:r>
+              <a:rPr lang="fr-FR" sz="1600" dirty="0"/>
+              <a:t>', </a:t>
+            </a:r>
+            <a:r>
+              <a:rPr lang="fr-FR" sz="1600" dirty="0" err="1"/>
+              <a:t>u'DIXIE</a:t>
+            </a:r>
+            <a:r>
+              <a:rPr lang="fr-FR" sz="1600" dirty="0"/>
+              <a:t>', u'', </a:t>
+            </a:r>
+            <a:r>
+              <a:rPr lang="fr-FR" sz="1600" dirty="0" err="1"/>
+              <a:t>u'Older</a:t>
+            </a:r>
+            <a:r>
+              <a:rPr lang="fr-FR" sz="1600" dirty="0"/>
+              <a:t> </a:t>
+            </a:r>
+            <a:r>
+              <a:rPr lang="fr-FR" sz="1600" dirty="0" err="1"/>
+              <a:t>than</a:t>
+            </a:r>
+            <a:r>
+              <a:rPr lang="fr-FR" sz="1600" dirty="0"/>
+              <a:t> 1 </a:t>
+            </a:r>
+            <a:r>
+              <a:rPr lang="fr-FR" sz="1600" dirty="0" err="1"/>
+              <a:t>year</a:t>
+            </a:r>
+            <a:r>
+              <a:rPr lang="fr-FR" sz="1600" dirty="0"/>
+              <a:t>', </a:t>
+            </a:r>
+            <a:r>
+              <a:rPr lang="fr-FR" sz="1600" dirty="0" err="1"/>
+              <a:t>u'MALE</a:t>
+            </a:r>
+            <a:r>
+              <a:rPr lang="fr-FR" sz="1600" dirty="0"/>
+              <a:t>', </a:t>
+            </a:r>
+            <a:r>
+              <a:rPr lang="fr-FR" sz="1600" dirty="0" err="1"/>
+              <a:t>u'true</a:t>
+            </a:r>
+            <a:r>
+              <a:rPr lang="fr-FR" sz="1600" dirty="0"/>
+              <a:t>', </a:t>
+            </a:r>
+            <a:r>
+              <a:rPr lang="fr-FR" sz="1600" dirty="0" err="1"/>
+              <a:t>u'MED</a:t>
+            </a:r>
+            <a:r>
+              <a:rPr lang="fr-FR" sz="1600" dirty="0"/>
+              <a:t>', </a:t>
+            </a:r>
+            <a:r>
+              <a:rPr lang="fr-FR" sz="1600" dirty="0" err="1"/>
+              <a:t>u'BLACK</a:t>
+            </a:r>
+            <a:r>
+              <a:rPr lang="fr-FR" sz="1600" dirty="0"/>
+              <a:t>', </a:t>
+            </a:r>
+            <a:r>
+              <a:rPr lang="fr-FR" sz="1600" dirty="0" err="1"/>
+              <a:t>u'Owner</a:t>
+            </a:r>
+            <a:r>
+              <a:rPr lang="fr-FR" sz="1600" dirty="0"/>
+              <a:t> </a:t>
+            </a:r>
+            <a:r>
+              <a:rPr lang="fr-FR" sz="1600" dirty="0" err="1"/>
+              <a:t>Surrender</a:t>
+            </a:r>
+            <a:r>
+              <a:rPr lang="fr-FR" sz="1600" dirty="0"/>
+              <a:t>', u'', u'40218', 38.1938, -85.6573, </a:t>
+            </a:r>
+            <a:r>
+              <a:rPr lang="fr-FR" sz="1600" dirty="0" err="1"/>
+              <a:t>u'NaN</a:t>
+            </a:r>
+            <a:r>
+              <a:rPr lang="fr-FR" sz="1600" dirty="0"/>
+              <a:t>', u'2011-04-16T00:00:00Z', u'2011', </a:t>
+            </a:r>
+            <a:r>
+              <a:rPr lang="fr-FR" sz="1600" dirty="0" err="1"/>
+              <a:t>u'April</a:t>
+            </a:r>
+            <a:r>
+              <a:rPr lang="fr-FR" sz="1600" dirty="0"/>
+              <a:t>', </a:t>
+            </a:r>
+            <a:r>
+              <a:rPr lang="fr-FR" sz="1600" dirty="0" err="1"/>
+              <a:t>u'NaN</a:t>
+            </a:r>
+            <a:r>
+              <a:rPr lang="fr-FR" sz="1600" dirty="0"/>
+              <a:t>', u''], [u'', u'A364651', </a:t>
+            </a:r>
+            <a:r>
+              <a:rPr lang="fr-FR" sz="1600" dirty="0" err="1"/>
+              <a:t>u'DOG</a:t>
+            </a:r>
+            <a:r>
+              <a:rPr lang="fr-FR" sz="1600" dirty="0"/>
+              <a:t>', u'2011-03-11T00:00:00Z', u'2011', </a:t>
+            </a:r>
+            <a:r>
+              <a:rPr lang="fr-FR" sz="1600" dirty="0" err="1"/>
+              <a:t>u'March</a:t>
+            </a:r>
+            <a:r>
+              <a:rPr lang="fr-FR" sz="1600" dirty="0"/>
+              <a:t>', </a:t>
+            </a:r>
+            <a:r>
+              <a:rPr lang="fr-FR" sz="1600" dirty="0" err="1"/>
+              <a:t>u'KAYLEE</a:t>
+            </a:r>
+            <a:r>
+              <a:rPr lang="fr-FR" sz="1600" dirty="0"/>
+              <a:t>', </a:t>
+            </a:r>
+            <a:r>
+              <a:rPr lang="fr-FR" sz="1600" dirty="0" err="1"/>
+              <a:t>u'YORKSHIRE</a:t>
+            </a:r>
+            <a:r>
+              <a:rPr lang="fr-FR" sz="1600" dirty="0"/>
+              <a:t> TERR - POODLE TOY', </a:t>
+            </a:r>
+            <a:r>
+              <a:rPr lang="fr-FR" sz="1600" dirty="0" err="1"/>
+              <a:t>u'Older</a:t>
+            </a:r>
+            <a:r>
+              <a:rPr lang="fr-FR" sz="1600" dirty="0"/>
+              <a:t> </a:t>
+            </a:r>
+            <a:r>
+              <a:rPr lang="fr-FR" sz="1600" dirty="0" err="1"/>
+              <a:t>than</a:t>
+            </a:r>
+            <a:r>
+              <a:rPr lang="fr-FR" sz="1600" dirty="0"/>
+              <a:t> 1 </a:t>
+            </a:r>
+            <a:r>
+              <a:rPr lang="fr-FR" sz="1600" dirty="0" err="1"/>
+              <a:t>year</a:t>
+            </a:r>
+            <a:r>
+              <a:rPr lang="fr-FR" sz="1600" dirty="0"/>
+              <a:t>', </a:t>
+            </a:r>
+            <a:r>
+              <a:rPr lang="fr-FR" sz="1600" dirty="0" err="1"/>
+              <a:t>u'FEMALE</a:t>
+            </a:r>
+            <a:r>
+              <a:rPr lang="fr-FR" sz="1600" dirty="0"/>
+              <a:t>', </a:t>
+            </a:r>
+            <a:r>
+              <a:rPr lang="fr-FR" sz="1600" dirty="0" err="1"/>
+              <a:t>u'true</a:t>
+            </a:r>
+            <a:r>
+              <a:rPr lang="fr-FR" sz="1600" dirty="0"/>
+              <a:t>', </a:t>
+            </a:r>
+            <a:r>
+              <a:rPr lang="fr-FR" sz="1600" dirty="0" err="1"/>
+              <a:t>u'TOY</a:t>
+            </a:r>
+            <a:r>
+              <a:rPr lang="fr-FR" sz="1600" dirty="0"/>
+              <a:t>', </a:t>
+            </a:r>
+            <a:r>
+              <a:rPr lang="fr-FR" sz="1600" dirty="0" err="1"/>
+              <a:t>u'BLACK</a:t>
+            </a:r>
+            <a:r>
+              <a:rPr lang="fr-FR" sz="1600" dirty="0"/>
+              <a:t>', </a:t>
+            </a:r>
+            <a:r>
+              <a:rPr lang="fr-FR" sz="1600" dirty="0" err="1"/>
+              <a:t>u'Impound</a:t>
+            </a:r>
+            <a:r>
+              <a:rPr lang="fr-FR" sz="1600" dirty="0"/>
+              <a:t>', u'', u'40202', 38.2529, -85.7514, u'40218', u'2011-04-01T00:00:00Z', u'2011', </a:t>
+            </a:r>
+            <a:r>
+              <a:rPr lang="fr-FR" sz="1600" dirty="0" err="1"/>
+              <a:t>u'April</a:t>
+            </a:r>
+            <a:r>
+              <a:rPr lang="fr-FR" sz="1600" dirty="0"/>
+              <a:t>', </a:t>
+            </a:r>
+            <a:r>
+              <a:rPr lang="fr-FR" sz="1600" dirty="0" err="1"/>
+              <a:t>u'NaN</a:t>
+            </a:r>
+            <a:r>
+              <a:rPr lang="fr-FR" sz="1600" dirty="0"/>
+              <a:t>', u'']]</a:t>
+            </a:r>
           </a:p>
           <a:p>
             <a:pPr marL="0" indent="0">
               <a:buNone/>
             </a:pPr>
-            <a:endParaRPr lang="en-US" dirty="0"/>
+            <a:endParaRPr lang="fr-FR" sz="1600" dirty="0"/>
+          </a:p>
+          <a:p>
+            <a:pPr marL="0" indent="0">
+              <a:buNone/>
+            </a:pPr>
+            <a:endParaRPr lang="en-US" sz="1600" dirty="0"/>
           </a:p>
         </p:txBody>
       </p:sp>
@@ -17164,7 +13247,7 @@
           <a:p>
             <a:fld id="{7053BEFA-1175-F644-B249-7D41D72BD3FF}" type="datetime1">
               <a:rPr lang="en-US" smtClean="0"/>
-              <a:t>1/29/16</a:t>
+              <a:t>1/23/17</a:t>
             </a:fld>
             <a:endParaRPr lang="en-US"/>
           </a:p>
@@ -17215,7 +13298,7 @@
     </p:spTree>
     <p:extLst>
       <p:ext uri="{BB962C8B-B14F-4D97-AF65-F5344CB8AC3E}">
-        <p14:creationId xmlns:p14="http://schemas.microsoft.com/office/powerpoint/2010/main" val="721897657"/>
+        <p14:creationId xmlns:p14="http://schemas.microsoft.com/office/powerpoint/2010/main" val="4293367200"/>
       </p:ext>
     </p:extLst>
   </p:cSld>
@@ -17225,7 +13308,7 @@
   <p:timing>
     <p:tnLst>
       <p:par>
-        <p:cTn xmlns:p14="http://schemas.microsoft.com/office/powerpoint/2010/main" id="1" dur="indefinite" restart="never" nodeType="tmRoot"/>
+        <p:cTn id="1" dur="indefinite" restart="never" nodeType="tmRoot"/>
       </p:par>
     </p:tnLst>
   </p:timing>
@@ -17266,7 +13349,7 @@
           <a:p>
             <a:r>
               <a:rPr lang="en-US" dirty="0" smtClean="0"/>
-              <a:t>Making a Query</a:t>
+              <a:t>Exploratory Analysis</a:t>
             </a:r>
             <a:endParaRPr lang="en-US" dirty="0"/>
           </a:p>
@@ -17291,32 +13374,16 @@
               <a:buNone/>
             </a:pPr>
             <a:r>
-              <a:rPr lang="en-US" sz="2400" dirty="0">
-                <a:latin typeface="Courier"/>
-                <a:cs typeface="Courier"/>
-              </a:rPr>
-              <a:t> query = "SELECT * FROM " + TABLE_ID + " WHERE  </a:t>
-            </a:r>
-            <a:r>
-              <a:rPr lang="en-US" sz="2400" dirty="0" err="1">
-                <a:latin typeface="Courier"/>
-                <a:cs typeface="Courier"/>
-              </a:rPr>
-              <a:t>AnimalType</a:t>
-            </a:r>
-            <a:r>
-              <a:rPr lang="en-US" sz="2400" dirty="0">
-                <a:latin typeface="Courier"/>
-                <a:cs typeface="Courier"/>
-              </a:rPr>
-              <a:t> = 'DOG' LIMIT </a:t>
-            </a:r>
-            <a:r>
-              <a:rPr lang="en-US" sz="2400" dirty="0" smtClean="0">
-                <a:latin typeface="Courier"/>
-                <a:cs typeface="Courier"/>
-              </a:rPr>
-              <a:t>2”</a:t>
+              <a:rPr lang="en-US" dirty="0" smtClean="0"/>
+              <a:t>Combination of statistics </a:t>
+            </a:r>
+            <a:r>
+              <a:rPr lang="en-US" i="1" dirty="0" smtClean="0"/>
+              <a:t>and </a:t>
+            </a:r>
+            <a:r>
+              <a:rPr lang="en-US" dirty="0" smtClean="0"/>
+              <a:t>graphics</a:t>
             </a:r>
           </a:p>
           <a:p>
@@ -17324,454 +13391,9 @@
               <a:buNone/>
             </a:pPr>
             <a:r>
-              <a:rPr lang="fr-FR" sz="1600" dirty="0"/>
-              <a:t>INFO     2014-01-07 19:31:41,439 main.py:88] [</a:t>
-            </a:r>
-            <a:r>
-              <a:rPr lang="fr-FR" sz="1600" dirty="0" err="1"/>
-              <a:t>u'Outcome</a:t>
-            </a:r>
-            <a:r>
-              <a:rPr lang="fr-FR" sz="1600" dirty="0"/>
-              <a:t>', </a:t>
-            </a:r>
-            <a:r>
-              <a:rPr lang="fr-FR" sz="1600" dirty="0" err="1"/>
-              <a:t>u'AnimalID</a:t>
-            </a:r>
-            <a:r>
-              <a:rPr lang="fr-FR" sz="1600" dirty="0"/>
-              <a:t>', </a:t>
-            </a:r>
-            <a:r>
-              <a:rPr lang="fr-FR" sz="1600" dirty="0" err="1"/>
-              <a:t>u'AnimalType</a:t>
-            </a:r>
-            <a:r>
-              <a:rPr lang="fr-FR" sz="1600" dirty="0"/>
-              <a:t>', </a:t>
-            </a:r>
-            <a:r>
-              <a:rPr lang="fr-FR" sz="1600" dirty="0" err="1"/>
-              <a:t>u'IntakeDate</a:t>
-            </a:r>
-            <a:r>
-              <a:rPr lang="fr-FR" sz="1600" dirty="0"/>
-              <a:t>', </a:t>
-            </a:r>
-            <a:r>
-              <a:rPr lang="fr-FR" sz="1600" dirty="0" err="1"/>
-              <a:t>u'IntakeYear</a:t>
-            </a:r>
-            <a:r>
-              <a:rPr lang="fr-FR" sz="1600" dirty="0"/>
-              <a:t>', </a:t>
-            </a:r>
-            <a:r>
-              <a:rPr lang="fr-FR" sz="1600" dirty="0" err="1"/>
-              <a:t>u'IntakeMonth</a:t>
-            </a:r>
-            <a:r>
-              <a:rPr lang="fr-FR" sz="1600" dirty="0"/>
-              <a:t>', </a:t>
-            </a:r>
-            <a:r>
-              <a:rPr lang="fr-FR" sz="1600" dirty="0" err="1"/>
-              <a:t>u'Name</a:t>
-            </a:r>
-            <a:r>
-              <a:rPr lang="fr-FR" sz="1600" dirty="0"/>
-              <a:t>', </a:t>
-            </a:r>
-            <a:r>
-              <a:rPr lang="fr-FR" sz="1600" dirty="0" err="1"/>
-              <a:t>u'Breed</a:t>
-            </a:r>
-            <a:r>
-              <a:rPr lang="fr-FR" sz="1600" dirty="0"/>
-              <a:t>', </a:t>
-            </a:r>
-            <a:r>
-              <a:rPr lang="fr-FR" sz="1600" dirty="0" err="1"/>
-              <a:t>u'Age</a:t>
-            </a:r>
-            <a:r>
-              <a:rPr lang="fr-FR" sz="1600" dirty="0"/>
-              <a:t>', </a:t>
-            </a:r>
-            <a:r>
-              <a:rPr lang="fr-FR" sz="1600" dirty="0" err="1"/>
-              <a:t>u'Sex</a:t>
-            </a:r>
-            <a:r>
-              <a:rPr lang="fr-FR" sz="1600" dirty="0"/>
-              <a:t>', </a:t>
-            </a:r>
-            <a:r>
-              <a:rPr lang="fr-FR" sz="1600" dirty="0" err="1"/>
-              <a:t>u'SpayNeuter</a:t>
-            </a:r>
-            <a:r>
-              <a:rPr lang="fr-FR" sz="1600" dirty="0"/>
-              <a:t>', </a:t>
-            </a:r>
-            <a:r>
-              <a:rPr lang="fr-FR" sz="1600" dirty="0" err="1"/>
-              <a:t>u'Size</a:t>
-            </a:r>
-            <a:r>
-              <a:rPr lang="fr-FR" sz="1600" dirty="0"/>
-              <a:t>', </a:t>
-            </a:r>
-            <a:r>
-              <a:rPr lang="fr-FR" sz="1600" dirty="0" err="1"/>
-              <a:t>u'Color</a:t>
-            </a:r>
-            <a:r>
-              <a:rPr lang="fr-FR" sz="1600" dirty="0"/>
-              <a:t>', </a:t>
-            </a:r>
-            <a:r>
-              <a:rPr lang="fr-FR" sz="1600" dirty="0" err="1"/>
-              <a:t>u'IntakeType</a:t>
-            </a:r>
-            <a:r>
-              <a:rPr lang="fr-FR" sz="1600" dirty="0"/>
-              <a:t>', </a:t>
-            </a:r>
-            <a:r>
-              <a:rPr lang="fr-FR" sz="1600" dirty="0" err="1"/>
-              <a:t>u'OutcomeSubtype</a:t>
-            </a:r>
-            <a:r>
-              <a:rPr lang="fr-FR" sz="1600" dirty="0"/>
-              <a:t>', </a:t>
-            </a:r>
-            <a:r>
-              <a:rPr lang="fr-FR" sz="1600" dirty="0" err="1"/>
-              <a:t>u'ZipFound</a:t>
-            </a:r>
-            <a:r>
-              <a:rPr lang="fr-FR" sz="1600" dirty="0"/>
-              <a:t>', </a:t>
-            </a:r>
-            <a:r>
-              <a:rPr lang="fr-FR" sz="1600" dirty="0" err="1"/>
-              <a:t>u'Latitude</a:t>
-            </a:r>
-            <a:r>
-              <a:rPr lang="fr-FR" sz="1600" dirty="0"/>
-              <a:t>', </a:t>
-            </a:r>
-            <a:r>
-              <a:rPr lang="fr-FR" sz="1600" dirty="0" err="1"/>
-              <a:t>u'Longitude</a:t>
-            </a:r>
-            <a:r>
-              <a:rPr lang="fr-FR" sz="1600" dirty="0"/>
-              <a:t>', </a:t>
-            </a:r>
-            <a:r>
-              <a:rPr lang="fr-FR" sz="1600" dirty="0" err="1"/>
-              <a:t>u'ZipPlaced</a:t>
-            </a:r>
-            <a:r>
-              <a:rPr lang="fr-FR" sz="1600" dirty="0"/>
-              <a:t>', </a:t>
-            </a:r>
-            <a:r>
-              <a:rPr lang="fr-FR" sz="1600" dirty="0" err="1"/>
-              <a:t>u'OutcomeDate</a:t>
-            </a:r>
-            <a:r>
-              <a:rPr lang="fr-FR" sz="1600" dirty="0"/>
-              <a:t>', </a:t>
-            </a:r>
-            <a:r>
-              <a:rPr lang="fr-FR" sz="1600" dirty="0" err="1"/>
-              <a:t>u'OutcomeYear</a:t>
-            </a:r>
-            <a:r>
-              <a:rPr lang="fr-FR" sz="1600" dirty="0"/>
-              <a:t>', </a:t>
-            </a:r>
-            <a:r>
-              <a:rPr lang="fr-FR" sz="1600" dirty="0" err="1"/>
-              <a:t>u'OutcomeMonth</a:t>
-            </a:r>
-            <a:r>
-              <a:rPr lang="fr-FR" sz="1600" dirty="0"/>
-              <a:t>', </a:t>
-            </a:r>
-            <a:r>
-              <a:rPr lang="fr-FR" sz="1600" dirty="0" err="1"/>
-              <a:t>u'icon</a:t>
-            </a:r>
-            <a:r>
-              <a:rPr lang="fr-FR" sz="1600" dirty="0"/>
-              <a:t> type', </a:t>
-            </a:r>
-            <a:r>
-              <a:rPr lang="fr-FR" sz="1600" dirty="0" err="1"/>
-              <a:t>u'IconName</a:t>
-            </a:r>
-            <a:r>
-              <a:rPr lang="fr-FR" sz="1600" dirty="0"/>
-              <a:t>']</a:t>
-            </a:r>
-          </a:p>
-          <a:p>
-            <a:pPr marL="0" indent="0">
-              <a:buNone/>
-            </a:pPr>
-            <a:r>
-              <a:rPr lang="fr-FR" sz="1600" dirty="0"/>
-              <a:t>INFO     2014-01-07 19:31:41,439 main.py:89] [[u'', u'A346562', </a:t>
-            </a:r>
-            <a:r>
-              <a:rPr lang="fr-FR" sz="1600" dirty="0" err="1"/>
-              <a:t>u'DOG</a:t>
-            </a:r>
-            <a:r>
-              <a:rPr lang="fr-FR" sz="1600" dirty="0"/>
-              <a:t>', u'2011-04-16T00:00:00Z', u'2011', </a:t>
-            </a:r>
-            <a:r>
-              <a:rPr lang="fr-FR" sz="1600" dirty="0" err="1"/>
-              <a:t>u'April</a:t>
-            </a:r>
-            <a:r>
-              <a:rPr lang="fr-FR" sz="1600" dirty="0"/>
-              <a:t>', </a:t>
-            </a:r>
-            <a:r>
-              <a:rPr lang="fr-FR" sz="1600" dirty="0" err="1"/>
-              <a:t>u'DIXIE</a:t>
-            </a:r>
-            <a:r>
-              <a:rPr lang="fr-FR" sz="1600" dirty="0"/>
-              <a:t>', u'', </a:t>
-            </a:r>
-            <a:r>
-              <a:rPr lang="fr-FR" sz="1600" dirty="0" err="1"/>
-              <a:t>u'Older</a:t>
-            </a:r>
-            <a:r>
-              <a:rPr lang="fr-FR" sz="1600" dirty="0"/>
-              <a:t> </a:t>
-            </a:r>
-            <a:r>
-              <a:rPr lang="fr-FR" sz="1600" dirty="0" err="1"/>
-              <a:t>than</a:t>
-            </a:r>
-            <a:r>
-              <a:rPr lang="fr-FR" sz="1600" dirty="0"/>
-              <a:t> 1 </a:t>
-            </a:r>
-            <a:r>
-              <a:rPr lang="fr-FR" sz="1600" dirty="0" err="1"/>
-              <a:t>year</a:t>
-            </a:r>
-            <a:r>
-              <a:rPr lang="fr-FR" sz="1600" dirty="0"/>
-              <a:t>', </a:t>
-            </a:r>
-            <a:r>
-              <a:rPr lang="fr-FR" sz="1600" dirty="0" err="1"/>
-              <a:t>u'MALE</a:t>
-            </a:r>
-            <a:r>
-              <a:rPr lang="fr-FR" sz="1600" dirty="0"/>
-              <a:t>', </a:t>
-            </a:r>
-            <a:r>
-              <a:rPr lang="fr-FR" sz="1600" dirty="0" err="1"/>
-              <a:t>u'true</a:t>
-            </a:r>
-            <a:r>
-              <a:rPr lang="fr-FR" sz="1600" dirty="0"/>
-              <a:t>', </a:t>
-            </a:r>
-            <a:r>
-              <a:rPr lang="fr-FR" sz="1600" dirty="0" err="1"/>
-              <a:t>u'MED</a:t>
-            </a:r>
-            <a:r>
-              <a:rPr lang="fr-FR" sz="1600" dirty="0"/>
-              <a:t>', </a:t>
-            </a:r>
-            <a:r>
-              <a:rPr lang="fr-FR" sz="1600" dirty="0" err="1"/>
-              <a:t>u'BLACK</a:t>
-            </a:r>
-            <a:r>
-              <a:rPr lang="fr-FR" sz="1600" dirty="0"/>
-              <a:t>', </a:t>
-            </a:r>
-            <a:r>
-              <a:rPr lang="fr-FR" sz="1600" dirty="0" err="1"/>
-              <a:t>u'Owner</a:t>
-            </a:r>
-            <a:r>
-              <a:rPr lang="fr-FR" sz="1600" dirty="0"/>
-              <a:t> </a:t>
-            </a:r>
-            <a:r>
-              <a:rPr lang="fr-FR" sz="1600" dirty="0" err="1"/>
-              <a:t>Surrender</a:t>
-            </a:r>
-            <a:r>
-              <a:rPr lang="fr-FR" sz="1600" dirty="0"/>
-              <a:t>', u'', u'40218', 38.1938, -85.6573, </a:t>
-            </a:r>
-            <a:r>
-              <a:rPr lang="fr-FR" sz="1600" dirty="0" err="1"/>
-              <a:t>u'NaN</a:t>
-            </a:r>
-            <a:r>
-              <a:rPr lang="fr-FR" sz="1600" dirty="0"/>
-              <a:t>', u'2011-04-16T00:00:00Z', u'2011', </a:t>
-            </a:r>
-            <a:r>
-              <a:rPr lang="fr-FR" sz="1600" dirty="0" err="1"/>
-              <a:t>u'April</a:t>
-            </a:r>
-            <a:r>
-              <a:rPr lang="fr-FR" sz="1600" dirty="0"/>
-              <a:t>', </a:t>
-            </a:r>
-            <a:r>
-              <a:rPr lang="fr-FR" sz="1600" dirty="0" err="1"/>
-              <a:t>u'NaN</a:t>
-            </a:r>
-            <a:r>
-              <a:rPr lang="fr-FR" sz="1600" dirty="0"/>
-              <a:t>', u''], [u'', u'A364651', </a:t>
-            </a:r>
-            <a:r>
-              <a:rPr lang="fr-FR" sz="1600" dirty="0" err="1"/>
-              <a:t>u'DOG</a:t>
-            </a:r>
-            <a:r>
-              <a:rPr lang="fr-FR" sz="1600" dirty="0"/>
-              <a:t>', u'2011-03-11T00:00:00Z', u'2011', </a:t>
-            </a:r>
-            <a:r>
-              <a:rPr lang="fr-FR" sz="1600" dirty="0" err="1"/>
-              <a:t>u'March</a:t>
-            </a:r>
-            <a:r>
-              <a:rPr lang="fr-FR" sz="1600" dirty="0"/>
-              <a:t>', </a:t>
-            </a:r>
-            <a:r>
-              <a:rPr lang="fr-FR" sz="1600" dirty="0" err="1"/>
-              <a:t>u'KAYLEE</a:t>
-            </a:r>
-            <a:r>
-              <a:rPr lang="fr-FR" sz="1600" dirty="0"/>
-              <a:t>', </a:t>
-            </a:r>
-            <a:r>
-              <a:rPr lang="fr-FR" sz="1600" dirty="0" err="1"/>
-              <a:t>u'YORKSHIRE</a:t>
-            </a:r>
-            <a:r>
-              <a:rPr lang="fr-FR" sz="1600" dirty="0"/>
-              <a:t> TERR - POODLE TOY', </a:t>
-            </a:r>
-            <a:r>
-              <a:rPr lang="fr-FR" sz="1600" dirty="0" err="1"/>
-              <a:t>u'Older</a:t>
-            </a:r>
-            <a:r>
-              <a:rPr lang="fr-FR" sz="1600" dirty="0"/>
-              <a:t> </a:t>
-            </a:r>
-            <a:r>
-              <a:rPr lang="fr-FR" sz="1600" dirty="0" err="1"/>
-              <a:t>than</a:t>
-            </a:r>
-            <a:r>
-              <a:rPr lang="fr-FR" sz="1600" dirty="0"/>
-              <a:t> 1 </a:t>
-            </a:r>
-            <a:r>
-              <a:rPr lang="fr-FR" sz="1600" dirty="0" err="1"/>
-              <a:t>year</a:t>
-            </a:r>
-            <a:r>
-              <a:rPr lang="fr-FR" sz="1600" dirty="0"/>
-              <a:t>', </a:t>
-            </a:r>
-            <a:r>
-              <a:rPr lang="fr-FR" sz="1600" dirty="0" err="1"/>
-              <a:t>u'FEMALE</a:t>
-            </a:r>
-            <a:r>
-              <a:rPr lang="fr-FR" sz="1600" dirty="0"/>
-              <a:t>', </a:t>
-            </a:r>
-            <a:r>
-              <a:rPr lang="fr-FR" sz="1600" dirty="0" err="1"/>
-              <a:t>u'true</a:t>
-            </a:r>
-            <a:r>
-              <a:rPr lang="fr-FR" sz="1600" dirty="0"/>
-              <a:t>', </a:t>
-            </a:r>
-            <a:r>
-              <a:rPr lang="fr-FR" sz="1600" dirty="0" err="1"/>
-              <a:t>u'TOY</a:t>
-            </a:r>
-            <a:r>
-              <a:rPr lang="fr-FR" sz="1600" dirty="0"/>
-              <a:t>', </a:t>
-            </a:r>
-            <a:r>
-              <a:rPr lang="fr-FR" sz="1600" dirty="0" err="1"/>
-              <a:t>u'BLACK</a:t>
-            </a:r>
-            <a:r>
-              <a:rPr lang="fr-FR" sz="1600" dirty="0"/>
-              <a:t>', </a:t>
-            </a:r>
-            <a:r>
-              <a:rPr lang="fr-FR" sz="1600" dirty="0" err="1"/>
-              <a:t>u'Impound</a:t>
-            </a:r>
-            <a:r>
-              <a:rPr lang="fr-FR" sz="1600" dirty="0"/>
-              <a:t>', u'', u'40202', 38.2529, -85.7514, u'40218', u'2011-04-01T00:00:00Z', u'2011', </a:t>
-            </a:r>
-            <a:r>
-              <a:rPr lang="fr-FR" sz="1600" dirty="0" err="1"/>
-              <a:t>u'April</a:t>
-            </a:r>
-            <a:r>
-              <a:rPr lang="fr-FR" sz="1600" dirty="0"/>
-              <a:t>', </a:t>
-            </a:r>
-            <a:r>
-              <a:rPr lang="fr-FR" sz="1600" dirty="0" err="1"/>
-              <a:t>u'NaN</a:t>
-            </a:r>
-            <a:r>
-              <a:rPr lang="fr-FR" sz="1600" dirty="0"/>
-              <a:t>', u'']]</a:t>
-            </a:r>
-          </a:p>
-          <a:p>
-            <a:pPr marL="0" indent="0">
-              <a:buNone/>
-            </a:pPr>
-            <a:endParaRPr lang="fr-FR" sz="1600" dirty="0"/>
-          </a:p>
-          <a:p>
-            <a:pPr marL="0" indent="0">
-              <a:buNone/>
-            </a:pPr>
-            <a:endParaRPr lang="en-US" sz="1600" dirty="0"/>
+              <a:rPr lang="en-US" dirty="0" smtClean="0"/>
+              <a:t>We’ll be talking more about this in lecture</a:t>
+            </a:r>
           </a:p>
         </p:txBody>
       </p:sp>
@@ -17792,7 +13414,7 @@
           <a:p>
             <a:fld id="{7053BEFA-1175-F644-B249-7D41D72BD3FF}" type="datetime1">
               <a:rPr lang="en-US" smtClean="0"/>
-              <a:t>1/29/16</a:t>
+              <a:t>1/23/17</a:t>
             </a:fld>
             <a:endParaRPr lang="en-US"/>
           </a:p>
@@ -17843,7 +13465,7 @@
     </p:spTree>
     <p:extLst>
       <p:ext uri="{BB962C8B-B14F-4D97-AF65-F5344CB8AC3E}">
-        <p14:creationId xmlns:p14="http://schemas.microsoft.com/office/powerpoint/2010/main" val="4293367200"/>
+        <p14:creationId xmlns:p14="http://schemas.microsoft.com/office/powerpoint/2010/main" val="1542218412"/>
       </p:ext>
     </p:extLst>
   </p:cSld>
@@ -17853,7 +13475,7 @@
   <p:timing>
     <p:tnLst>
       <p:par>
-        <p:cTn xmlns:p14="http://schemas.microsoft.com/office/powerpoint/2010/main" id="1" dur="indefinite" restart="never" nodeType="tmRoot"/>
+        <p:cTn id="1" dur="indefinite" restart="never" nodeType="tmRoot"/>
       </p:par>
     </p:tnLst>
   </p:timing>
@@ -17894,7 +13516,7 @@
           <a:p>
             <a:r>
               <a:rPr lang="en-US" dirty="0" smtClean="0"/>
-              <a:t>Exploratory Analysis</a:t>
+              <a:t>Two Adventures</a:t>
             </a:r>
             <a:endParaRPr lang="en-US" dirty="0"/>
           </a:p>
@@ -17914,31 +13536,69 @@
         <p:txBody>
           <a:bodyPr/>
           <a:lstStyle/>
+          <a:p>
+            <a:r>
+              <a:rPr lang="en-US" dirty="0" smtClean="0"/>
+              <a:t>Using Wrangler to clean up and explore the data (Beginner-Intermediate Level)</a:t>
+            </a:r>
+          </a:p>
+          <a:p>
+            <a:pPr lvl="1"/>
+            <a:r>
+              <a:rPr lang="en-US" dirty="0" smtClean="0"/>
+              <a:t>Find a data set (for example, from a Fusion Table)</a:t>
+            </a:r>
+          </a:p>
+          <a:p>
+            <a:pPr lvl="1"/>
+            <a:r>
+              <a:rPr lang="en-US" dirty="0" smtClean="0"/>
+              <a:t>Download it and load it into Wrangler.</a:t>
+            </a:r>
+          </a:p>
+          <a:p>
+            <a:pPr lvl="1"/>
+            <a:r>
+              <a:rPr lang="en-US" dirty="0" smtClean="0"/>
+              <a:t>Clean up the data.</a:t>
+            </a:r>
+          </a:p>
+          <a:p>
+            <a:pPr lvl="1"/>
+            <a:r>
+              <a:rPr lang="en-US" dirty="0" smtClean="0"/>
+              <a:t>Download it as CSV and use it to create a new Fusion Table.</a:t>
+            </a:r>
+          </a:p>
+          <a:p>
+            <a:pPr lvl="1"/>
+            <a:r>
+              <a:rPr lang="en-US" dirty="0" smtClean="0"/>
+              <a:t>Use the same approach from Byte 1 to visualize and explore your data.</a:t>
+            </a:r>
+          </a:p>
+          <a:p>
+            <a:pPr lvl="1"/>
+            <a:endParaRPr lang="en-US" dirty="0" smtClean="0"/>
+          </a:p>
+          <a:p>
+            <a:pPr marL="514350" indent="-514350">
+              <a:buFont typeface="+mj-lt"/>
+              <a:buAutoNum type="arabicPeriod"/>
+            </a:pPr>
+            <a:endParaRPr lang="en-US" dirty="0"/>
+          </a:p>
           <a:p>
             <a:pPr marL="0" indent="0">
               <a:buNone/>
             </a:pPr>
-            <a:r>
-              <a:rPr lang="en-US" dirty="0" smtClean="0"/>
-              <a:t>Combination of statistics </a:t>
-            </a:r>
-            <a:r>
-              <a:rPr lang="en-US" i="1" dirty="0" smtClean="0"/>
-              <a:t>and </a:t>
-            </a:r>
-            <a:r>
-              <a:rPr lang="en-US" dirty="0" smtClean="0"/>
-              <a:t>graphics</a:t>
-            </a:r>
+            <a:endParaRPr lang="en-US" dirty="0" smtClean="0"/>
           </a:p>
           <a:p>
             <a:pPr marL="0" indent="0">
               <a:buNone/>
             </a:pPr>
-            <a:r>
-              <a:rPr lang="en-US" dirty="0" smtClean="0"/>
-              <a:t>We’ll be talking more about this in lecture</a:t>
-            </a:r>
+            <a:endParaRPr lang="en-US" dirty="0"/>
           </a:p>
         </p:txBody>
       </p:sp>
@@ -17959,7 +13619,7 @@
           <a:p>
             <a:fld id="{7053BEFA-1175-F644-B249-7D41D72BD3FF}" type="datetime1">
               <a:rPr lang="en-US" smtClean="0"/>
-              <a:t>1/29/16</a:t>
+              <a:t>1/23/17</a:t>
             </a:fld>
             <a:endParaRPr lang="en-US"/>
           </a:p>
@@ -18010,7 +13670,7 @@
     </p:spTree>
     <p:extLst>
       <p:ext uri="{BB962C8B-B14F-4D97-AF65-F5344CB8AC3E}">
-        <p14:creationId xmlns:p14="http://schemas.microsoft.com/office/powerpoint/2010/main" val="1542218412"/>
+        <p14:creationId xmlns:p14="http://schemas.microsoft.com/office/powerpoint/2010/main" val="2441020037"/>
       </p:ext>
     </p:extLst>
   </p:cSld>
@@ -18020,7 +13680,7 @@
   <p:timing>
     <p:tnLst>
       <p:par>
-        <p:cTn xmlns:p14="http://schemas.microsoft.com/office/powerpoint/2010/main" id="1" dur="indefinite" restart="never" nodeType="tmRoot"/>
+        <p:cTn id="1" dur="indefinite" restart="never" nodeType="tmRoot"/>
       </p:par>
     </p:tnLst>
   </p:timing>
